--- a/BALLANZA_Andy_CANTE_Clément_Blockout.pptx
+++ b/BALLANZA_Andy_CANTE_Clément_Blockout.pptx
@@ -104,12 +104,31 @@
       </a:defRPr>
     </a:lvl9pPr>
   </p:defaultTextStyle>
+  <p:extLst>
+    <p:ext uri="{EFAFB233-063F-42B5-8137-9DF3F51BA10A}">
+      <p15:sldGuideLst xmlns:p15="http://schemas.microsoft.com/office/powerpoint/2012/main"/>
+    </p:ext>
+  </p:extLst>
 </p:presentation>
 </file>
 
 <file path=ppt/slideLayouts/slideLayout1.xml><?xml version="1.0" encoding="utf-8"?>
-<p:sldLayout xmlns:a="http://schemas.openxmlformats.org/drawingml/2006/main" xmlns:r="http://schemas.openxmlformats.org/officeDocument/2006/relationships" xmlns:p="http://schemas.openxmlformats.org/presentationml/2006/main" type="title" preserve="1">
+<p:sldLayout xmlns:a="http://schemas.openxmlformats.org/drawingml/2006/main" xmlns:r="http://schemas.openxmlformats.org/officeDocument/2006/relationships" xmlns:p="http://schemas.openxmlformats.org/presentationml/2006/main" preserve="1" userDrawn="1">
   <p:cSld name="Diapositive de titre">
+    <p:bg>
+      <p:bgPr>
+        <a:blipFill dpi="0" rotWithShape="1">
+          <a:blip r:embed="rId2">
+            <a:lum/>
+          </a:blip>
+          <a:srcRect/>
+          <a:stretch>
+            <a:fillRect t="-6000" b="-6000"/>
+          </a:stretch>
+        </a:blipFill>
+        <a:effectLst/>
+      </p:bgPr>
+    </p:bg>
     <p:spTree>
       <p:nvGrpSpPr>
         <p:cNvPr id="1" name=""/>
@@ -137,7 +156,7 @@
             <a:spLocks noGrp="1"/>
           </p:cNvSpPr>
           <p:nvPr>
-            <p:ph type="ctrTitle"/>
+            <p:ph type="ctrTitle" hasCustomPrompt="1"/>
           </p:nvPr>
         </p:nvSpPr>
         <p:spPr>
@@ -147,7 +166,7 @@
           </a:xfrm>
         </p:spPr>
         <p:txBody>
-          <a:bodyPr anchor="b"/>
+          <a:bodyPr anchor="t"/>
           <a:lstStyle>
             <a:lvl1pPr algn="ctr">
               <a:defRPr sz="6000"/>
@@ -155,99 +174,49 @@
           </a:lstStyle>
           <a:p>
             <a:r>
-              <a:rPr lang="fr-FR"/>
-              <a:t>Modifiez le style du titre</a:t>
-            </a:r>
-          </a:p>
-        </p:txBody>
-      </p:sp>
-      <p:sp>
-        <p:nvSpPr>
-          <p:cNvPr id="3" name="Sous-titre 2">
-            <a:extLst>
-              <a:ext uri="{FF2B5EF4-FFF2-40B4-BE49-F238E27FC236}">
-                <a16:creationId xmlns:a16="http://schemas.microsoft.com/office/drawing/2014/main" id="{01C0495A-BF42-5994-3F4A-85F89E87B2B5}"/>
-              </a:ext>
-            </a:extLst>
-          </p:cNvPr>
-          <p:cNvSpPr>
-            <a:spLocks noGrp="1"/>
-          </p:cNvSpPr>
-          <p:nvPr>
-            <p:ph type="subTitle" idx="1"/>
+              <a:rPr lang="fr-FR" dirty="0"/>
+              <a:t>BALLANZA Andy</a:t>
+            </a:r>
+            <a:br>
+              <a:rPr lang="fr-FR" dirty="0"/>
+            </a:br>
+            <a:r>
+              <a:rPr lang="fr-FR" dirty="0"/>
+              <a:t>CANTE </a:t>
+            </a:r>
+            <a:r>
+              <a:rPr lang="fr-FR" dirty="0" err="1"/>
+              <a:t>ClEment</a:t>
+            </a:r>
+            <a:endParaRPr lang="fr-FR" dirty="0"/>
+          </a:p>
+        </p:txBody>
+      </p:sp>
+      <p:sp>
+        <p:nvSpPr>
+          <p:cNvPr id="4" name="Espace réservé de la date 3">
+            <a:extLst>
+              <a:ext uri="{FF2B5EF4-FFF2-40B4-BE49-F238E27FC236}">
+                <a16:creationId xmlns:a16="http://schemas.microsoft.com/office/drawing/2014/main" id="{CEC6DDCC-6D16-78CB-4B2C-255E26A9C848}"/>
+              </a:ext>
+            </a:extLst>
+          </p:cNvPr>
+          <p:cNvSpPr>
+            <a:spLocks noGrp="1"/>
+          </p:cNvSpPr>
+          <p:nvPr>
+            <p:ph type="dt" sz="half" idx="10"/>
           </p:nvPr>
         </p:nvSpPr>
         <p:spPr>
           <a:xfrm>
-            <a:off x="1524000" y="3602038"/>
-            <a:ext cx="9144000" cy="1655762"/>
+            <a:off x="838200" y="6356350"/>
+            <a:ext cx="2743200" cy="365125"/>
           </a:xfrm>
+          <a:prstGeom prst="rect">
+            <a:avLst/>
+          </a:prstGeom>
         </p:spPr>
-        <p:txBody>
-          <a:bodyPr/>
-          <a:lstStyle>
-            <a:lvl1pPr marL="0" indent="0" algn="ctr">
-              <a:buNone/>
-              <a:defRPr sz="2400"/>
-            </a:lvl1pPr>
-            <a:lvl2pPr marL="457200" indent="0" algn="ctr">
-              <a:buNone/>
-              <a:defRPr sz="2000"/>
-            </a:lvl2pPr>
-            <a:lvl3pPr marL="914400" indent="0" algn="ctr">
-              <a:buNone/>
-              <a:defRPr sz="1800"/>
-            </a:lvl3pPr>
-            <a:lvl4pPr marL="1371600" indent="0" algn="ctr">
-              <a:buNone/>
-              <a:defRPr sz="1600"/>
-            </a:lvl4pPr>
-            <a:lvl5pPr marL="1828800" indent="0" algn="ctr">
-              <a:buNone/>
-              <a:defRPr sz="1600"/>
-            </a:lvl5pPr>
-            <a:lvl6pPr marL="2286000" indent="0" algn="ctr">
-              <a:buNone/>
-              <a:defRPr sz="1600"/>
-            </a:lvl6pPr>
-            <a:lvl7pPr marL="2743200" indent="0" algn="ctr">
-              <a:buNone/>
-              <a:defRPr sz="1600"/>
-            </a:lvl7pPr>
-            <a:lvl8pPr marL="3200400" indent="0" algn="ctr">
-              <a:buNone/>
-              <a:defRPr sz="1600"/>
-            </a:lvl8pPr>
-            <a:lvl9pPr marL="3657600" indent="0" algn="ctr">
-              <a:buNone/>
-              <a:defRPr sz="1600"/>
-            </a:lvl9pPr>
-          </a:lstStyle>
-          <a:p>
-            <a:r>
-              <a:rPr lang="fr-FR"/>
-              <a:t>Modifiez le style des sous-titres du masque</a:t>
-            </a:r>
-          </a:p>
-        </p:txBody>
-      </p:sp>
-      <p:sp>
-        <p:nvSpPr>
-          <p:cNvPr id="4" name="Espace réservé de la date 3">
-            <a:extLst>
-              <a:ext uri="{FF2B5EF4-FFF2-40B4-BE49-F238E27FC236}">
-                <a16:creationId xmlns:a16="http://schemas.microsoft.com/office/drawing/2014/main" id="{CEC6DDCC-6D16-78CB-4B2C-255E26A9C848}"/>
-              </a:ext>
-            </a:extLst>
-          </p:cNvPr>
-          <p:cNvSpPr>
-            <a:spLocks noGrp="1"/>
-          </p:cNvSpPr>
-          <p:nvPr>
-            <p:ph type="dt" sz="half" idx="10"/>
-          </p:nvPr>
-        </p:nvSpPr>
-        <p:spPr/>
         <p:txBody>
           <a:bodyPr/>
           <a:lstStyle/>
@@ -445,7 +414,15 @@
             <p:ph type="dt" sz="half" idx="10"/>
           </p:nvPr>
         </p:nvSpPr>
-        <p:spPr/>
+        <p:spPr>
+          <a:xfrm>
+            <a:off x="838200" y="6356350"/>
+            <a:ext cx="2743200" cy="365125"/>
+          </a:xfrm>
+          <a:prstGeom prst="rect">
+            <a:avLst/>
+          </a:prstGeom>
+        </p:spPr>
         <p:txBody>
           <a:bodyPr/>
           <a:lstStyle/>
@@ -653,7 +630,15 @@
             <p:ph type="dt" sz="half" idx="10"/>
           </p:nvPr>
         </p:nvSpPr>
-        <p:spPr/>
+        <p:spPr>
+          <a:xfrm>
+            <a:off x="838200" y="6356350"/>
+            <a:ext cx="2743200" cy="365125"/>
+          </a:xfrm>
+          <a:prstGeom prst="rect">
+            <a:avLst/>
+          </a:prstGeom>
+        </p:spPr>
         <p:txBody>
           <a:bodyPr/>
           <a:lstStyle/>
@@ -724,6 +709,50 @@
     <p:extLst>
       <p:ext uri="{BB962C8B-B14F-4D97-AF65-F5344CB8AC3E}">
         <p14:creationId xmlns:p14="http://schemas.microsoft.com/office/powerpoint/2010/main" val="3676371968"/>
+      </p:ext>
+    </p:extLst>
+  </p:cSld>
+  <p:clrMapOvr>
+    <a:masterClrMapping/>
+  </p:clrMapOvr>
+</p:sldLayout>
+</file>
+
+<file path=ppt/slideLayouts/slideLayout12.xml><?xml version="1.0" encoding="utf-8"?>
+<p:sldLayout xmlns:a="http://schemas.openxmlformats.org/drawingml/2006/main" xmlns:r="http://schemas.openxmlformats.org/officeDocument/2006/relationships" xmlns:p="http://schemas.openxmlformats.org/presentationml/2006/main" preserve="1" userDrawn="1">
+  <p:cSld name="Titre">
+    <p:bg>
+      <p:bgPr>
+        <a:blipFill dpi="0" rotWithShape="1">
+          <a:blip r:embed="rId2">
+            <a:lum/>
+          </a:blip>
+          <a:srcRect/>
+          <a:stretch>
+            <a:fillRect/>
+          </a:stretch>
+        </a:blipFill>
+        <a:effectLst/>
+      </p:bgPr>
+    </p:bg>
+    <p:spTree>
+      <p:nvGrpSpPr>
+        <p:cNvPr id="1" name=""/>
+        <p:cNvGrpSpPr/>
+        <p:nvPr/>
+      </p:nvGrpSpPr>
+      <p:grpSpPr>
+        <a:xfrm>
+          <a:off x="0" y="0"/>
+          <a:ext cx="0" cy="0"/>
+          <a:chOff x="0" y="0"/>
+          <a:chExt cx="0" cy="0"/>
+        </a:xfrm>
+      </p:grpSpPr>
+    </p:spTree>
+    <p:extLst>
+      <p:ext uri="{BB962C8B-B14F-4D97-AF65-F5344CB8AC3E}">
+        <p14:creationId xmlns:p14="http://schemas.microsoft.com/office/powerpoint/2010/main" val="3529644221"/>
       </p:ext>
     </p:extLst>
   </p:cSld>
@@ -851,7 +880,15 @@
             <p:ph type="dt" sz="half" idx="10"/>
           </p:nvPr>
         </p:nvSpPr>
-        <p:spPr/>
+        <p:spPr>
+          <a:xfrm>
+            <a:off x="838200" y="6356350"/>
+            <a:ext cx="2743200" cy="365125"/>
+          </a:xfrm>
+          <a:prstGeom prst="rect">
+            <a:avLst/>
+          </a:prstGeom>
+        </p:spPr>
         <p:txBody>
           <a:bodyPr/>
           <a:lstStyle/>
@@ -1126,7 +1163,15 @@
             <p:ph type="dt" sz="half" idx="10"/>
           </p:nvPr>
         </p:nvSpPr>
-        <p:spPr/>
+        <p:spPr>
+          <a:xfrm>
+            <a:off x="838200" y="6356350"/>
+            <a:ext cx="2743200" cy="365125"/>
+          </a:xfrm>
+          <a:prstGeom prst="rect">
+            <a:avLst/>
+          </a:prstGeom>
+        </p:spPr>
         <p:txBody>
           <a:bodyPr/>
           <a:lstStyle/>
@@ -1391,7 +1436,15 @@
             <p:ph type="dt" sz="half" idx="10"/>
           </p:nvPr>
         </p:nvSpPr>
-        <p:spPr/>
+        <p:spPr>
+          <a:xfrm>
+            <a:off x="838200" y="6356350"/>
+            <a:ext cx="2743200" cy="365125"/>
+          </a:xfrm>
+          <a:prstGeom prst="rect">
+            <a:avLst/>
+          </a:prstGeom>
+        </p:spPr>
         <p:txBody>
           <a:bodyPr/>
           <a:lstStyle/>
@@ -1803,7 +1856,15 @@
             <p:ph type="dt" sz="half" idx="10"/>
           </p:nvPr>
         </p:nvSpPr>
-        <p:spPr/>
+        <p:spPr>
+          <a:xfrm>
+            <a:off x="838200" y="6356350"/>
+            <a:ext cx="2743200" cy="365125"/>
+          </a:xfrm>
+          <a:prstGeom prst="rect">
+            <a:avLst/>
+          </a:prstGeom>
+        </p:spPr>
         <p:txBody>
           <a:bodyPr/>
           <a:lstStyle/>
@@ -1944,7 +2005,15 @@
             <p:ph type="dt" sz="half" idx="10"/>
           </p:nvPr>
         </p:nvSpPr>
-        <p:spPr/>
+        <p:spPr>
+          <a:xfrm>
+            <a:off x="838200" y="6356350"/>
+            <a:ext cx="2743200" cy="365125"/>
+          </a:xfrm>
+          <a:prstGeom prst="rect">
+            <a:avLst/>
+          </a:prstGeom>
+        </p:spPr>
         <p:txBody>
           <a:bodyPr/>
           <a:lstStyle/>
@@ -2057,7 +2126,15 @@
             <p:ph type="dt" sz="half" idx="10"/>
           </p:nvPr>
         </p:nvSpPr>
-        <p:spPr/>
+        <p:spPr>
+          <a:xfrm>
+            <a:off x="838200" y="6356350"/>
+            <a:ext cx="2743200" cy="365125"/>
+          </a:xfrm>
+          <a:prstGeom prst="rect">
+            <a:avLst/>
+          </a:prstGeom>
+        </p:spPr>
         <p:txBody>
           <a:bodyPr/>
           <a:lstStyle/>
@@ -2368,7 +2445,15 @@
             <p:ph type="dt" sz="half" idx="10"/>
           </p:nvPr>
         </p:nvSpPr>
-        <p:spPr/>
+        <p:spPr>
+          <a:xfrm>
+            <a:off x="838200" y="6356350"/>
+            <a:ext cx="2743200" cy="365125"/>
+          </a:xfrm>
+          <a:prstGeom prst="rect">
+            <a:avLst/>
+          </a:prstGeom>
+        </p:spPr>
         <p:txBody>
           <a:bodyPr/>
           <a:lstStyle/>
@@ -2656,7 +2741,15 @@
             <p:ph type="dt" sz="half" idx="10"/>
           </p:nvPr>
         </p:nvSpPr>
-        <p:spPr/>
+        <p:spPr>
+          <a:xfrm>
+            <a:off x="838200" y="6356350"/>
+            <a:ext cx="2743200" cy="365125"/>
+          </a:xfrm>
+          <a:prstGeom prst="rect">
+            <a:avLst/>
+          </a:prstGeom>
+        </p:spPr>
         <p:txBody>
           <a:bodyPr/>
           <a:lstStyle/>
@@ -2740,9 +2833,28 @@
 <p:sldMaster xmlns:a="http://schemas.openxmlformats.org/drawingml/2006/main" xmlns:r="http://schemas.openxmlformats.org/officeDocument/2006/relationships" xmlns:p="http://schemas.openxmlformats.org/presentationml/2006/main">
   <p:cSld>
     <p:bg>
-      <p:bgRef idx="1001">
-        <a:schemeClr val="bg1"/>
-      </p:bgRef>
+      <p:bgPr>
+        <a:blipFill dpi="0" rotWithShape="1">
+          <a:blip r:embed="rId14">
+            <a:extLst>
+              <a:ext uri="{BEBA8EAE-BF5A-486C-A8C5-ECC9F3942E4B}">
+                <a14:imgProps xmlns:a14="http://schemas.microsoft.com/office/drawing/2010/main">
+                  <a14:imgLayer r:embed="rId15">
+                    <a14:imgEffect>
+                      <a14:sharpenSoften amount="-75000"/>
+                    </a14:imgEffect>
+                  </a14:imgLayer>
+                </a14:imgProps>
+              </a:ext>
+            </a:extLst>
+          </a:blip>
+          <a:srcRect/>
+          <a:stretch>
+            <a:fillRect/>
+          </a:stretch>
+        </a:blipFill>
+        <a:effectLst/>
+      </p:bgPr>
     </p:bg>
     <p:spTree>
       <p:nvGrpSpPr>
@@ -2790,7 +2902,7 @@
           <a:lstStyle/>
           <a:p>
             <a:r>
-              <a:rPr lang="fr-FR"/>
+              <a:rPr lang="fr-FR" dirty="0"/>
               <a:t>Modifiez le style du titre</a:t>
             </a:r>
           </a:p>
@@ -2865,23 +2977,65 @@
       </p:sp>
       <p:sp>
         <p:nvSpPr>
-          <p:cNvPr id="4" name="Espace réservé de la date 3">
-            <a:extLst>
-              <a:ext uri="{FF2B5EF4-FFF2-40B4-BE49-F238E27FC236}">
-                <a16:creationId xmlns:a16="http://schemas.microsoft.com/office/drawing/2014/main" id="{5554E2B4-2DCD-4279-D2D8-8368D9057EB7}"/>
-              </a:ext>
-            </a:extLst>
-          </p:cNvPr>
-          <p:cNvSpPr>
-            <a:spLocks noGrp="1"/>
-          </p:cNvSpPr>
-          <p:nvPr>
-            <p:ph type="dt" sz="half" idx="2"/>
+          <p:cNvPr id="5" name="Espace réservé du pied de page 4">
+            <a:extLst>
+              <a:ext uri="{FF2B5EF4-FFF2-40B4-BE49-F238E27FC236}">
+                <a16:creationId xmlns:a16="http://schemas.microsoft.com/office/drawing/2014/main" id="{279A1CC4-59DC-41FC-156E-4DB4BA8EC997}"/>
+              </a:ext>
+            </a:extLst>
+          </p:cNvPr>
+          <p:cNvSpPr>
+            <a:spLocks noGrp="1"/>
+          </p:cNvSpPr>
+          <p:nvPr>
+            <p:ph type="ftr" sz="quarter" idx="3"/>
           </p:nvPr>
         </p:nvSpPr>
         <p:spPr>
           <a:xfrm>
-            <a:off x="838200" y="6356350"/>
+            <a:off x="4038600" y="6480175"/>
+            <a:ext cx="4114800" cy="365125"/>
+          </a:xfrm>
+          <a:prstGeom prst="rect">
+            <a:avLst/>
+          </a:prstGeom>
+        </p:spPr>
+        <p:txBody>
+          <a:bodyPr vert="horz" lIns="91440" tIns="45720" rIns="91440" bIns="45720" rtlCol="0" anchor="ctr"/>
+          <a:lstStyle>
+            <a:lvl1pPr algn="ctr">
+              <a:defRPr sz="800">
+                <a:solidFill>
+                  <a:srgbClr val="ECE42A"/>
+                </a:solidFill>
+                <a:latin typeface="Future Rot" pitchFamily="2" charset="0"/>
+              </a:defRPr>
+            </a:lvl1pPr>
+          </a:lstStyle>
+          <a:p>
+            <a:endParaRPr lang="fr-FR"/>
+          </a:p>
+        </p:txBody>
+      </p:sp>
+      <p:sp>
+        <p:nvSpPr>
+          <p:cNvPr id="6" name="Espace réservé du numéro de diapositive 5">
+            <a:extLst>
+              <a:ext uri="{FF2B5EF4-FFF2-40B4-BE49-F238E27FC236}">
+                <a16:creationId xmlns:a16="http://schemas.microsoft.com/office/drawing/2014/main" id="{5464B3AE-68CA-B479-24A7-77E9B547D16C}"/>
+              </a:ext>
+            </a:extLst>
+          </p:cNvPr>
+          <p:cNvSpPr>
+            <a:spLocks noGrp="1"/>
+          </p:cNvSpPr>
+          <p:nvPr>
+            <p:ph type="sldNum" sz="quarter" idx="4"/>
+          </p:nvPr>
+        </p:nvSpPr>
+        <p:spPr>
+          <a:xfrm>
+            <a:off x="8610600" y="6492875"/>
             <a:ext cx="2743200" cy="365125"/>
           </a:xfrm>
           <a:prstGeom prst="rect">
@@ -2891,109 +3045,19 @@
         <p:txBody>
           <a:bodyPr vert="horz" lIns="91440" tIns="45720" rIns="91440" bIns="45720" rtlCol="0" anchor="ctr"/>
           <a:lstStyle>
-            <a:lvl1pPr algn="l">
-              <a:defRPr sz="1200">
+            <a:lvl1pPr algn="r">
+              <a:defRPr sz="800">
                 <a:solidFill>
-                  <a:schemeClr val="tx1">
-                    <a:tint val="82000"/>
-                  </a:schemeClr>
+                  <a:srgbClr val="ECE42A"/>
                 </a:solidFill>
+                <a:latin typeface="Future Rot" pitchFamily="2" charset="0"/>
               </a:defRPr>
             </a:lvl1pPr>
           </a:lstStyle>
           <a:p>
-            <a:fld id="{D506E3D2-1C1B-4B4D-A79F-026D65299525}" type="datetimeFigureOut">
-              <a:rPr lang="fr-FR" smtClean="0"/>
-              <a:t>17/04/2025</a:t>
-            </a:fld>
-            <a:endParaRPr lang="fr-FR"/>
-          </a:p>
-        </p:txBody>
-      </p:sp>
-      <p:sp>
-        <p:nvSpPr>
-          <p:cNvPr id="5" name="Espace réservé du pied de page 4">
-            <a:extLst>
-              <a:ext uri="{FF2B5EF4-FFF2-40B4-BE49-F238E27FC236}">
-                <a16:creationId xmlns:a16="http://schemas.microsoft.com/office/drawing/2014/main" id="{279A1CC4-59DC-41FC-156E-4DB4BA8EC997}"/>
-              </a:ext>
-            </a:extLst>
-          </p:cNvPr>
-          <p:cNvSpPr>
-            <a:spLocks noGrp="1"/>
-          </p:cNvSpPr>
-          <p:nvPr>
-            <p:ph type="ftr" sz="quarter" idx="3"/>
-          </p:nvPr>
-        </p:nvSpPr>
-        <p:spPr>
-          <a:xfrm>
-            <a:off x="4038600" y="6356350"/>
-            <a:ext cx="4114800" cy="365125"/>
-          </a:xfrm>
-          <a:prstGeom prst="rect">
-            <a:avLst/>
-          </a:prstGeom>
-        </p:spPr>
-        <p:txBody>
-          <a:bodyPr vert="horz" lIns="91440" tIns="45720" rIns="91440" bIns="45720" rtlCol="0" anchor="ctr"/>
-          <a:lstStyle>
-            <a:lvl1pPr algn="ctr">
-              <a:defRPr sz="1200">
-                <a:solidFill>
-                  <a:schemeClr val="tx1">
-                    <a:tint val="82000"/>
-                  </a:schemeClr>
-                </a:solidFill>
-              </a:defRPr>
-            </a:lvl1pPr>
-          </a:lstStyle>
-          <a:p>
-            <a:endParaRPr lang="fr-FR"/>
-          </a:p>
-        </p:txBody>
-      </p:sp>
-      <p:sp>
-        <p:nvSpPr>
-          <p:cNvPr id="6" name="Espace réservé du numéro de diapositive 5">
-            <a:extLst>
-              <a:ext uri="{FF2B5EF4-FFF2-40B4-BE49-F238E27FC236}">
-                <a16:creationId xmlns:a16="http://schemas.microsoft.com/office/drawing/2014/main" id="{5464B3AE-68CA-B479-24A7-77E9B547D16C}"/>
-              </a:ext>
-            </a:extLst>
-          </p:cNvPr>
-          <p:cNvSpPr>
-            <a:spLocks noGrp="1"/>
-          </p:cNvSpPr>
-          <p:nvPr>
-            <p:ph type="sldNum" sz="quarter" idx="4"/>
-          </p:nvPr>
-        </p:nvSpPr>
-        <p:spPr>
-          <a:xfrm>
-            <a:off x="8610600" y="6356350"/>
-            <a:ext cx="2743200" cy="365125"/>
-          </a:xfrm>
-          <a:prstGeom prst="rect">
-            <a:avLst/>
-          </a:prstGeom>
-        </p:spPr>
-        <p:txBody>
-          <a:bodyPr vert="horz" lIns="91440" tIns="45720" rIns="91440" bIns="45720" rtlCol="0" anchor="ctr"/>
-          <a:lstStyle>
-            <a:lvl1pPr algn="r">
-              <a:defRPr sz="1200">
-                <a:solidFill>
-                  <a:schemeClr val="tx1">
-                    <a:tint val="82000"/>
-                  </a:schemeClr>
-                </a:solidFill>
-              </a:defRPr>
-            </a:lvl1pPr>
-          </a:lstStyle>
-          <a:p>
             <a:fld id="{0F8D06F7-CC5E-4A93-BD41-B1F89298AFFC}" type="slidenum">
               <a:rPr lang="fr-FR" smtClean="0"/>
+              <a:pPr/>
               <a:t>‹N°›</a:t>
             </a:fld>
             <a:endParaRPr lang="fr-FR"/>
@@ -3007,7 +3071,7 @@
       </p:ext>
     </p:extLst>
   </p:cSld>
-  <p:clrMap bg1="lt1" tx1="dk1" bg2="lt2" tx2="dk2" accent1="accent1" accent2="accent2" accent3="accent3" accent4="accent4" accent5="accent5" accent6="accent6" hlink="hlink" folHlink="folHlink"/>
+  <p:clrMap bg1="dk1" tx1="lt1" bg2="dk2" tx2="lt2" accent1="accent1" accent2="accent2" accent3="accent3" accent4="accent4" accent5="accent5" accent6="accent6" hlink="hlink" folHlink="folHlink"/>
   <p:sldLayoutIdLst>
     <p:sldLayoutId id="2147483649" r:id="rId1"/>
     <p:sldLayoutId id="2147483650" r:id="rId2"/>
@@ -3020,6 +3084,7 @@
     <p:sldLayoutId id="2147483657" r:id="rId9"/>
     <p:sldLayoutId id="2147483658" r:id="rId10"/>
     <p:sldLayoutId id="2147483659" r:id="rId11"/>
+    <p:sldLayoutId id="2147483660" r:id="rId12"/>
   </p:sldLayoutIdLst>
   <p:txStyles>
     <p:titleStyle>
@@ -3035,7 +3100,7 @@
           <a:solidFill>
             <a:schemeClr val="tx1"/>
           </a:solidFill>
-          <a:latin typeface="+mj-lt"/>
+          <a:latin typeface="Future Rot" pitchFamily="2" charset="0"/>
           <a:ea typeface="+mj-ea"/>
           <a:cs typeface="+mj-cs"/>
         </a:defRPr>
@@ -3359,10 +3424,15 @@
             <a:spLocks noGrp="1"/>
           </p:cNvSpPr>
           <p:nvPr>
-            <p:ph type="subTitle" idx="1"/>
-          </p:nvPr>
-        </p:nvSpPr>
-        <p:spPr/>
+            <p:ph type="subTitle" idx="4294967295"/>
+          </p:nvPr>
+        </p:nvSpPr>
+        <p:spPr>
+          <a:xfrm>
+            <a:off x="1524000" y="3602038"/>
+            <a:ext cx="9144000" cy="1655762"/>
+          </a:xfrm>
+        </p:spPr>
         <p:txBody>
           <a:bodyPr/>
           <a:lstStyle/>

--- a/BALLANZA_Andy_CANTE_Clément_Blockout.pptx
+++ b/BALLANZA_Andy_CANTE_Clément_Blockout.pptx
@@ -6,6 +6,7 @@
   </p:sldMasterIdLst>
   <p:sldIdLst>
     <p:sldId id="256" r:id="rId2"/>
+    <p:sldId id="257" r:id="rId3"/>
   </p:sldIdLst>
   <p:sldSz cx="12192000" cy="6858000"/>
   <p:notesSz cx="6858000" cy="9144000"/>
@@ -2843,6 +2844,9 @@
                     <a14:imgEffect>
                       <a14:sharpenSoften amount="-75000"/>
                     </a14:imgEffect>
+                    <a14:imgEffect>
+                      <a14:brightnessContrast bright="-35000"/>
+                    </a14:imgEffect>
                   </a14:imgLayer>
                 </a14:imgProps>
               </a:ext>
@@ -2941,35 +2945,35 @@
           <a:p>
             <a:pPr lvl="0"/>
             <a:r>
-              <a:rPr lang="fr-FR"/>
+              <a:rPr lang="fr-FR" dirty="0"/>
               <a:t>Cliquez pour modifier les styles du texte du masque</a:t>
             </a:r>
           </a:p>
           <a:p>
             <a:pPr lvl="1"/>
             <a:r>
-              <a:rPr lang="fr-FR"/>
+              <a:rPr lang="fr-FR" dirty="0"/>
               <a:t>Deuxième niveau</a:t>
             </a:r>
           </a:p>
           <a:p>
             <a:pPr lvl="2"/>
             <a:r>
-              <a:rPr lang="fr-FR"/>
+              <a:rPr lang="fr-FR" dirty="0"/>
               <a:t>Troisième niveau</a:t>
             </a:r>
           </a:p>
           <a:p>
             <a:pPr lvl="3"/>
             <a:r>
-              <a:rPr lang="fr-FR"/>
+              <a:rPr lang="fr-FR" dirty="0"/>
               <a:t>Quatrième niveau</a:t>
             </a:r>
           </a:p>
           <a:p>
             <a:pPr lvl="4"/>
             <a:r>
-              <a:rPr lang="fr-FR"/>
+              <a:rPr lang="fr-FR" dirty="0"/>
               <a:t>Cinquième niveau</a:t>
             </a:r>
           </a:p>
@@ -3120,7 +3124,7 @@
           <a:solidFill>
             <a:schemeClr val="tx1"/>
           </a:solidFill>
-          <a:latin typeface="+mn-lt"/>
+          <a:latin typeface="Stubble bold" panose="02000806030000020004" pitchFamily="2" charset="0"/>
           <a:ea typeface="+mn-ea"/>
           <a:cs typeface="+mn-cs"/>
         </a:defRPr>
@@ -3138,7 +3142,7 @@
           <a:solidFill>
             <a:schemeClr val="tx1"/>
           </a:solidFill>
-          <a:latin typeface="+mn-lt"/>
+          <a:latin typeface="Stubble bold" panose="02000806030000020004" pitchFamily="2" charset="0"/>
           <a:ea typeface="+mn-ea"/>
           <a:cs typeface="+mn-cs"/>
         </a:defRPr>
@@ -3156,7 +3160,7 @@
           <a:solidFill>
             <a:schemeClr val="tx1"/>
           </a:solidFill>
-          <a:latin typeface="+mn-lt"/>
+          <a:latin typeface="Stubble bold" panose="02000806030000020004" pitchFamily="2" charset="0"/>
           <a:ea typeface="+mn-ea"/>
           <a:cs typeface="+mn-cs"/>
         </a:defRPr>
@@ -3174,7 +3178,7 @@
           <a:solidFill>
             <a:schemeClr val="tx1"/>
           </a:solidFill>
-          <a:latin typeface="+mn-lt"/>
+          <a:latin typeface="Stubble bold" panose="02000806030000020004" pitchFamily="2" charset="0"/>
           <a:ea typeface="+mn-ea"/>
           <a:cs typeface="+mn-cs"/>
         </a:defRPr>
@@ -3192,7 +3196,7 @@
           <a:solidFill>
             <a:schemeClr val="tx1"/>
           </a:solidFill>
-          <a:latin typeface="+mn-lt"/>
+          <a:latin typeface="Stubble bold" panose="02000806030000020004" pitchFamily="2" charset="0"/>
           <a:ea typeface="+mn-ea"/>
           <a:cs typeface="+mn-cs"/>
         </a:defRPr>
@@ -3407,7 +3411,22 @@
           <a:bodyPr/>
           <a:lstStyle/>
           <a:p>
-            <a:endParaRPr lang="fr-FR"/>
+            <a:r>
+              <a:rPr lang="fr-FR" dirty="0"/>
+              <a:t>BALLANZA Andy</a:t>
+            </a:r>
+            <a:br>
+              <a:rPr lang="fr-FR" dirty="0"/>
+            </a:br>
+            <a:r>
+              <a:rPr lang="fr-FR" dirty="0"/>
+              <a:t>Cante </a:t>
+            </a:r>
+            <a:r>
+              <a:rPr lang="fr-FR" dirty="0" err="1"/>
+              <a:t>Clement</a:t>
+            </a:r>
+            <a:endParaRPr lang="fr-FR" dirty="0"/>
           </a:p>
         </p:txBody>
       </p:sp>
@@ -3445,6 +3464,61 @@
     <p:extLst>
       <p:ext uri="{BB962C8B-B14F-4D97-AF65-F5344CB8AC3E}">
         <p14:creationId xmlns:p14="http://schemas.microsoft.com/office/powerpoint/2010/main" val="1554575233"/>
+      </p:ext>
+    </p:extLst>
+  </p:cSld>
+  <p:clrMapOvr>
+    <a:masterClrMapping/>
+  </p:clrMapOvr>
+</p:sld>
+</file>
+
+<file path=ppt/slides/slide2.xml><?xml version="1.0" encoding="utf-8"?>
+<p:sld xmlns:a="http://schemas.openxmlformats.org/drawingml/2006/main" xmlns:r="http://schemas.openxmlformats.org/officeDocument/2006/relationships" xmlns:p="http://schemas.openxmlformats.org/presentationml/2006/main">
+  <p:cSld>
+    <p:spTree>
+      <p:nvGrpSpPr>
+        <p:cNvPr id="1" name=""/>
+        <p:cNvGrpSpPr/>
+        <p:nvPr/>
+      </p:nvGrpSpPr>
+      <p:grpSpPr>
+        <a:xfrm>
+          <a:off x="0" y="0"/>
+          <a:ext cx="0" cy="0"/>
+          <a:chOff x="0" y="0"/>
+          <a:chExt cx="0" cy="0"/>
+        </a:xfrm>
+      </p:grpSpPr>
+      <p:sp>
+        <p:nvSpPr>
+          <p:cNvPr id="2" name="Titre 1">
+            <a:extLst>
+              <a:ext uri="{FF2B5EF4-FFF2-40B4-BE49-F238E27FC236}">
+                <a16:creationId xmlns:a16="http://schemas.microsoft.com/office/drawing/2014/main" id="{EDA62258-3B4D-4B4B-8EF5-E8BA04EF1555}"/>
+              </a:ext>
+            </a:extLst>
+          </p:cNvPr>
+          <p:cNvSpPr>
+            <a:spLocks noGrp="1"/>
+          </p:cNvSpPr>
+          <p:nvPr>
+            <p:ph type="title"/>
+          </p:nvPr>
+        </p:nvSpPr>
+        <p:spPr/>
+        <p:txBody>
+          <a:bodyPr/>
+          <a:lstStyle/>
+          <a:p>
+            <a:endParaRPr lang="fr-FR"/>
+          </a:p>
+        </p:txBody>
+      </p:sp>
+    </p:spTree>
+    <p:extLst>
+      <p:ext uri="{BB962C8B-B14F-4D97-AF65-F5344CB8AC3E}">
+        <p14:creationId xmlns:p14="http://schemas.microsoft.com/office/powerpoint/2010/main" val="1386546366"/>
       </p:ext>
     </p:extLst>
   </p:cSld>

--- a/BALLANZA_Andy_CANTE_Clément_Blockout.pptx
+++ b/BALLANZA_Andy_CANTE_Clément_Blockout.pptx
@@ -1,9 +1,12 @@
 
 <file path=ppt/presentation.xml><?xml version="1.0" encoding="utf-8"?>
-<p:presentation xmlns:a="http://schemas.openxmlformats.org/drawingml/2006/main" xmlns:r="http://schemas.openxmlformats.org/officeDocument/2006/relationships" xmlns:p="http://schemas.openxmlformats.org/presentationml/2006/main" saveSubsetFonts="1">
+<p:presentation xmlns:a="http://schemas.openxmlformats.org/drawingml/2006/main" xmlns:r="http://schemas.openxmlformats.org/officeDocument/2006/relationships" xmlns:p="http://schemas.openxmlformats.org/presentationml/2006/main" showSpecialPlsOnTitleSld="0" saveSubsetFonts="1">
   <p:sldMasterIdLst>
     <p:sldMasterId id="2147483648" r:id="rId1"/>
   </p:sldMasterIdLst>
+  <p:notesMasterIdLst>
+    <p:notesMasterId r:id="rId4"/>
+  </p:notesMasterIdLst>
   <p:sldIdLst>
     <p:sldId id="256" r:id="rId2"/>
     <p:sldId id="257" r:id="rId3"/>
@@ -113,6 +116,355 @@
 </p:presentation>
 </file>
 
+<file path=ppt/notesMasters/notesMaster1.xml><?xml version="1.0" encoding="utf-8"?>
+<p:notesMaster xmlns:a="http://schemas.openxmlformats.org/drawingml/2006/main" xmlns:r="http://schemas.openxmlformats.org/officeDocument/2006/relationships" xmlns:p="http://schemas.openxmlformats.org/presentationml/2006/main">
+  <p:cSld>
+    <p:bg>
+      <p:bgRef idx="1001">
+        <a:schemeClr val="bg1"/>
+      </p:bgRef>
+    </p:bg>
+    <p:spTree>
+      <p:nvGrpSpPr>
+        <p:cNvPr id="1" name=""/>
+        <p:cNvGrpSpPr/>
+        <p:nvPr/>
+      </p:nvGrpSpPr>
+      <p:grpSpPr>
+        <a:xfrm>
+          <a:off x="0" y="0"/>
+          <a:ext cx="0" cy="0"/>
+          <a:chOff x="0" y="0"/>
+          <a:chExt cx="0" cy="0"/>
+        </a:xfrm>
+      </p:grpSpPr>
+      <p:sp>
+        <p:nvSpPr>
+          <p:cNvPr id="2" name="Espace réservé de l'en-tête 1"/>
+          <p:cNvSpPr>
+            <a:spLocks noGrp="1"/>
+          </p:cNvSpPr>
+          <p:nvPr>
+            <p:ph type="hdr" sz="quarter"/>
+          </p:nvPr>
+        </p:nvSpPr>
+        <p:spPr>
+          <a:xfrm>
+            <a:off x="0" y="0"/>
+            <a:ext cx="2971800" cy="458788"/>
+          </a:xfrm>
+          <a:prstGeom prst="rect">
+            <a:avLst/>
+          </a:prstGeom>
+        </p:spPr>
+        <p:txBody>
+          <a:bodyPr vert="horz" lIns="91440" tIns="45720" rIns="91440" bIns="45720" rtlCol="0"/>
+          <a:lstStyle>
+            <a:lvl1pPr algn="l">
+              <a:defRPr sz="1200"/>
+            </a:lvl1pPr>
+          </a:lstStyle>
+          <a:p>
+            <a:endParaRPr lang="fr-FR"/>
+          </a:p>
+        </p:txBody>
+      </p:sp>
+      <p:sp>
+        <p:nvSpPr>
+          <p:cNvPr id="3" name="Espace réservé de la date 2"/>
+          <p:cNvSpPr>
+            <a:spLocks noGrp="1"/>
+          </p:cNvSpPr>
+          <p:nvPr>
+            <p:ph type="dt" idx="1"/>
+          </p:nvPr>
+        </p:nvSpPr>
+        <p:spPr>
+          <a:xfrm>
+            <a:off x="3884613" y="0"/>
+            <a:ext cx="2971800" cy="458788"/>
+          </a:xfrm>
+          <a:prstGeom prst="rect">
+            <a:avLst/>
+          </a:prstGeom>
+        </p:spPr>
+        <p:txBody>
+          <a:bodyPr vert="horz" lIns="91440" tIns="45720" rIns="91440" bIns="45720" rtlCol="0"/>
+          <a:lstStyle>
+            <a:lvl1pPr algn="r">
+              <a:defRPr sz="1200"/>
+            </a:lvl1pPr>
+          </a:lstStyle>
+          <a:p>
+            <a:fld id="{AC48282D-41DD-4C01-976C-BB2FAB5A74A4}" type="datetimeFigureOut">
+              <a:rPr lang="fr-FR" smtClean="0"/>
+              <a:t>17/04/2025</a:t>
+            </a:fld>
+            <a:endParaRPr lang="fr-FR"/>
+          </a:p>
+        </p:txBody>
+      </p:sp>
+      <p:sp>
+        <p:nvSpPr>
+          <p:cNvPr id="4" name="Espace réservé de l'image des diapositives 3"/>
+          <p:cNvSpPr>
+            <a:spLocks noGrp="1" noRot="1" noChangeAspect="1"/>
+          </p:cNvSpPr>
+          <p:nvPr>
+            <p:ph type="sldImg" idx="2"/>
+          </p:nvPr>
+        </p:nvSpPr>
+        <p:spPr>
+          <a:xfrm>
+            <a:off x="685800" y="1143000"/>
+            <a:ext cx="5486400" cy="3086100"/>
+          </a:xfrm>
+          <a:prstGeom prst="rect">
+            <a:avLst/>
+          </a:prstGeom>
+          <a:noFill/>
+          <a:ln w="12700">
+            <a:solidFill>
+              <a:prstClr val="black"/>
+            </a:solidFill>
+          </a:ln>
+        </p:spPr>
+        <p:txBody>
+          <a:bodyPr vert="horz" lIns="91440" tIns="45720" rIns="91440" bIns="45720" rtlCol="0" anchor="ctr"/>
+          <a:lstStyle/>
+          <a:p>
+            <a:endParaRPr lang="fr-FR"/>
+          </a:p>
+        </p:txBody>
+      </p:sp>
+      <p:sp>
+        <p:nvSpPr>
+          <p:cNvPr id="5" name="Espace réservé des notes 4"/>
+          <p:cNvSpPr>
+            <a:spLocks noGrp="1"/>
+          </p:cNvSpPr>
+          <p:nvPr>
+            <p:ph type="body" sz="quarter" idx="3"/>
+          </p:nvPr>
+        </p:nvSpPr>
+        <p:spPr>
+          <a:xfrm>
+            <a:off x="685800" y="4400550"/>
+            <a:ext cx="5486400" cy="3600450"/>
+          </a:xfrm>
+          <a:prstGeom prst="rect">
+            <a:avLst/>
+          </a:prstGeom>
+        </p:spPr>
+        <p:txBody>
+          <a:bodyPr vert="horz" lIns="91440" tIns="45720" rIns="91440" bIns="45720" rtlCol="0"/>
+          <a:lstStyle/>
+          <a:p>
+            <a:pPr lvl="0"/>
+            <a:r>
+              <a:rPr lang="fr-FR"/>
+              <a:t>Cliquez pour modifier les styles du texte du masque</a:t>
+            </a:r>
+          </a:p>
+          <a:p>
+            <a:pPr lvl="1"/>
+            <a:r>
+              <a:rPr lang="fr-FR"/>
+              <a:t>Deuxième niveau</a:t>
+            </a:r>
+          </a:p>
+          <a:p>
+            <a:pPr lvl="2"/>
+            <a:r>
+              <a:rPr lang="fr-FR"/>
+              <a:t>Troisième niveau</a:t>
+            </a:r>
+          </a:p>
+          <a:p>
+            <a:pPr lvl="3"/>
+            <a:r>
+              <a:rPr lang="fr-FR"/>
+              <a:t>Quatrième niveau</a:t>
+            </a:r>
+          </a:p>
+          <a:p>
+            <a:pPr lvl="4"/>
+            <a:r>
+              <a:rPr lang="fr-FR"/>
+              <a:t>Cinquième niveau</a:t>
+            </a:r>
+          </a:p>
+        </p:txBody>
+      </p:sp>
+      <p:sp>
+        <p:nvSpPr>
+          <p:cNvPr id="6" name="Espace réservé du pied de page 5"/>
+          <p:cNvSpPr>
+            <a:spLocks noGrp="1"/>
+          </p:cNvSpPr>
+          <p:nvPr>
+            <p:ph type="ftr" sz="quarter" idx="4"/>
+          </p:nvPr>
+        </p:nvSpPr>
+        <p:spPr>
+          <a:xfrm>
+            <a:off x="0" y="8685213"/>
+            <a:ext cx="2971800" cy="458787"/>
+          </a:xfrm>
+          <a:prstGeom prst="rect">
+            <a:avLst/>
+          </a:prstGeom>
+        </p:spPr>
+        <p:txBody>
+          <a:bodyPr vert="horz" lIns="91440" tIns="45720" rIns="91440" bIns="45720" rtlCol="0" anchor="b"/>
+          <a:lstStyle>
+            <a:lvl1pPr algn="l">
+              <a:defRPr sz="1200"/>
+            </a:lvl1pPr>
+          </a:lstStyle>
+          <a:p>
+            <a:endParaRPr lang="fr-FR"/>
+          </a:p>
+        </p:txBody>
+      </p:sp>
+      <p:sp>
+        <p:nvSpPr>
+          <p:cNvPr id="7" name="Espace réservé du numéro de diapositive 6"/>
+          <p:cNvSpPr>
+            <a:spLocks noGrp="1"/>
+          </p:cNvSpPr>
+          <p:nvPr>
+            <p:ph type="sldNum" sz="quarter" idx="5"/>
+          </p:nvPr>
+        </p:nvSpPr>
+        <p:spPr>
+          <a:xfrm>
+            <a:off x="3884613" y="8685213"/>
+            <a:ext cx="2971800" cy="458787"/>
+          </a:xfrm>
+          <a:prstGeom prst="rect">
+            <a:avLst/>
+          </a:prstGeom>
+        </p:spPr>
+        <p:txBody>
+          <a:bodyPr vert="horz" lIns="91440" tIns="45720" rIns="91440" bIns="45720" rtlCol="0" anchor="b"/>
+          <a:lstStyle>
+            <a:lvl1pPr algn="r">
+              <a:defRPr sz="1200"/>
+            </a:lvl1pPr>
+          </a:lstStyle>
+          <a:p>
+            <a:fld id="{1AEF898E-9361-4E0D-A3BE-7B8C819DFFD9}" type="slidenum">
+              <a:rPr lang="fr-FR" smtClean="0"/>
+              <a:t>‹N°›</a:t>
+            </a:fld>
+            <a:endParaRPr lang="fr-FR"/>
+          </a:p>
+        </p:txBody>
+      </p:sp>
+    </p:spTree>
+    <p:extLst>
+      <p:ext uri="{BB962C8B-B14F-4D97-AF65-F5344CB8AC3E}">
+        <p14:creationId xmlns:p14="http://schemas.microsoft.com/office/powerpoint/2010/main" val="1740266152"/>
+      </p:ext>
+    </p:extLst>
+  </p:cSld>
+  <p:clrMap bg1="lt1" tx1="dk1" bg2="lt2" tx2="dk2" accent1="accent1" accent2="accent2" accent3="accent3" accent4="accent4" accent5="accent5" accent6="accent6" hlink="hlink" folHlink="folHlink"/>
+  <p:notesStyle>
+    <a:lvl1pPr marL="0" algn="l" defTabSz="914400" rtl="0" eaLnBrk="1" latinLnBrk="0" hangingPunct="1">
+      <a:defRPr sz="1200" kern="1200">
+        <a:solidFill>
+          <a:schemeClr val="tx1"/>
+        </a:solidFill>
+        <a:latin typeface="+mn-lt"/>
+        <a:ea typeface="+mn-ea"/>
+        <a:cs typeface="+mn-cs"/>
+      </a:defRPr>
+    </a:lvl1pPr>
+    <a:lvl2pPr marL="457200" algn="l" defTabSz="914400" rtl="0" eaLnBrk="1" latinLnBrk="0" hangingPunct="1">
+      <a:defRPr sz="1200" kern="1200">
+        <a:solidFill>
+          <a:schemeClr val="tx1"/>
+        </a:solidFill>
+        <a:latin typeface="+mn-lt"/>
+        <a:ea typeface="+mn-ea"/>
+        <a:cs typeface="+mn-cs"/>
+      </a:defRPr>
+    </a:lvl2pPr>
+    <a:lvl3pPr marL="914400" algn="l" defTabSz="914400" rtl="0" eaLnBrk="1" latinLnBrk="0" hangingPunct="1">
+      <a:defRPr sz="1200" kern="1200">
+        <a:solidFill>
+          <a:schemeClr val="tx1"/>
+        </a:solidFill>
+        <a:latin typeface="+mn-lt"/>
+        <a:ea typeface="+mn-ea"/>
+        <a:cs typeface="+mn-cs"/>
+      </a:defRPr>
+    </a:lvl3pPr>
+    <a:lvl4pPr marL="1371600" algn="l" defTabSz="914400" rtl="0" eaLnBrk="1" latinLnBrk="0" hangingPunct="1">
+      <a:defRPr sz="1200" kern="1200">
+        <a:solidFill>
+          <a:schemeClr val="tx1"/>
+        </a:solidFill>
+        <a:latin typeface="+mn-lt"/>
+        <a:ea typeface="+mn-ea"/>
+        <a:cs typeface="+mn-cs"/>
+      </a:defRPr>
+    </a:lvl4pPr>
+    <a:lvl5pPr marL="1828800" algn="l" defTabSz="914400" rtl="0" eaLnBrk="1" latinLnBrk="0" hangingPunct="1">
+      <a:defRPr sz="1200" kern="1200">
+        <a:solidFill>
+          <a:schemeClr val="tx1"/>
+        </a:solidFill>
+        <a:latin typeface="+mn-lt"/>
+        <a:ea typeface="+mn-ea"/>
+        <a:cs typeface="+mn-cs"/>
+      </a:defRPr>
+    </a:lvl5pPr>
+    <a:lvl6pPr marL="2286000" algn="l" defTabSz="914400" rtl="0" eaLnBrk="1" latinLnBrk="0" hangingPunct="1">
+      <a:defRPr sz="1200" kern="1200">
+        <a:solidFill>
+          <a:schemeClr val="tx1"/>
+        </a:solidFill>
+        <a:latin typeface="+mn-lt"/>
+        <a:ea typeface="+mn-ea"/>
+        <a:cs typeface="+mn-cs"/>
+      </a:defRPr>
+    </a:lvl6pPr>
+    <a:lvl7pPr marL="2743200" algn="l" defTabSz="914400" rtl="0" eaLnBrk="1" latinLnBrk="0" hangingPunct="1">
+      <a:defRPr sz="1200" kern="1200">
+        <a:solidFill>
+          <a:schemeClr val="tx1"/>
+        </a:solidFill>
+        <a:latin typeface="+mn-lt"/>
+        <a:ea typeface="+mn-ea"/>
+        <a:cs typeface="+mn-cs"/>
+      </a:defRPr>
+    </a:lvl7pPr>
+    <a:lvl8pPr marL="3200400" algn="l" defTabSz="914400" rtl="0" eaLnBrk="1" latinLnBrk="0" hangingPunct="1">
+      <a:defRPr sz="1200" kern="1200">
+        <a:solidFill>
+          <a:schemeClr val="tx1"/>
+        </a:solidFill>
+        <a:latin typeface="+mn-lt"/>
+        <a:ea typeface="+mn-ea"/>
+        <a:cs typeface="+mn-cs"/>
+      </a:defRPr>
+    </a:lvl8pPr>
+    <a:lvl9pPr marL="3657600" algn="l" defTabSz="914400" rtl="0" eaLnBrk="1" latinLnBrk="0" hangingPunct="1">
+      <a:defRPr sz="1200" kern="1200">
+        <a:solidFill>
+          <a:schemeClr val="tx1"/>
+        </a:solidFill>
+        <a:latin typeface="+mn-lt"/>
+        <a:ea typeface="+mn-ea"/>
+        <a:cs typeface="+mn-cs"/>
+      </a:defRPr>
+    </a:lvl9pPr>
+  </p:notesStyle>
+</p:notesMaster>
+</file>
+
 <file path=ppt/slideLayouts/slideLayout1.xml><?xml version="1.0" encoding="utf-8"?>
 <p:sldLayout xmlns:a="http://schemas.openxmlformats.org/drawingml/2006/main" xmlns:r="http://schemas.openxmlformats.org/officeDocument/2006/relationships" xmlns:p="http://schemas.openxmlformats.org/presentationml/2006/main" preserve="1" userDrawn="1">
   <p:cSld name="Diapositive de titre">
@@ -222,7 +574,7 @@
           <a:bodyPr/>
           <a:lstStyle/>
           <a:p>
-            <a:fld id="{D506E3D2-1C1B-4B4D-A79F-026D65299525}" type="datetimeFigureOut">
+            <a:fld id="{66679EF8-F580-47FE-8B0F-7958058F924E}" type="datetime1">
               <a:rPr lang="fr-FR" smtClean="0"/>
               <a:t>17/04/2025</a:t>
             </a:fld>
@@ -251,7 +603,10 @@
           <a:bodyPr/>
           <a:lstStyle/>
           <a:p>
-            <a:endParaRPr lang="fr-FR"/>
+            <a:r>
+              <a:rPr lang="fr-FR"/>
+              <a:t>BALLANZA - CANTE - Left4Dead2 - Blockout</a:t>
+            </a:r>
           </a:p>
         </p:txBody>
       </p:sp>
@@ -428,7 +783,7 @@
           <a:bodyPr/>
           <a:lstStyle/>
           <a:p>
-            <a:fld id="{D506E3D2-1C1B-4B4D-A79F-026D65299525}" type="datetimeFigureOut">
+            <a:fld id="{8AEAC217-E0DE-4809-8AEC-8C00C331BE5B}" type="datetime1">
               <a:rPr lang="fr-FR" smtClean="0"/>
               <a:t>17/04/2025</a:t>
             </a:fld>
@@ -457,7 +812,10 @@
           <a:bodyPr/>
           <a:lstStyle/>
           <a:p>
-            <a:endParaRPr lang="fr-FR"/>
+            <a:r>
+              <a:rPr lang="fr-FR"/>
+              <a:t>BALLANZA - CANTE - Left4Dead2 - Blockout</a:t>
+            </a:r>
           </a:p>
         </p:txBody>
       </p:sp>
@@ -644,7 +1002,7 @@
           <a:bodyPr/>
           <a:lstStyle/>
           <a:p>
-            <a:fld id="{D506E3D2-1C1B-4B4D-A79F-026D65299525}" type="datetimeFigureOut">
+            <a:fld id="{038D67EE-D02F-4AE3-924D-A0837DADC03D}" type="datetime1">
               <a:rPr lang="fr-FR" smtClean="0"/>
               <a:t>17/04/2025</a:t>
             </a:fld>
@@ -673,7 +1031,10 @@
           <a:bodyPr/>
           <a:lstStyle/>
           <a:p>
-            <a:endParaRPr lang="fr-FR"/>
+            <a:r>
+              <a:rPr lang="fr-FR"/>
+              <a:t>BALLANZA - CANTE - Left4Dead2 - Blockout</a:t>
+            </a:r>
           </a:p>
         </p:txBody>
       </p:sp>
@@ -894,7 +1255,7 @@
           <a:bodyPr/>
           <a:lstStyle/>
           <a:p>
-            <a:fld id="{D506E3D2-1C1B-4B4D-A79F-026D65299525}" type="datetimeFigureOut">
+            <a:fld id="{656DA76B-B9E4-463C-8E26-E5CD4E3392DD}" type="datetime1">
               <a:rPr lang="fr-FR" smtClean="0"/>
               <a:t>17/04/2025</a:t>
             </a:fld>
@@ -923,7 +1284,10 @@
           <a:bodyPr/>
           <a:lstStyle/>
           <a:p>
-            <a:endParaRPr lang="fr-FR"/>
+            <a:r>
+              <a:rPr lang="fr-FR"/>
+              <a:t>BALLANZA - CANTE - Left4Dead2 - Blockout</a:t>
+            </a:r>
           </a:p>
         </p:txBody>
       </p:sp>
@@ -1177,7 +1541,7 @@
           <a:bodyPr/>
           <a:lstStyle/>
           <a:p>
-            <a:fld id="{D506E3D2-1C1B-4B4D-A79F-026D65299525}" type="datetimeFigureOut">
+            <a:fld id="{C7681473-5460-45FE-AB74-1503159F7373}" type="datetime1">
               <a:rPr lang="fr-FR" smtClean="0"/>
               <a:t>17/04/2025</a:t>
             </a:fld>
@@ -1206,7 +1570,10 @@
           <a:bodyPr/>
           <a:lstStyle/>
           <a:p>
-            <a:endParaRPr lang="fr-FR"/>
+            <a:r>
+              <a:rPr lang="fr-FR"/>
+              <a:t>BALLANZA - CANTE - Left4Dead2 - Blockout</a:t>
+            </a:r>
           </a:p>
         </p:txBody>
       </p:sp>
@@ -1450,7 +1817,7 @@
           <a:bodyPr/>
           <a:lstStyle/>
           <a:p>
-            <a:fld id="{D506E3D2-1C1B-4B4D-A79F-026D65299525}" type="datetimeFigureOut">
+            <a:fld id="{68E21BCF-763E-44C5-A628-872762B6AED0}" type="datetime1">
               <a:rPr lang="fr-FR" smtClean="0"/>
               <a:t>17/04/2025</a:t>
             </a:fld>
@@ -1479,7 +1846,10 @@
           <a:bodyPr/>
           <a:lstStyle/>
           <a:p>
-            <a:endParaRPr lang="fr-FR"/>
+            <a:r>
+              <a:rPr lang="fr-FR"/>
+              <a:t>BALLANZA - CANTE - Left4Dead2 - Blockout</a:t>
+            </a:r>
           </a:p>
         </p:txBody>
       </p:sp>
@@ -1870,7 +2240,7 @@
           <a:bodyPr/>
           <a:lstStyle/>
           <a:p>
-            <a:fld id="{D506E3D2-1C1B-4B4D-A79F-026D65299525}" type="datetimeFigureOut">
+            <a:fld id="{D1E78C28-6E7E-4F7C-8AEA-97B051D99794}" type="datetime1">
               <a:rPr lang="fr-FR" smtClean="0"/>
               <a:t>17/04/2025</a:t>
             </a:fld>
@@ -1899,7 +2269,10 @@
           <a:bodyPr/>
           <a:lstStyle/>
           <a:p>
-            <a:endParaRPr lang="fr-FR"/>
+            <a:r>
+              <a:rPr lang="fr-FR"/>
+              <a:t>BALLANZA - CANTE - Left4Dead2 - Blockout</a:t>
+            </a:r>
           </a:p>
         </p:txBody>
       </p:sp>
@@ -2019,7 +2392,7 @@
           <a:bodyPr/>
           <a:lstStyle/>
           <a:p>
-            <a:fld id="{D506E3D2-1C1B-4B4D-A79F-026D65299525}" type="datetimeFigureOut">
+            <a:fld id="{7DB5E80A-8D43-4C77-83AC-76EFFFE7B3E2}" type="datetime1">
               <a:rPr lang="fr-FR" smtClean="0"/>
               <a:t>17/04/2025</a:t>
             </a:fld>
@@ -2048,7 +2421,10 @@
           <a:bodyPr/>
           <a:lstStyle/>
           <a:p>
-            <a:endParaRPr lang="fr-FR"/>
+            <a:r>
+              <a:rPr lang="fr-FR"/>
+              <a:t>BALLANZA - CANTE - Left4Dead2 - Blockout</a:t>
+            </a:r>
           </a:p>
         </p:txBody>
       </p:sp>
@@ -2140,7 +2516,7 @@
           <a:bodyPr/>
           <a:lstStyle/>
           <a:p>
-            <a:fld id="{D506E3D2-1C1B-4B4D-A79F-026D65299525}" type="datetimeFigureOut">
+            <a:fld id="{C1690B47-8264-43B0-BBB5-EC5BB57815D8}" type="datetime1">
               <a:rPr lang="fr-FR" smtClean="0"/>
               <a:t>17/04/2025</a:t>
             </a:fld>
@@ -2169,7 +2545,10 @@
           <a:bodyPr/>
           <a:lstStyle/>
           <a:p>
-            <a:endParaRPr lang="fr-FR"/>
+            <a:r>
+              <a:rPr lang="fr-FR"/>
+              <a:t>BALLANZA - CANTE - Left4Dead2 - Blockout</a:t>
+            </a:r>
           </a:p>
         </p:txBody>
       </p:sp>
@@ -2459,7 +2838,7 @@
           <a:bodyPr/>
           <a:lstStyle/>
           <a:p>
-            <a:fld id="{D506E3D2-1C1B-4B4D-A79F-026D65299525}" type="datetimeFigureOut">
+            <a:fld id="{CFB9FDC9-06CB-4445-AFE2-7AE91CA2ECA0}" type="datetime1">
               <a:rPr lang="fr-FR" smtClean="0"/>
               <a:t>17/04/2025</a:t>
             </a:fld>
@@ -2488,7 +2867,10 @@
           <a:bodyPr/>
           <a:lstStyle/>
           <a:p>
-            <a:endParaRPr lang="fr-FR"/>
+            <a:r>
+              <a:rPr lang="fr-FR"/>
+              <a:t>BALLANZA - CANTE - Left4Dead2 - Blockout</a:t>
+            </a:r>
           </a:p>
         </p:txBody>
       </p:sp>
@@ -2755,7 +3137,7 @@
           <a:bodyPr/>
           <a:lstStyle/>
           <a:p>
-            <a:fld id="{D506E3D2-1C1B-4B4D-A79F-026D65299525}" type="datetimeFigureOut">
+            <a:fld id="{7D114F7D-37DD-468B-9EFF-B8C420E90A5F}" type="datetime1">
               <a:rPr lang="fr-FR" smtClean="0"/>
               <a:t>17/04/2025</a:t>
             </a:fld>
@@ -2784,7 +3166,10 @@
           <a:bodyPr/>
           <a:lstStyle/>
           <a:p>
-            <a:endParaRPr lang="fr-FR"/>
+            <a:r>
+              <a:rPr lang="fr-FR"/>
+              <a:t>BALLANZA - CANTE - Left4Dead2 - Blockout</a:t>
+            </a:r>
           </a:p>
         </p:txBody>
       </p:sp>
@@ -3017,7 +3402,10 @@
             </a:lvl1pPr>
           </a:lstStyle>
           <a:p>
-            <a:endParaRPr lang="fr-FR"/>
+            <a:r>
+              <a:rPr lang="fr-FR"/>
+              <a:t>BALLANZA - CANTE - Left4Dead2 - Blockout</a:t>
+            </a:r>
           </a:p>
         </p:txBody>
       </p:sp>
@@ -3090,6 +3478,7 @@
     <p:sldLayoutId id="2147483659" r:id="rId11"/>
     <p:sldLayoutId id="2147483660" r:id="rId12"/>
   </p:sldLayoutIdLst>
+  <p:hf hdr="0" dt="0"/>
   <p:txStyles>
     <p:titleStyle>
       <a:lvl1pPr algn="l" defTabSz="914400" rtl="0" eaLnBrk="1" latinLnBrk="0" hangingPunct="1">
@@ -3430,36 +3819,6 @@
           </a:p>
         </p:txBody>
       </p:sp>
-      <p:sp>
-        <p:nvSpPr>
-          <p:cNvPr id="3" name="Sous-titre 2">
-            <a:extLst>
-              <a:ext uri="{FF2B5EF4-FFF2-40B4-BE49-F238E27FC236}">
-                <a16:creationId xmlns:a16="http://schemas.microsoft.com/office/drawing/2014/main" id="{076E2E5E-2F62-A863-21C5-656F79EAD1F3}"/>
-              </a:ext>
-            </a:extLst>
-          </p:cNvPr>
-          <p:cNvSpPr>
-            <a:spLocks noGrp="1"/>
-          </p:cNvSpPr>
-          <p:nvPr>
-            <p:ph type="subTitle" idx="4294967295"/>
-          </p:nvPr>
-        </p:nvSpPr>
-        <p:spPr>
-          <a:xfrm>
-            <a:off x="1524000" y="3602038"/>
-            <a:ext cx="9144000" cy="1655762"/>
-          </a:xfrm>
-        </p:spPr>
-        <p:txBody>
-          <a:bodyPr/>
-          <a:lstStyle/>
-          <a:p>
-            <a:endParaRPr lang="fr-FR"/>
-          </a:p>
-        </p:txBody>
-      </p:sp>
     </p:spTree>
     <p:extLst>
       <p:ext uri="{BB962C8B-B14F-4D97-AF65-F5344CB8AC3E}">
@@ -3511,6 +3870,63 @@
           <a:bodyPr/>
           <a:lstStyle/>
           <a:p>
+            <a:endParaRPr lang="fr-FR"/>
+          </a:p>
+        </p:txBody>
+      </p:sp>
+      <p:sp>
+        <p:nvSpPr>
+          <p:cNvPr id="3" name="Espace réservé du pied de page 2">
+            <a:extLst>
+              <a:ext uri="{FF2B5EF4-FFF2-40B4-BE49-F238E27FC236}">
+                <a16:creationId xmlns:a16="http://schemas.microsoft.com/office/drawing/2014/main" id="{2B06A852-22BC-1447-4301-EFE18AFBEED3}"/>
+              </a:ext>
+            </a:extLst>
+          </p:cNvPr>
+          <p:cNvSpPr>
+            <a:spLocks noGrp="1"/>
+          </p:cNvSpPr>
+          <p:nvPr>
+            <p:ph type="ftr" sz="quarter" idx="11"/>
+          </p:nvPr>
+        </p:nvSpPr>
+        <p:spPr/>
+        <p:txBody>
+          <a:bodyPr/>
+          <a:lstStyle/>
+          <a:p>
+            <a:r>
+              <a:rPr lang="fr-FR"/>
+              <a:t>BALLANZA - CANTE - Left4Dead2 - Blockout</a:t>
+            </a:r>
+          </a:p>
+        </p:txBody>
+      </p:sp>
+      <p:sp>
+        <p:nvSpPr>
+          <p:cNvPr id="4" name="Espace réservé du numéro de diapositive 3">
+            <a:extLst>
+              <a:ext uri="{FF2B5EF4-FFF2-40B4-BE49-F238E27FC236}">
+                <a16:creationId xmlns:a16="http://schemas.microsoft.com/office/drawing/2014/main" id="{1004C77B-98F0-CA1F-5EC1-FFB13F41E244}"/>
+              </a:ext>
+            </a:extLst>
+          </p:cNvPr>
+          <p:cNvSpPr>
+            <a:spLocks noGrp="1"/>
+          </p:cNvSpPr>
+          <p:nvPr>
+            <p:ph type="sldNum" sz="quarter" idx="12"/>
+          </p:nvPr>
+        </p:nvSpPr>
+        <p:spPr/>
+        <p:txBody>
+          <a:bodyPr/>
+          <a:lstStyle/>
+          <a:p>
+            <a:fld id="{0F8D06F7-CC5E-4A93-BD41-B1F89298AFFC}" type="slidenum">
+              <a:rPr lang="fr-FR" smtClean="0"/>
+              <a:t>2</a:t>
+            </a:fld>
             <a:endParaRPr lang="fr-FR"/>
           </a:p>
         </p:txBody>
@@ -3841,4 +4257,319 @@
     </a:ext>
   </a:extLst>
 </a:theme>
+</file>
+
+<file path=ppt/theme/theme2.xml><?xml version="1.0" encoding="utf-8"?>
+<a:theme xmlns:a="http://schemas.openxmlformats.org/drawingml/2006/main" name="Thème Office">
+  <a:themeElements>
+    <a:clrScheme name="Office">
+      <a:dk1>
+        <a:sysClr val="windowText" lastClr="000000"/>
+      </a:dk1>
+      <a:lt1>
+        <a:sysClr val="window" lastClr="FFFFFF"/>
+      </a:lt1>
+      <a:dk2>
+        <a:srgbClr val="0E2841"/>
+      </a:dk2>
+      <a:lt2>
+        <a:srgbClr val="E8E8E8"/>
+      </a:lt2>
+      <a:accent1>
+        <a:srgbClr val="156082"/>
+      </a:accent1>
+      <a:accent2>
+        <a:srgbClr val="E97132"/>
+      </a:accent2>
+      <a:accent3>
+        <a:srgbClr val="196B24"/>
+      </a:accent3>
+      <a:accent4>
+        <a:srgbClr val="0F9ED5"/>
+      </a:accent4>
+      <a:accent5>
+        <a:srgbClr val="A02B93"/>
+      </a:accent5>
+      <a:accent6>
+        <a:srgbClr val="4EA72E"/>
+      </a:accent6>
+      <a:hlink>
+        <a:srgbClr val="467886"/>
+      </a:hlink>
+      <a:folHlink>
+        <a:srgbClr val="96607D"/>
+      </a:folHlink>
+    </a:clrScheme>
+    <a:fontScheme name="Office">
+      <a:majorFont>
+        <a:latin typeface="Aptos Display" panose="02110004020202020204"/>
+        <a:ea typeface=""/>
+        <a:cs typeface=""/>
+        <a:font script="Jpan" typeface="游ゴシック Light"/>
+        <a:font script="Hang" typeface="맑은 고딕"/>
+        <a:font script="Hans" typeface="等线 Light"/>
+        <a:font script="Hant" typeface="新細明體"/>
+        <a:font script="Arab" typeface="Times New Roman"/>
+        <a:font script="Hebr" typeface="Times New Roman"/>
+        <a:font script="Thai" typeface="Angsana New"/>
+        <a:font script="Ethi" typeface="Nyala"/>
+        <a:font script="Beng" typeface="Vrinda"/>
+        <a:font script="Gujr" typeface="Shruti"/>
+        <a:font script="Khmr" typeface="MoolBoran"/>
+        <a:font script="Knda" typeface="Tunga"/>
+        <a:font script="Guru" typeface="Raavi"/>
+        <a:font script="Cans" typeface="Euphemia"/>
+        <a:font script="Cher" typeface="Plantagenet Cherokee"/>
+        <a:font script="Yiii" typeface="Microsoft Yi Baiti"/>
+        <a:font script="Tibt" typeface="Microsoft Himalaya"/>
+        <a:font script="Thaa" typeface="MV Boli"/>
+        <a:font script="Deva" typeface="Mangal"/>
+        <a:font script="Telu" typeface="Gautami"/>
+        <a:font script="Taml" typeface="Latha"/>
+        <a:font script="Syrc" typeface="Estrangelo Edessa"/>
+        <a:font script="Orya" typeface="Kalinga"/>
+        <a:font script="Mlym" typeface="Kartika"/>
+        <a:font script="Laoo" typeface="DokChampa"/>
+        <a:font script="Sinh" typeface="Iskoola Pota"/>
+        <a:font script="Mong" typeface="Mongolian Baiti"/>
+        <a:font script="Viet" typeface="Times New Roman"/>
+        <a:font script="Uigh" typeface="Microsoft Uighur"/>
+        <a:font script="Geor" typeface="Sylfaen"/>
+        <a:font script="Armn" typeface="Arial"/>
+        <a:font script="Bugi" typeface="Leelawadee UI"/>
+        <a:font script="Bopo" typeface="Microsoft JhengHei"/>
+        <a:font script="Java" typeface="Javanese Text"/>
+        <a:font script="Lisu" typeface="Segoe UI"/>
+        <a:font script="Mymr" typeface="Myanmar Text"/>
+        <a:font script="Nkoo" typeface="Ebrima"/>
+        <a:font script="Olck" typeface="Nirmala UI"/>
+        <a:font script="Osma" typeface="Ebrima"/>
+        <a:font script="Phag" typeface="Phagspa"/>
+        <a:font script="Syrn" typeface="Estrangelo Edessa"/>
+        <a:font script="Syrj" typeface="Estrangelo Edessa"/>
+        <a:font script="Syre" typeface="Estrangelo Edessa"/>
+        <a:font script="Sora" typeface="Nirmala UI"/>
+        <a:font script="Tale" typeface="Microsoft Tai Le"/>
+        <a:font script="Talu" typeface="Microsoft New Tai Lue"/>
+        <a:font script="Tfng" typeface="Ebrima"/>
+      </a:majorFont>
+      <a:minorFont>
+        <a:latin typeface="Aptos" panose="02110004020202020204"/>
+        <a:ea typeface=""/>
+        <a:cs typeface=""/>
+        <a:font script="Jpan" typeface="游ゴシック"/>
+        <a:font script="Hang" typeface="맑은 고딕"/>
+        <a:font script="Hans" typeface="等线"/>
+        <a:font script="Hant" typeface="新細明體"/>
+        <a:font script="Arab" typeface="Arial"/>
+        <a:font script="Hebr" typeface="Arial"/>
+        <a:font script="Thai" typeface="Cordia New"/>
+        <a:font script="Ethi" typeface="Nyala"/>
+        <a:font script="Beng" typeface="Vrinda"/>
+        <a:font script="Gujr" typeface="Shruti"/>
+        <a:font script="Khmr" typeface="DaunPenh"/>
+        <a:font script="Knda" typeface="Tunga"/>
+        <a:font script="Guru" typeface="Raavi"/>
+        <a:font script="Cans" typeface="Euphemia"/>
+        <a:font script="Cher" typeface="Plantagenet Cherokee"/>
+        <a:font script="Yiii" typeface="Microsoft Yi Baiti"/>
+        <a:font script="Tibt" typeface="Microsoft Himalaya"/>
+        <a:font script="Thaa" typeface="MV Boli"/>
+        <a:font script="Deva" typeface="Mangal"/>
+        <a:font script="Telu" typeface="Gautami"/>
+        <a:font script="Taml" typeface="Latha"/>
+        <a:font script="Syrc" typeface="Estrangelo Edessa"/>
+        <a:font script="Orya" typeface="Kalinga"/>
+        <a:font script="Mlym" typeface="Kartika"/>
+        <a:font script="Laoo" typeface="DokChampa"/>
+        <a:font script="Sinh" typeface="Iskoola Pota"/>
+        <a:font script="Mong" typeface="Mongolian Baiti"/>
+        <a:font script="Viet" typeface="Arial"/>
+        <a:font script="Uigh" typeface="Microsoft Uighur"/>
+        <a:font script="Geor" typeface="Sylfaen"/>
+        <a:font script="Armn" typeface="Arial"/>
+        <a:font script="Bugi" typeface="Leelawadee UI"/>
+        <a:font script="Bopo" typeface="Microsoft JhengHei"/>
+        <a:font script="Java" typeface="Javanese Text"/>
+        <a:font script="Lisu" typeface="Segoe UI"/>
+        <a:font script="Mymr" typeface="Myanmar Text"/>
+        <a:font script="Nkoo" typeface="Ebrima"/>
+        <a:font script="Olck" typeface="Nirmala UI"/>
+        <a:font script="Osma" typeface="Ebrima"/>
+        <a:font script="Phag" typeface="Phagspa"/>
+        <a:font script="Syrn" typeface="Estrangelo Edessa"/>
+        <a:font script="Syrj" typeface="Estrangelo Edessa"/>
+        <a:font script="Syre" typeface="Estrangelo Edessa"/>
+        <a:font script="Sora" typeface="Nirmala UI"/>
+        <a:font script="Tale" typeface="Microsoft Tai Le"/>
+        <a:font script="Talu" typeface="Microsoft New Tai Lue"/>
+        <a:font script="Tfng" typeface="Ebrima"/>
+      </a:minorFont>
+    </a:fontScheme>
+    <a:fmtScheme name="Office">
+      <a:fillStyleLst>
+        <a:solidFill>
+          <a:schemeClr val="phClr"/>
+        </a:solidFill>
+        <a:gradFill rotWithShape="1">
+          <a:gsLst>
+            <a:gs pos="0">
+              <a:schemeClr val="phClr">
+                <a:lumMod val="110000"/>
+                <a:satMod val="105000"/>
+                <a:tint val="67000"/>
+              </a:schemeClr>
+            </a:gs>
+            <a:gs pos="50000">
+              <a:schemeClr val="phClr">
+                <a:lumMod val="105000"/>
+                <a:satMod val="103000"/>
+                <a:tint val="73000"/>
+              </a:schemeClr>
+            </a:gs>
+            <a:gs pos="100000">
+              <a:schemeClr val="phClr">
+                <a:lumMod val="105000"/>
+                <a:satMod val="109000"/>
+                <a:tint val="81000"/>
+              </a:schemeClr>
+            </a:gs>
+          </a:gsLst>
+          <a:lin ang="5400000" scaled="0"/>
+        </a:gradFill>
+        <a:gradFill rotWithShape="1">
+          <a:gsLst>
+            <a:gs pos="0">
+              <a:schemeClr val="phClr">
+                <a:satMod val="103000"/>
+                <a:lumMod val="102000"/>
+                <a:tint val="94000"/>
+              </a:schemeClr>
+            </a:gs>
+            <a:gs pos="50000">
+              <a:schemeClr val="phClr">
+                <a:satMod val="110000"/>
+                <a:lumMod val="100000"/>
+                <a:shade val="100000"/>
+              </a:schemeClr>
+            </a:gs>
+            <a:gs pos="100000">
+              <a:schemeClr val="phClr">
+                <a:lumMod val="99000"/>
+                <a:satMod val="120000"/>
+                <a:shade val="78000"/>
+              </a:schemeClr>
+            </a:gs>
+          </a:gsLst>
+          <a:lin ang="5400000" scaled="0"/>
+        </a:gradFill>
+      </a:fillStyleLst>
+      <a:lnStyleLst>
+        <a:ln w="12700" cap="flat" cmpd="sng" algn="ctr">
+          <a:solidFill>
+            <a:schemeClr val="phClr"/>
+          </a:solidFill>
+          <a:prstDash val="solid"/>
+          <a:miter lim="800000"/>
+        </a:ln>
+        <a:ln w="19050" cap="flat" cmpd="sng" algn="ctr">
+          <a:solidFill>
+            <a:schemeClr val="phClr"/>
+          </a:solidFill>
+          <a:prstDash val="solid"/>
+          <a:miter lim="800000"/>
+        </a:ln>
+        <a:ln w="25400" cap="flat" cmpd="sng" algn="ctr">
+          <a:solidFill>
+            <a:schemeClr val="phClr"/>
+          </a:solidFill>
+          <a:prstDash val="solid"/>
+          <a:miter lim="800000"/>
+        </a:ln>
+      </a:lnStyleLst>
+      <a:effectStyleLst>
+        <a:effectStyle>
+          <a:effectLst/>
+        </a:effectStyle>
+        <a:effectStyle>
+          <a:effectLst/>
+        </a:effectStyle>
+        <a:effectStyle>
+          <a:effectLst>
+            <a:outerShdw blurRad="57150" dist="19050" dir="5400000" algn="ctr" rotWithShape="0">
+              <a:srgbClr val="000000">
+                <a:alpha val="63000"/>
+              </a:srgbClr>
+            </a:outerShdw>
+          </a:effectLst>
+        </a:effectStyle>
+      </a:effectStyleLst>
+      <a:bgFillStyleLst>
+        <a:solidFill>
+          <a:schemeClr val="phClr"/>
+        </a:solidFill>
+        <a:solidFill>
+          <a:schemeClr val="phClr">
+            <a:tint val="95000"/>
+            <a:satMod val="170000"/>
+          </a:schemeClr>
+        </a:solidFill>
+        <a:gradFill rotWithShape="1">
+          <a:gsLst>
+            <a:gs pos="0">
+              <a:schemeClr val="phClr">
+                <a:tint val="93000"/>
+                <a:satMod val="150000"/>
+                <a:shade val="98000"/>
+                <a:lumMod val="102000"/>
+              </a:schemeClr>
+            </a:gs>
+            <a:gs pos="50000">
+              <a:schemeClr val="phClr">
+                <a:tint val="98000"/>
+                <a:satMod val="130000"/>
+                <a:shade val="90000"/>
+                <a:lumMod val="103000"/>
+              </a:schemeClr>
+            </a:gs>
+            <a:gs pos="100000">
+              <a:schemeClr val="phClr">
+                <a:shade val="63000"/>
+                <a:satMod val="120000"/>
+              </a:schemeClr>
+            </a:gs>
+          </a:gsLst>
+          <a:lin ang="5400000" scaled="0"/>
+        </a:gradFill>
+      </a:bgFillStyleLst>
+    </a:fmtScheme>
+  </a:themeElements>
+  <a:objectDefaults>
+    <a:lnDef>
+      <a:spPr/>
+      <a:bodyPr/>
+      <a:lstStyle/>
+      <a:style>
+        <a:lnRef idx="2">
+          <a:schemeClr val="accent1"/>
+        </a:lnRef>
+        <a:fillRef idx="0">
+          <a:schemeClr val="accent1"/>
+        </a:fillRef>
+        <a:effectRef idx="1">
+          <a:schemeClr val="accent1"/>
+        </a:effectRef>
+        <a:fontRef idx="minor">
+          <a:schemeClr val="tx1"/>
+        </a:fontRef>
+      </a:style>
+    </a:lnDef>
+  </a:objectDefaults>
+  <a:extraClrSchemeLst/>
+  <a:extLst>
+    <a:ext uri="{05A4C25C-085E-4340-85A3-A5531E510DB2}">
+      <thm15:themeFamily xmlns:thm15="http://schemas.microsoft.com/office/thememl/2012/main" name="Office Theme" id="{2E142A2C-CD16-42D6-873A-C26D2A0506FA}" vid="{1BDDFF52-6CD6-40A5-AB3C-68EB2F1E4D0A}"/>
+    </a:ext>
+  </a:extLst>
+</a:theme>
 </file>
--- a/BALLANZA_Andy_CANTE_Clément_Blockout.pptx
+++ b/BALLANZA_Andy_CANTE_Clément_Blockout.pptx
@@ -5,11 +5,19 @@
     <p:sldMasterId id="2147483648" r:id="rId1"/>
   </p:sldMasterIdLst>
   <p:notesMasterIdLst>
-    <p:notesMasterId r:id="rId4"/>
+    <p:notesMasterId r:id="rId12"/>
   </p:notesMasterIdLst>
   <p:sldIdLst>
     <p:sldId id="256" r:id="rId2"/>
     <p:sldId id="257" r:id="rId3"/>
+    <p:sldId id="258" r:id="rId4"/>
+    <p:sldId id="261" r:id="rId5"/>
+    <p:sldId id="259" r:id="rId6"/>
+    <p:sldId id="260" r:id="rId7"/>
+    <p:sldId id="262" r:id="rId8"/>
+    <p:sldId id="263" r:id="rId9"/>
+    <p:sldId id="264" r:id="rId10"/>
+    <p:sldId id="265" r:id="rId11"/>
   </p:sldIdLst>
   <p:sldSz cx="12192000" cy="6858000"/>
   <p:notesSz cx="6858000" cy="9144000"/>
@@ -198,7 +206,7 @@
           <a:p>
             <a:fld id="{AC48282D-41DD-4C01-976C-BB2FAB5A74A4}" type="datetimeFigureOut">
               <a:rPr lang="fr-FR" smtClean="0"/>
-              <a:t>17/04/2025</a:t>
+              <a:t>18/04/2025</a:t>
             </a:fld>
             <a:endParaRPr lang="fr-FR"/>
           </a:p>
@@ -574,9 +582,9 @@
           <a:bodyPr/>
           <a:lstStyle/>
           <a:p>
-            <a:fld id="{66679EF8-F580-47FE-8B0F-7958058F924E}" type="datetime1">
+            <a:fld id="{64971E01-63B1-431D-AD30-E737D421C7F7}" type="datetime1">
               <a:rPr lang="fr-FR" smtClean="0"/>
-              <a:t>17/04/2025</a:t>
+              <a:t>18/04/2025</a:t>
             </a:fld>
             <a:endParaRPr lang="fr-FR"/>
           </a:p>
@@ -605,7 +613,7 @@
           <a:p>
             <a:r>
               <a:rPr lang="fr-FR"/>
-              <a:t>BALLANZA - CANTE - Left4Dead2 - Blockout</a:t>
+              <a:t>BALLANZA CANTE : Left4Dead2 Blockout</a:t>
             </a:r>
           </a:p>
         </p:txBody>
@@ -783,9 +791,9 @@
           <a:bodyPr/>
           <a:lstStyle/>
           <a:p>
-            <a:fld id="{8AEAC217-E0DE-4809-8AEC-8C00C331BE5B}" type="datetime1">
+            <a:fld id="{FD391D22-31DB-4019-9492-87E874383082}" type="datetime1">
               <a:rPr lang="fr-FR" smtClean="0"/>
-              <a:t>17/04/2025</a:t>
+              <a:t>18/04/2025</a:t>
             </a:fld>
             <a:endParaRPr lang="fr-FR"/>
           </a:p>
@@ -814,7 +822,7 @@
           <a:p>
             <a:r>
               <a:rPr lang="fr-FR"/>
-              <a:t>BALLANZA - CANTE - Left4Dead2 - Blockout</a:t>
+              <a:t>BALLANZA CANTE : Left4Dead2 Blockout</a:t>
             </a:r>
           </a:p>
         </p:txBody>
@@ -1002,9 +1010,9 @@
           <a:bodyPr/>
           <a:lstStyle/>
           <a:p>
-            <a:fld id="{038D67EE-D02F-4AE3-924D-A0837DADC03D}" type="datetime1">
+            <a:fld id="{E6D3605F-3454-4858-AAA8-69137ACA701E}" type="datetime1">
               <a:rPr lang="fr-FR" smtClean="0"/>
-              <a:t>17/04/2025</a:t>
+              <a:t>18/04/2025</a:t>
             </a:fld>
             <a:endParaRPr lang="fr-FR"/>
           </a:p>
@@ -1033,7 +1041,7 @@
           <a:p>
             <a:r>
               <a:rPr lang="fr-FR"/>
-              <a:t>BALLANZA - CANTE - Left4Dead2 - Blockout</a:t>
+              <a:t>BALLANZA CANTE : Left4Dead2 Blockout</a:t>
             </a:r>
           </a:p>
         </p:txBody>
@@ -1255,9 +1263,9 @@
           <a:bodyPr/>
           <a:lstStyle/>
           <a:p>
-            <a:fld id="{656DA76B-B9E4-463C-8E26-E5CD4E3392DD}" type="datetime1">
+            <a:fld id="{2795F975-5004-4B81-844C-A6CA8F787A0C}" type="datetime1">
               <a:rPr lang="fr-FR" smtClean="0"/>
-              <a:t>17/04/2025</a:t>
+              <a:t>18/04/2025</a:t>
             </a:fld>
             <a:endParaRPr lang="fr-FR"/>
           </a:p>
@@ -1286,7 +1294,7 @@
           <a:p>
             <a:r>
               <a:rPr lang="fr-FR"/>
-              <a:t>BALLANZA - CANTE - Left4Dead2 - Blockout</a:t>
+              <a:t>BALLANZA CANTE : Left4Dead2 Blockout</a:t>
             </a:r>
           </a:p>
         </p:txBody>
@@ -1541,9 +1549,9 @@
           <a:bodyPr/>
           <a:lstStyle/>
           <a:p>
-            <a:fld id="{C7681473-5460-45FE-AB74-1503159F7373}" type="datetime1">
+            <a:fld id="{14B43149-17B5-4C9E-91DD-062423B2A522}" type="datetime1">
               <a:rPr lang="fr-FR" smtClean="0"/>
-              <a:t>17/04/2025</a:t>
+              <a:t>18/04/2025</a:t>
             </a:fld>
             <a:endParaRPr lang="fr-FR"/>
           </a:p>
@@ -1572,7 +1580,7 @@
           <a:p>
             <a:r>
               <a:rPr lang="fr-FR"/>
-              <a:t>BALLANZA - CANTE - Left4Dead2 - Blockout</a:t>
+              <a:t>BALLANZA CANTE : Left4Dead2 Blockout</a:t>
             </a:r>
           </a:p>
         </p:txBody>
@@ -1817,9 +1825,9 @@
           <a:bodyPr/>
           <a:lstStyle/>
           <a:p>
-            <a:fld id="{68E21BCF-763E-44C5-A628-872762B6AED0}" type="datetime1">
+            <a:fld id="{35F8B74D-DF24-4936-9517-73F7344A2F5F}" type="datetime1">
               <a:rPr lang="fr-FR" smtClean="0"/>
-              <a:t>17/04/2025</a:t>
+              <a:t>18/04/2025</a:t>
             </a:fld>
             <a:endParaRPr lang="fr-FR"/>
           </a:p>
@@ -1848,7 +1856,7 @@
           <a:p>
             <a:r>
               <a:rPr lang="fr-FR"/>
-              <a:t>BALLANZA - CANTE - Left4Dead2 - Blockout</a:t>
+              <a:t>BALLANZA CANTE : Left4Dead2 Blockout</a:t>
             </a:r>
           </a:p>
         </p:txBody>
@@ -2240,9 +2248,9 @@
           <a:bodyPr/>
           <a:lstStyle/>
           <a:p>
-            <a:fld id="{D1E78C28-6E7E-4F7C-8AEA-97B051D99794}" type="datetime1">
+            <a:fld id="{D4FAF65D-8C6D-4B33-A034-8A8D2C92E50B}" type="datetime1">
               <a:rPr lang="fr-FR" smtClean="0"/>
-              <a:t>17/04/2025</a:t>
+              <a:t>18/04/2025</a:t>
             </a:fld>
             <a:endParaRPr lang="fr-FR"/>
           </a:p>
@@ -2271,7 +2279,7 @@
           <a:p>
             <a:r>
               <a:rPr lang="fr-FR"/>
-              <a:t>BALLANZA - CANTE - Left4Dead2 - Blockout</a:t>
+              <a:t>BALLANZA CANTE : Left4Dead2 Blockout</a:t>
             </a:r>
           </a:p>
         </p:txBody>
@@ -2392,9 +2400,9 @@
           <a:bodyPr/>
           <a:lstStyle/>
           <a:p>
-            <a:fld id="{7DB5E80A-8D43-4C77-83AC-76EFFFE7B3E2}" type="datetime1">
+            <a:fld id="{DC82E62D-7CC4-48A7-A672-5728E8333B05}" type="datetime1">
               <a:rPr lang="fr-FR" smtClean="0"/>
-              <a:t>17/04/2025</a:t>
+              <a:t>18/04/2025</a:t>
             </a:fld>
             <a:endParaRPr lang="fr-FR"/>
           </a:p>
@@ -2423,7 +2431,7 @@
           <a:p>
             <a:r>
               <a:rPr lang="fr-FR"/>
-              <a:t>BALLANZA - CANTE - Left4Dead2 - Blockout</a:t>
+              <a:t>BALLANZA CANTE : Left4Dead2 Blockout</a:t>
             </a:r>
           </a:p>
         </p:txBody>
@@ -2516,9 +2524,9 @@
           <a:bodyPr/>
           <a:lstStyle/>
           <a:p>
-            <a:fld id="{C1690B47-8264-43B0-BBB5-EC5BB57815D8}" type="datetime1">
+            <a:fld id="{69BFC33B-B41E-4CAD-97CB-A0FB26F827A2}" type="datetime1">
               <a:rPr lang="fr-FR" smtClean="0"/>
-              <a:t>17/04/2025</a:t>
+              <a:t>18/04/2025</a:t>
             </a:fld>
             <a:endParaRPr lang="fr-FR"/>
           </a:p>
@@ -2547,7 +2555,7 @@
           <a:p>
             <a:r>
               <a:rPr lang="fr-FR"/>
-              <a:t>BALLANZA - CANTE - Left4Dead2 - Blockout</a:t>
+              <a:t>BALLANZA CANTE : Left4Dead2 Blockout</a:t>
             </a:r>
           </a:p>
         </p:txBody>
@@ -2838,9 +2846,9 @@
           <a:bodyPr/>
           <a:lstStyle/>
           <a:p>
-            <a:fld id="{CFB9FDC9-06CB-4445-AFE2-7AE91CA2ECA0}" type="datetime1">
+            <a:fld id="{90CBB998-B8D9-4FA1-98C8-8E798FDE7BE3}" type="datetime1">
               <a:rPr lang="fr-FR" smtClean="0"/>
-              <a:t>17/04/2025</a:t>
+              <a:t>18/04/2025</a:t>
             </a:fld>
             <a:endParaRPr lang="fr-FR"/>
           </a:p>
@@ -2869,7 +2877,7 @@
           <a:p>
             <a:r>
               <a:rPr lang="fr-FR"/>
-              <a:t>BALLANZA - CANTE - Left4Dead2 - Blockout</a:t>
+              <a:t>BALLANZA CANTE : Left4Dead2 Blockout</a:t>
             </a:r>
           </a:p>
         </p:txBody>
@@ -3137,9 +3145,9 @@
           <a:bodyPr/>
           <a:lstStyle/>
           <a:p>
-            <a:fld id="{7D114F7D-37DD-468B-9EFF-B8C420E90A5F}" type="datetime1">
+            <a:fld id="{FCD6838D-6F04-4985-8F1D-0B42C7E97721}" type="datetime1">
               <a:rPr lang="fr-FR" smtClean="0"/>
-              <a:t>17/04/2025</a:t>
+              <a:t>18/04/2025</a:t>
             </a:fld>
             <a:endParaRPr lang="fr-FR"/>
           </a:p>
@@ -3168,7 +3176,7 @@
           <a:p>
             <a:r>
               <a:rPr lang="fr-FR"/>
-              <a:t>BALLANZA - CANTE - Left4Dead2 - Blockout</a:t>
+              <a:t>BALLANZA CANTE : Left4Dead2 Blockout</a:t>
             </a:r>
           </a:p>
         </p:txBody>
@@ -3404,7 +3412,7 @@
           <a:p>
             <a:r>
               <a:rPr lang="fr-FR"/>
-              <a:t>BALLANZA - CANTE - Left4Dead2 - Blockout</a:t>
+              <a:t>BALLANZA CANTE : Left4Dead2 Blockout</a:t>
             </a:r>
           </a:p>
         </p:txBody>
@@ -3795,7 +3803,12 @@
             <p:ph type="ctrTitle"/>
           </p:nvPr>
         </p:nvSpPr>
-        <p:spPr/>
+        <p:spPr>
+          <a:xfrm>
+            <a:off x="1524000" y="1597851"/>
+            <a:ext cx="9144000" cy="2387600"/>
+          </a:xfrm>
+        </p:spPr>
         <p:txBody>
           <a:bodyPr/>
           <a:lstStyle/>
@@ -3823,6 +3836,332 @@
     <p:extLst>
       <p:ext uri="{BB962C8B-B14F-4D97-AF65-F5344CB8AC3E}">
         <p14:creationId xmlns:p14="http://schemas.microsoft.com/office/powerpoint/2010/main" val="1554575233"/>
+      </p:ext>
+    </p:extLst>
+  </p:cSld>
+  <p:clrMapOvr>
+    <a:masterClrMapping/>
+  </p:clrMapOvr>
+</p:sld>
+</file>
+
+<file path=ppt/slides/slide10.xml><?xml version="1.0" encoding="utf-8"?>
+<p:sld xmlns:a="http://schemas.openxmlformats.org/drawingml/2006/main" xmlns:r="http://schemas.openxmlformats.org/officeDocument/2006/relationships" xmlns:p="http://schemas.openxmlformats.org/presentationml/2006/main">
+  <p:cSld>
+    <p:spTree>
+      <p:nvGrpSpPr>
+        <p:cNvPr id="1" name=""/>
+        <p:cNvGrpSpPr/>
+        <p:nvPr/>
+      </p:nvGrpSpPr>
+      <p:grpSpPr>
+        <a:xfrm>
+          <a:off x="0" y="0"/>
+          <a:ext cx="0" cy="0"/>
+          <a:chOff x="0" y="0"/>
+          <a:chExt cx="0" cy="0"/>
+        </a:xfrm>
+      </p:grpSpPr>
+      <p:sp>
+        <p:nvSpPr>
+          <p:cNvPr id="2" name="Titre 1">
+            <a:extLst>
+              <a:ext uri="{FF2B5EF4-FFF2-40B4-BE49-F238E27FC236}">
+                <a16:creationId xmlns:a16="http://schemas.microsoft.com/office/drawing/2014/main" id="{9FA8607C-51B2-10D4-500D-8E1BBBB42054}"/>
+              </a:ext>
+            </a:extLst>
+          </p:cNvPr>
+          <p:cNvSpPr>
+            <a:spLocks noGrp="1"/>
+          </p:cNvSpPr>
+          <p:nvPr>
+            <p:ph type="title"/>
+          </p:nvPr>
+        </p:nvSpPr>
+        <p:spPr/>
+        <p:txBody>
+          <a:bodyPr/>
+          <a:lstStyle/>
+          <a:p>
+            <a:r>
+              <a:rPr lang="fr-FR" dirty="0" err="1"/>
+              <a:t>Step</a:t>
+            </a:r>
+            <a:r>
+              <a:rPr lang="fr-FR" dirty="0"/>
+              <a:t> By </a:t>
+            </a:r>
+            <a:r>
+              <a:rPr lang="fr-FR" dirty="0" err="1"/>
+              <a:t>Step</a:t>
+            </a:r>
+            <a:endParaRPr lang="fr-FR" dirty="0"/>
+          </a:p>
+        </p:txBody>
+      </p:sp>
+      <p:sp>
+        <p:nvSpPr>
+          <p:cNvPr id="3" name="Espace réservé du pied de page 2">
+            <a:extLst>
+              <a:ext uri="{FF2B5EF4-FFF2-40B4-BE49-F238E27FC236}">
+                <a16:creationId xmlns:a16="http://schemas.microsoft.com/office/drawing/2014/main" id="{AA92AF42-0ADB-FB8B-6C53-E171B4C72C8B}"/>
+              </a:ext>
+            </a:extLst>
+          </p:cNvPr>
+          <p:cNvSpPr>
+            <a:spLocks noGrp="1"/>
+          </p:cNvSpPr>
+          <p:nvPr>
+            <p:ph type="ftr" sz="quarter" idx="11"/>
+          </p:nvPr>
+        </p:nvSpPr>
+        <p:spPr/>
+        <p:txBody>
+          <a:bodyPr/>
+          <a:lstStyle/>
+          <a:p>
+            <a:r>
+              <a:rPr lang="fr-FR"/>
+              <a:t>BALLANZA CANTE : Left4Dead2 Blockout</a:t>
+            </a:r>
+          </a:p>
+        </p:txBody>
+      </p:sp>
+      <p:sp>
+        <p:nvSpPr>
+          <p:cNvPr id="4" name="Espace réservé du numéro de diapositive 3">
+            <a:extLst>
+              <a:ext uri="{FF2B5EF4-FFF2-40B4-BE49-F238E27FC236}">
+                <a16:creationId xmlns:a16="http://schemas.microsoft.com/office/drawing/2014/main" id="{E1A83824-2AB4-8ACF-E66C-E89B62A97CD5}"/>
+              </a:ext>
+            </a:extLst>
+          </p:cNvPr>
+          <p:cNvSpPr>
+            <a:spLocks noGrp="1"/>
+          </p:cNvSpPr>
+          <p:nvPr>
+            <p:ph type="sldNum" sz="quarter" idx="12"/>
+          </p:nvPr>
+        </p:nvSpPr>
+        <p:spPr/>
+        <p:txBody>
+          <a:bodyPr/>
+          <a:lstStyle/>
+          <a:p>
+            <a:fld id="{0F8D06F7-CC5E-4A93-BD41-B1F89298AFFC}" type="slidenum">
+              <a:rPr lang="fr-FR" smtClean="0"/>
+              <a:t>10</a:t>
+            </a:fld>
+            <a:endParaRPr lang="fr-FR"/>
+          </a:p>
+        </p:txBody>
+      </p:sp>
+      <p:pic>
+        <p:nvPicPr>
+          <p:cNvPr id="6" name="Image 5" descr="Une image contenant capture d’écran, conception&#10;&#10;Le contenu généré par l’IA peut être incorrect.">
+            <a:extLst>
+              <a:ext uri="{FF2B5EF4-FFF2-40B4-BE49-F238E27FC236}">
+                <a16:creationId xmlns:a16="http://schemas.microsoft.com/office/drawing/2014/main" id="{263C0099-D7BF-1F91-5987-B6B130811DF4}"/>
+              </a:ext>
+            </a:extLst>
+          </p:cNvPr>
+          <p:cNvPicPr>
+            <a:picLocks noChangeAspect="1"/>
+          </p:cNvPicPr>
+          <p:nvPr/>
+        </p:nvPicPr>
+        <p:blipFill>
+          <a:blip r:embed="rId2">
+            <a:extLst>
+              <a:ext uri="{28A0092B-C50C-407E-A947-70E740481C1C}">
+                <a14:useLocalDpi xmlns:a14="http://schemas.microsoft.com/office/drawing/2010/main" val="0"/>
+              </a:ext>
+            </a:extLst>
+          </a:blip>
+          <a:stretch>
+            <a:fillRect/>
+          </a:stretch>
+        </p:blipFill>
+        <p:spPr>
+          <a:xfrm>
+            <a:off x="4314825" y="1380889"/>
+            <a:ext cx="6953250" cy="4096222"/>
+          </a:xfrm>
+          <a:prstGeom prst="rect">
+            <a:avLst/>
+          </a:prstGeom>
+        </p:spPr>
+      </p:pic>
+      <p:cxnSp>
+        <p:nvCxnSpPr>
+          <p:cNvPr id="5" name="Connecteur droit avec flèche 4">
+            <a:extLst>
+              <a:ext uri="{FF2B5EF4-FFF2-40B4-BE49-F238E27FC236}">
+                <a16:creationId xmlns:a16="http://schemas.microsoft.com/office/drawing/2014/main" id="{D0159833-7CC0-EB26-E7B2-5695092DE939}"/>
+              </a:ext>
+            </a:extLst>
+          </p:cNvPr>
+          <p:cNvCxnSpPr>
+            <a:cxnSpLocks/>
+          </p:cNvCxnSpPr>
+          <p:nvPr/>
+        </p:nvCxnSpPr>
+        <p:spPr>
+          <a:xfrm flipV="1">
+            <a:off x="4705350" y="2333625"/>
+            <a:ext cx="4429125" cy="2455426"/>
+          </a:xfrm>
+          <a:prstGeom prst="straightConnector1">
+            <a:avLst/>
+          </a:prstGeom>
+          <a:ln>
+            <a:solidFill>
+              <a:schemeClr val="accent6">
+                <a:lumMod val="75000"/>
+              </a:schemeClr>
+            </a:solidFill>
+            <a:tailEnd type="triangle"/>
+          </a:ln>
+        </p:spPr>
+        <p:style>
+          <a:lnRef idx="2">
+            <a:schemeClr val="accent1"/>
+          </a:lnRef>
+          <a:fillRef idx="0">
+            <a:schemeClr val="accent1"/>
+          </a:fillRef>
+          <a:effectRef idx="1">
+            <a:schemeClr val="accent1"/>
+          </a:effectRef>
+          <a:fontRef idx="minor">
+            <a:schemeClr val="tx1"/>
+          </a:fontRef>
+        </p:style>
+      </p:cxnSp>
+      <p:cxnSp>
+        <p:nvCxnSpPr>
+          <p:cNvPr id="8" name="Connecteur droit avec flèche 7">
+            <a:extLst>
+              <a:ext uri="{FF2B5EF4-FFF2-40B4-BE49-F238E27FC236}">
+                <a16:creationId xmlns:a16="http://schemas.microsoft.com/office/drawing/2014/main" id="{3DC06739-5F53-3AEF-BDC0-8547138C2B45}"/>
+              </a:ext>
+            </a:extLst>
+          </p:cNvPr>
+          <p:cNvCxnSpPr>
+            <a:cxnSpLocks/>
+          </p:cNvCxnSpPr>
+          <p:nvPr/>
+        </p:nvCxnSpPr>
+        <p:spPr>
+          <a:xfrm>
+            <a:off x="9277350" y="2333625"/>
+            <a:ext cx="390525" cy="581025"/>
+          </a:xfrm>
+          <a:prstGeom prst="straightConnector1">
+            <a:avLst/>
+          </a:prstGeom>
+          <a:ln>
+            <a:solidFill>
+              <a:schemeClr val="accent6">
+                <a:lumMod val="75000"/>
+              </a:schemeClr>
+            </a:solidFill>
+            <a:tailEnd type="triangle"/>
+          </a:ln>
+        </p:spPr>
+        <p:style>
+          <a:lnRef idx="2">
+            <a:schemeClr val="accent1"/>
+          </a:lnRef>
+          <a:fillRef idx="0">
+            <a:schemeClr val="accent1"/>
+          </a:fillRef>
+          <a:effectRef idx="1">
+            <a:schemeClr val="accent1"/>
+          </a:effectRef>
+          <a:fontRef idx="minor">
+            <a:schemeClr val="tx1"/>
+          </a:fontRef>
+        </p:style>
+      </p:cxnSp>
+      <p:sp>
+        <p:nvSpPr>
+          <p:cNvPr id="12" name="ZoneTexte 11">
+            <a:extLst>
+              <a:ext uri="{FF2B5EF4-FFF2-40B4-BE49-F238E27FC236}">
+                <a16:creationId xmlns:a16="http://schemas.microsoft.com/office/drawing/2014/main" id="{B1E69D47-E110-2B79-37CF-F078556EA748}"/>
+              </a:ext>
+            </a:extLst>
+          </p:cNvPr>
+          <p:cNvSpPr txBox="1"/>
+          <p:nvPr/>
+        </p:nvSpPr>
+        <p:spPr>
+          <a:xfrm>
+            <a:off x="454821" y="1962454"/>
+            <a:ext cx="4991099" cy="646331"/>
+          </a:xfrm>
+          <a:prstGeom prst="rect">
+            <a:avLst/>
+          </a:prstGeom>
+          <a:noFill/>
+        </p:spPr>
+        <p:txBody>
+          <a:bodyPr wrap="square" rtlCol="0">
+            <a:spAutoFit/>
+          </a:bodyPr>
+          <a:lstStyle/>
+          <a:p>
+            <a:pPr marL="285750" indent="-285750">
+              <a:buFont typeface="Wingdings" panose="05000000000000000000" pitchFamily="2" charset="2"/>
+              <a:buChar char="ü"/>
+            </a:pPr>
+            <a:r>
+              <a:rPr lang="fr-FR" dirty="0" err="1">
+                <a:latin typeface="Stubble bold" panose="02000806030000020004" pitchFamily="2" charset="0"/>
+              </a:rPr>
+              <a:t>Step</a:t>
+            </a:r>
+            <a:r>
+              <a:rPr lang="fr-FR" dirty="0">
+                <a:latin typeface="Stubble bold" panose="02000806030000020004" pitchFamily="2" charset="0"/>
+              </a:rPr>
+              <a:t> 8 : Look for a train entry</a:t>
+            </a:r>
+          </a:p>
+          <a:p>
+            <a:pPr marL="285750" indent="-285750">
+              <a:buFont typeface="Wingdings" panose="05000000000000000000" pitchFamily="2" charset="2"/>
+              <a:buChar char="ü"/>
+            </a:pPr>
+            <a:r>
+              <a:rPr lang="fr-FR" dirty="0" err="1">
+                <a:latin typeface="Stubble bold" panose="02000806030000020004" pitchFamily="2" charset="0"/>
+              </a:rPr>
+              <a:t>Step</a:t>
+            </a:r>
+            <a:r>
+              <a:rPr lang="fr-FR" dirty="0">
+                <a:latin typeface="Stubble bold" panose="02000806030000020004" pitchFamily="2" charset="0"/>
+              </a:rPr>
+              <a:t> 9 : Start up the train and go </a:t>
+            </a:r>
+            <a:r>
+              <a:rPr lang="fr-FR" dirty="0" err="1">
+                <a:latin typeface="Stubble bold" panose="02000806030000020004" pitchFamily="2" charset="0"/>
+              </a:rPr>
+              <a:t>away</a:t>
+            </a:r>
+            <a:endParaRPr lang="fr-FR" dirty="0">
+              <a:latin typeface="Stubble bold" panose="02000806030000020004" pitchFamily="2" charset="0"/>
+            </a:endParaRPr>
+          </a:p>
+        </p:txBody>
+      </p:sp>
+    </p:spTree>
+    <p:extLst>
+      <p:ext uri="{BB962C8B-B14F-4D97-AF65-F5344CB8AC3E}">
+        <p14:creationId xmlns:p14="http://schemas.microsoft.com/office/powerpoint/2010/main" val="3528230886"/>
       </p:ext>
     </p:extLst>
   </p:cSld>
@@ -3870,7 +4209,11 @@
           <a:bodyPr/>
           <a:lstStyle/>
           <a:p>
-            <a:endParaRPr lang="fr-FR"/>
+            <a:r>
+              <a:rPr lang="fr-FR" dirty="0" err="1"/>
+              <a:t>Moodboard</a:t>
+            </a:r>
+            <a:endParaRPr lang="fr-FR" dirty="0"/>
           </a:p>
         </p:txBody>
       </p:sp>
@@ -3897,7 +4240,7 @@
           <a:p>
             <a:r>
               <a:rPr lang="fr-FR"/>
-              <a:t>BALLANZA - CANTE - Left4Dead2 - Blockout</a:t>
+              <a:t>BALLANZA CANTE : Left4Dead2 Blockout</a:t>
             </a:r>
           </a:p>
         </p:txBody>
@@ -3931,10 +4274,5338 @@
           </a:p>
         </p:txBody>
       </p:sp>
+      <p:pic>
+        <p:nvPicPr>
+          <p:cNvPr id="6" name="Image 5" descr="Une image contenant ciel, plein air, bâtiment, nuage&#10;&#10;Le contenu généré par l’IA peut être incorrect.">
+            <a:extLst>
+              <a:ext uri="{FF2B5EF4-FFF2-40B4-BE49-F238E27FC236}">
+                <a16:creationId xmlns:a16="http://schemas.microsoft.com/office/drawing/2014/main" id="{ABFD6FCE-9E89-C7EE-BDEB-1E4A7707501E}"/>
+              </a:ext>
+            </a:extLst>
+          </p:cNvPr>
+          <p:cNvPicPr>
+            <a:picLocks noChangeAspect="1"/>
+          </p:cNvPicPr>
+          <p:nvPr/>
+        </p:nvPicPr>
+        <p:blipFill>
+          <a:blip r:embed="rId2">
+            <a:extLst>
+              <a:ext uri="{28A0092B-C50C-407E-A947-70E740481C1C}">
+                <a14:useLocalDpi xmlns:a14="http://schemas.microsoft.com/office/drawing/2010/main" val="0"/>
+              </a:ext>
+            </a:extLst>
+          </a:blip>
+          <a:stretch>
+            <a:fillRect/>
+          </a:stretch>
+        </p:blipFill>
+        <p:spPr>
+          <a:xfrm>
+            <a:off x="345053" y="2290720"/>
+            <a:ext cx="3807847" cy="2951082"/>
+          </a:xfrm>
+          <a:prstGeom prst="rect">
+            <a:avLst/>
+          </a:prstGeom>
+        </p:spPr>
+      </p:pic>
+      <p:pic>
+        <p:nvPicPr>
+          <p:cNvPr id="8" name="Image 7" descr="Une image contenant plafond, intérieur, sol, acier&#10;&#10;Le contenu généré par l’IA peut être incorrect.">
+            <a:extLst>
+              <a:ext uri="{FF2B5EF4-FFF2-40B4-BE49-F238E27FC236}">
+                <a16:creationId xmlns:a16="http://schemas.microsoft.com/office/drawing/2014/main" id="{1C2C6030-6E8F-BAD7-04B6-E947B6655502}"/>
+              </a:ext>
+            </a:extLst>
+          </p:cNvPr>
+          <p:cNvPicPr>
+            <a:picLocks noChangeAspect="1"/>
+          </p:cNvPicPr>
+          <p:nvPr/>
+        </p:nvPicPr>
+        <p:blipFill>
+          <a:blip r:embed="rId3">
+            <a:extLst>
+              <a:ext uri="{28A0092B-C50C-407E-A947-70E740481C1C}">
+                <a14:useLocalDpi xmlns:a14="http://schemas.microsoft.com/office/drawing/2010/main" val="0"/>
+              </a:ext>
+            </a:extLst>
+          </a:blip>
+          <a:stretch>
+            <a:fillRect/>
+          </a:stretch>
+        </p:blipFill>
+        <p:spPr>
+          <a:xfrm>
+            <a:off x="7785100" y="3367089"/>
+            <a:ext cx="4114800" cy="3086100"/>
+          </a:xfrm>
+          <a:prstGeom prst="rect">
+            <a:avLst/>
+          </a:prstGeom>
+        </p:spPr>
+      </p:pic>
+      <p:pic>
+        <p:nvPicPr>
+          <p:cNvPr id="10" name="Image 9" descr="Une image contenant bâtiment, architecture, nuit, plafond&#10;&#10;Le contenu généré par l’IA peut être incorrect.">
+            <a:extLst>
+              <a:ext uri="{FF2B5EF4-FFF2-40B4-BE49-F238E27FC236}">
+                <a16:creationId xmlns:a16="http://schemas.microsoft.com/office/drawing/2014/main" id="{2145BC9A-0846-F241-F756-422FC2CC099D}"/>
+              </a:ext>
+            </a:extLst>
+          </p:cNvPr>
+          <p:cNvPicPr>
+            <a:picLocks noChangeAspect="1"/>
+          </p:cNvPicPr>
+          <p:nvPr/>
+        </p:nvPicPr>
+        <p:blipFill>
+          <a:blip r:embed="rId4">
+            <a:extLst>
+              <a:ext uri="{28A0092B-C50C-407E-A947-70E740481C1C}">
+                <a14:useLocalDpi xmlns:a14="http://schemas.microsoft.com/office/drawing/2010/main" val="0"/>
+              </a:ext>
+            </a:extLst>
+          </a:blip>
+          <a:stretch>
+            <a:fillRect/>
+          </a:stretch>
+        </p:blipFill>
+        <p:spPr>
+          <a:xfrm>
+            <a:off x="4397375" y="3908468"/>
+            <a:ext cx="3143250" cy="1971675"/>
+          </a:xfrm>
+          <a:prstGeom prst="rect">
+            <a:avLst/>
+          </a:prstGeom>
+        </p:spPr>
+      </p:pic>
+      <p:pic>
+        <p:nvPicPr>
+          <p:cNvPr id="12" name="Image 11" descr="Une image contenant acier, bâtiment, Plate-forme de correspondance, ingénierie&#10;&#10;Le contenu généré par l’IA peut être incorrect.">
+            <a:extLst>
+              <a:ext uri="{FF2B5EF4-FFF2-40B4-BE49-F238E27FC236}">
+                <a16:creationId xmlns:a16="http://schemas.microsoft.com/office/drawing/2014/main" id="{24F2903D-F93A-5727-D29C-CDC2DDE6BD12}"/>
+              </a:ext>
+            </a:extLst>
+          </p:cNvPr>
+          <p:cNvPicPr>
+            <a:picLocks noChangeAspect="1"/>
+          </p:cNvPicPr>
+          <p:nvPr/>
+        </p:nvPicPr>
+        <p:blipFill>
+          <a:blip r:embed="rId5">
+            <a:extLst>
+              <a:ext uri="{28A0092B-C50C-407E-A947-70E740481C1C}">
+                <a14:useLocalDpi xmlns:a14="http://schemas.microsoft.com/office/drawing/2010/main" val="0"/>
+              </a:ext>
+            </a:extLst>
+          </a:blip>
+          <a:stretch>
+            <a:fillRect/>
+          </a:stretch>
+        </p:blipFill>
+        <p:spPr>
+          <a:xfrm>
+            <a:off x="4397375" y="1296150"/>
+            <a:ext cx="3143250" cy="2359113"/>
+          </a:xfrm>
+          <a:prstGeom prst="rect">
+            <a:avLst/>
+          </a:prstGeom>
+        </p:spPr>
+      </p:pic>
+      <p:pic>
+        <p:nvPicPr>
+          <p:cNvPr id="14" name="Image 13" descr="Une image contenant bâtiment, intérieur, plafond, sol&#10;&#10;Le contenu généré par l’IA peut être incorrect.">
+            <a:extLst>
+              <a:ext uri="{FF2B5EF4-FFF2-40B4-BE49-F238E27FC236}">
+                <a16:creationId xmlns:a16="http://schemas.microsoft.com/office/drawing/2014/main" id="{C53A3C6C-D272-55DB-725D-44D1597F6EE1}"/>
+              </a:ext>
+            </a:extLst>
+          </p:cNvPr>
+          <p:cNvPicPr>
+            <a:picLocks noChangeAspect="1"/>
+          </p:cNvPicPr>
+          <p:nvPr/>
+        </p:nvPicPr>
+        <p:blipFill>
+          <a:blip r:embed="rId6">
+            <a:extLst>
+              <a:ext uri="{28A0092B-C50C-407E-A947-70E740481C1C}">
+                <a14:useLocalDpi xmlns:a14="http://schemas.microsoft.com/office/drawing/2010/main" val="0"/>
+              </a:ext>
+            </a:extLst>
+          </a:blip>
+          <a:stretch>
+            <a:fillRect/>
+          </a:stretch>
+        </p:blipFill>
+        <p:spPr>
+          <a:xfrm>
+            <a:off x="8039102" y="365125"/>
+            <a:ext cx="3860798" cy="2895599"/>
+          </a:xfrm>
+          <a:prstGeom prst="rect">
+            <a:avLst/>
+          </a:prstGeom>
+        </p:spPr>
+      </p:pic>
+      <p:pic>
+        <p:nvPicPr>
+          <p:cNvPr id="16" name="Image 15" descr="Une image contenant Police, texte, Graphique, logo&#10;&#10;Le contenu généré par l’IA peut être incorrect.">
+            <a:extLst>
+              <a:ext uri="{FF2B5EF4-FFF2-40B4-BE49-F238E27FC236}">
+                <a16:creationId xmlns:a16="http://schemas.microsoft.com/office/drawing/2014/main" id="{B6FBB3E2-AB5B-768E-2776-EA99111ABF71}"/>
+              </a:ext>
+            </a:extLst>
+          </p:cNvPr>
+          <p:cNvPicPr>
+            <a:picLocks noChangeAspect="1"/>
+          </p:cNvPicPr>
+          <p:nvPr/>
+        </p:nvPicPr>
+        <p:blipFill>
+          <a:blip r:embed="rId7">
+            <a:extLst>
+              <a:ext uri="{28A0092B-C50C-407E-A947-70E740481C1C}">
+                <a14:useLocalDpi xmlns:a14="http://schemas.microsoft.com/office/drawing/2010/main" val="0"/>
+              </a:ext>
+            </a:extLst>
+          </a:blip>
+          <a:stretch>
+            <a:fillRect/>
+          </a:stretch>
+        </p:blipFill>
+        <p:spPr>
+          <a:xfrm>
+            <a:off x="142925" y="6492875"/>
+            <a:ext cx="762331" cy="258322"/>
+          </a:xfrm>
+          <a:prstGeom prst="rect">
+            <a:avLst/>
+          </a:prstGeom>
+        </p:spPr>
+      </p:pic>
     </p:spTree>
     <p:extLst>
       <p:ext uri="{BB962C8B-B14F-4D97-AF65-F5344CB8AC3E}">
         <p14:creationId xmlns:p14="http://schemas.microsoft.com/office/powerpoint/2010/main" val="1386546366"/>
+      </p:ext>
+    </p:extLst>
+  </p:cSld>
+  <p:clrMapOvr>
+    <a:masterClrMapping/>
+  </p:clrMapOvr>
+</p:sld>
+</file>
+
+<file path=ppt/slides/slide3.xml><?xml version="1.0" encoding="utf-8"?>
+<p:sld xmlns:a="http://schemas.openxmlformats.org/drawingml/2006/main" xmlns:r="http://schemas.openxmlformats.org/officeDocument/2006/relationships" xmlns:p="http://schemas.openxmlformats.org/presentationml/2006/main">
+  <p:cSld>
+    <p:spTree>
+      <p:nvGrpSpPr>
+        <p:cNvPr id="1" name="">
+          <a:extLst>
+            <a:ext uri="{FF2B5EF4-FFF2-40B4-BE49-F238E27FC236}">
+              <a16:creationId xmlns:a16="http://schemas.microsoft.com/office/drawing/2014/main" id="{73092EA5-72A0-DA6E-C3CF-BC1A0661FA79}"/>
+            </a:ext>
+          </a:extLst>
+        </p:cNvPr>
+        <p:cNvGrpSpPr/>
+        <p:nvPr/>
+      </p:nvGrpSpPr>
+      <p:grpSpPr>
+        <a:xfrm>
+          <a:off x="0" y="0"/>
+          <a:ext cx="0" cy="0"/>
+          <a:chOff x="0" y="0"/>
+          <a:chExt cx="0" cy="0"/>
+        </a:xfrm>
+      </p:grpSpPr>
+      <p:sp>
+        <p:nvSpPr>
+          <p:cNvPr id="2" name="Titre 1">
+            <a:extLst>
+              <a:ext uri="{FF2B5EF4-FFF2-40B4-BE49-F238E27FC236}">
+                <a16:creationId xmlns:a16="http://schemas.microsoft.com/office/drawing/2014/main" id="{6F26EF00-FD39-8A37-6278-1160E423A76C}"/>
+              </a:ext>
+            </a:extLst>
+          </p:cNvPr>
+          <p:cNvSpPr>
+            <a:spLocks noGrp="1"/>
+          </p:cNvSpPr>
+          <p:nvPr>
+            <p:ph type="title"/>
+          </p:nvPr>
+        </p:nvSpPr>
+        <p:spPr/>
+        <p:txBody>
+          <a:bodyPr/>
+          <a:lstStyle/>
+          <a:p>
+            <a:r>
+              <a:rPr lang="fr-FR" dirty="0" err="1"/>
+              <a:t>Layout</a:t>
+            </a:r>
+            <a:r>
+              <a:rPr lang="fr-FR" dirty="0"/>
+              <a:t> : Global</a:t>
+            </a:r>
+          </a:p>
+        </p:txBody>
+      </p:sp>
+      <p:sp>
+        <p:nvSpPr>
+          <p:cNvPr id="3" name="Espace réservé du pied de page 2">
+            <a:extLst>
+              <a:ext uri="{FF2B5EF4-FFF2-40B4-BE49-F238E27FC236}">
+                <a16:creationId xmlns:a16="http://schemas.microsoft.com/office/drawing/2014/main" id="{A4FB1775-50A6-E24B-0A22-583C67C840DE}"/>
+              </a:ext>
+            </a:extLst>
+          </p:cNvPr>
+          <p:cNvSpPr>
+            <a:spLocks noGrp="1"/>
+          </p:cNvSpPr>
+          <p:nvPr>
+            <p:ph type="ftr" sz="quarter" idx="11"/>
+          </p:nvPr>
+        </p:nvSpPr>
+        <p:spPr/>
+        <p:txBody>
+          <a:bodyPr/>
+          <a:lstStyle/>
+          <a:p>
+            <a:r>
+              <a:rPr lang="fr-FR" dirty="0"/>
+              <a:t>BALLANZA CANTE : Left4Dead2 </a:t>
+            </a:r>
+            <a:r>
+              <a:rPr lang="fr-FR" dirty="0" err="1"/>
+              <a:t>Blockout</a:t>
+            </a:r>
+            <a:endParaRPr lang="fr-FR" dirty="0"/>
+          </a:p>
+        </p:txBody>
+      </p:sp>
+      <p:sp>
+        <p:nvSpPr>
+          <p:cNvPr id="4" name="Espace réservé du numéro de diapositive 3">
+            <a:extLst>
+              <a:ext uri="{FF2B5EF4-FFF2-40B4-BE49-F238E27FC236}">
+                <a16:creationId xmlns:a16="http://schemas.microsoft.com/office/drawing/2014/main" id="{B8D0816C-06DB-1E80-765F-58BE7D614FA2}"/>
+              </a:ext>
+            </a:extLst>
+          </p:cNvPr>
+          <p:cNvSpPr>
+            <a:spLocks noGrp="1"/>
+          </p:cNvSpPr>
+          <p:nvPr>
+            <p:ph type="sldNum" sz="quarter" idx="12"/>
+          </p:nvPr>
+        </p:nvSpPr>
+        <p:spPr/>
+        <p:txBody>
+          <a:bodyPr/>
+          <a:lstStyle/>
+          <a:p>
+            <a:fld id="{0F8D06F7-CC5E-4A93-BD41-B1F89298AFFC}" type="slidenum">
+              <a:rPr lang="fr-FR" smtClean="0"/>
+              <a:t>3</a:t>
+            </a:fld>
+            <a:endParaRPr lang="fr-FR"/>
+          </a:p>
+        </p:txBody>
+      </p:sp>
+      <p:pic>
+        <p:nvPicPr>
+          <p:cNvPr id="5" name="Image 4" descr="Une image contenant Police, texte, Graphique, logo&#10;&#10;Le contenu généré par l’IA peut être incorrect.">
+            <a:extLst>
+              <a:ext uri="{FF2B5EF4-FFF2-40B4-BE49-F238E27FC236}">
+                <a16:creationId xmlns:a16="http://schemas.microsoft.com/office/drawing/2014/main" id="{62ED126B-69F3-C038-02CF-B468E5466EF0}"/>
+              </a:ext>
+            </a:extLst>
+          </p:cNvPr>
+          <p:cNvPicPr>
+            <a:picLocks noChangeAspect="1"/>
+          </p:cNvPicPr>
+          <p:nvPr/>
+        </p:nvPicPr>
+        <p:blipFill>
+          <a:blip r:embed="rId2">
+            <a:extLst>
+              <a:ext uri="{28A0092B-C50C-407E-A947-70E740481C1C}">
+                <a14:useLocalDpi xmlns:a14="http://schemas.microsoft.com/office/drawing/2010/main" val="0"/>
+              </a:ext>
+            </a:extLst>
+          </a:blip>
+          <a:stretch>
+            <a:fillRect/>
+          </a:stretch>
+        </p:blipFill>
+        <p:spPr>
+          <a:xfrm>
+            <a:off x="142925" y="6492875"/>
+            <a:ext cx="762331" cy="258322"/>
+          </a:xfrm>
+          <a:prstGeom prst="rect">
+            <a:avLst/>
+          </a:prstGeom>
+        </p:spPr>
+      </p:pic>
+      <p:pic>
+        <p:nvPicPr>
+          <p:cNvPr id="29" name="Image 28" descr="Une image contenant Graphique, capture d’écran, clipart, graphisme&#10;&#10;Le contenu généré par l’IA peut être incorrect.">
+            <a:extLst>
+              <a:ext uri="{FF2B5EF4-FFF2-40B4-BE49-F238E27FC236}">
+                <a16:creationId xmlns:a16="http://schemas.microsoft.com/office/drawing/2014/main" id="{86767A9D-1BB3-9186-35BE-1BBF227CD2AE}"/>
+              </a:ext>
+            </a:extLst>
+          </p:cNvPr>
+          <p:cNvPicPr>
+            <a:picLocks noChangeAspect="1"/>
+          </p:cNvPicPr>
+          <p:nvPr/>
+        </p:nvPicPr>
+        <p:blipFill>
+          <a:blip r:embed="rId3">
+            <a:extLst>
+              <a:ext uri="{28A0092B-C50C-407E-A947-70E740481C1C}">
+                <a14:useLocalDpi xmlns:a14="http://schemas.microsoft.com/office/drawing/2010/main" val="0"/>
+              </a:ext>
+            </a:extLst>
+          </a:blip>
+          <a:stretch>
+            <a:fillRect/>
+          </a:stretch>
+        </p:blipFill>
+        <p:spPr>
+          <a:xfrm>
+            <a:off x="666735" y="1542008"/>
+            <a:ext cx="5336364" cy="3773983"/>
+          </a:xfrm>
+          <a:prstGeom prst="rect">
+            <a:avLst/>
+          </a:prstGeom>
+        </p:spPr>
+      </p:pic>
+      <p:pic>
+        <p:nvPicPr>
+          <p:cNvPr id="31" name="Image 30" descr="Une image contenant diagramme, capture d’écran, conception&#10;&#10;Le contenu généré par l’IA peut être incorrect.">
+            <a:extLst>
+              <a:ext uri="{FF2B5EF4-FFF2-40B4-BE49-F238E27FC236}">
+                <a16:creationId xmlns:a16="http://schemas.microsoft.com/office/drawing/2014/main" id="{5E773F79-B3C3-60ED-34AF-A99CE2C0D9C5}"/>
+              </a:ext>
+            </a:extLst>
+          </p:cNvPr>
+          <p:cNvPicPr>
+            <a:picLocks noChangeAspect="1"/>
+          </p:cNvPicPr>
+          <p:nvPr/>
+        </p:nvPicPr>
+        <p:blipFill>
+          <a:blip r:embed="rId4">
+            <a:extLst>
+              <a:ext uri="{28A0092B-C50C-407E-A947-70E740481C1C}">
+                <a14:useLocalDpi xmlns:a14="http://schemas.microsoft.com/office/drawing/2010/main" val="0"/>
+              </a:ext>
+            </a:extLst>
+          </a:blip>
+          <a:stretch>
+            <a:fillRect/>
+          </a:stretch>
+        </p:blipFill>
+        <p:spPr>
+          <a:xfrm>
+            <a:off x="6188902" y="1783430"/>
+            <a:ext cx="3928996" cy="1250135"/>
+          </a:xfrm>
+          <a:prstGeom prst="rect">
+            <a:avLst/>
+          </a:prstGeom>
+        </p:spPr>
+      </p:pic>
+      <p:pic>
+        <p:nvPicPr>
+          <p:cNvPr id="33" name="Image 32" descr="Une image contenant capture d’écran, conception&#10;&#10;Le contenu généré par l’IA peut être incorrect.">
+            <a:extLst>
+              <a:ext uri="{FF2B5EF4-FFF2-40B4-BE49-F238E27FC236}">
+                <a16:creationId xmlns:a16="http://schemas.microsoft.com/office/drawing/2014/main" id="{1F1B56FA-57D9-230D-0B1F-7C46ADB8C3F0}"/>
+              </a:ext>
+            </a:extLst>
+          </p:cNvPr>
+          <p:cNvPicPr>
+            <a:picLocks noChangeAspect="1"/>
+          </p:cNvPicPr>
+          <p:nvPr/>
+        </p:nvPicPr>
+        <p:blipFill>
+          <a:blip r:embed="rId5">
+            <a:extLst>
+              <a:ext uri="{28A0092B-C50C-407E-A947-70E740481C1C}">
+                <a14:useLocalDpi xmlns:a14="http://schemas.microsoft.com/office/drawing/2010/main" val="0"/>
+              </a:ext>
+            </a:extLst>
+          </a:blip>
+          <a:stretch>
+            <a:fillRect/>
+          </a:stretch>
+        </p:blipFill>
+        <p:spPr>
+          <a:xfrm>
+            <a:off x="5537056" y="3657600"/>
+            <a:ext cx="4580842" cy="2698615"/>
+          </a:xfrm>
+          <a:prstGeom prst="rect">
+            <a:avLst/>
+          </a:prstGeom>
+        </p:spPr>
+      </p:pic>
+      <p:sp>
+        <p:nvSpPr>
+          <p:cNvPr id="34" name="ZoneTexte 33">
+            <a:extLst>
+              <a:ext uri="{FF2B5EF4-FFF2-40B4-BE49-F238E27FC236}">
+                <a16:creationId xmlns:a16="http://schemas.microsoft.com/office/drawing/2014/main" id="{35D92485-1BCE-DFC7-60BE-B5290736431A}"/>
+              </a:ext>
+            </a:extLst>
+          </p:cNvPr>
+          <p:cNvSpPr txBox="1"/>
+          <p:nvPr/>
+        </p:nvSpPr>
+        <p:spPr>
+          <a:xfrm>
+            <a:off x="3693795" y="2269997"/>
+            <a:ext cx="962025" cy="276999"/>
+          </a:xfrm>
+          <a:prstGeom prst="rect">
+            <a:avLst/>
+          </a:prstGeom>
+          <a:noFill/>
+        </p:spPr>
+        <p:txBody>
+          <a:bodyPr wrap="square" rtlCol="0">
+            <a:spAutoFit/>
+          </a:bodyPr>
+          <a:lstStyle/>
+          <a:p>
+            <a:r>
+              <a:rPr lang="fr-FR" sz="1200" dirty="0">
+                <a:solidFill>
+                  <a:schemeClr val="bg1"/>
+                </a:solidFill>
+                <a:latin typeface="Stubble bold" panose="02000806030000020004" pitchFamily="2" charset="0"/>
+              </a:rPr>
+              <a:t>Hall</a:t>
+            </a:r>
+          </a:p>
+        </p:txBody>
+      </p:sp>
+      <p:sp>
+        <p:nvSpPr>
+          <p:cNvPr id="35" name="ZoneTexte 34">
+            <a:extLst>
+              <a:ext uri="{FF2B5EF4-FFF2-40B4-BE49-F238E27FC236}">
+                <a16:creationId xmlns:a16="http://schemas.microsoft.com/office/drawing/2014/main" id="{0AFD8D1A-A64E-7DA3-3E61-8FF79677B655}"/>
+              </a:ext>
+            </a:extLst>
+          </p:cNvPr>
+          <p:cNvSpPr txBox="1"/>
+          <p:nvPr/>
+        </p:nvSpPr>
+        <p:spPr>
+          <a:xfrm>
+            <a:off x="3693795" y="1931018"/>
+            <a:ext cx="962025" cy="276999"/>
+          </a:xfrm>
+          <a:prstGeom prst="rect">
+            <a:avLst/>
+          </a:prstGeom>
+          <a:noFill/>
+        </p:spPr>
+        <p:txBody>
+          <a:bodyPr wrap="square" rtlCol="0">
+            <a:spAutoFit/>
+          </a:bodyPr>
+          <a:lstStyle/>
+          <a:p>
+            <a:r>
+              <a:rPr lang="fr-FR" sz="1200" dirty="0">
+                <a:solidFill>
+                  <a:schemeClr val="bg1"/>
+                </a:solidFill>
+                <a:latin typeface="Stubble bold" panose="02000806030000020004" pitchFamily="2" charset="0"/>
+              </a:rPr>
+              <a:t>Shop</a:t>
+            </a:r>
+          </a:p>
+        </p:txBody>
+      </p:sp>
+      <p:sp>
+        <p:nvSpPr>
+          <p:cNvPr id="36" name="ZoneTexte 35">
+            <a:extLst>
+              <a:ext uri="{FF2B5EF4-FFF2-40B4-BE49-F238E27FC236}">
+                <a16:creationId xmlns:a16="http://schemas.microsoft.com/office/drawing/2014/main" id="{019852EC-78FF-D7F5-76D1-D97DE7F972F8}"/>
+              </a:ext>
+            </a:extLst>
+          </p:cNvPr>
+          <p:cNvSpPr txBox="1"/>
+          <p:nvPr/>
+        </p:nvSpPr>
+        <p:spPr>
+          <a:xfrm>
+            <a:off x="3557587" y="3875742"/>
+            <a:ext cx="962025" cy="276999"/>
+          </a:xfrm>
+          <a:prstGeom prst="rect">
+            <a:avLst/>
+          </a:prstGeom>
+          <a:noFill/>
+        </p:spPr>
+        <p:txBody>
+          <a:bodyPr wrap="square" rtlCol="0">
+            <a:spAutoFit/>
+          </a:bodyPr>
+          <a:lstStyle/>
+          <a:p>
+            <a:r>
+              <a:rPr lang="fr-FR" sz="1200" dirty="0">
+                <a:solidFill>
+                  <a:schemeClr val="bg1"/>
+                </a:solidFill>
+                <a:latin typeface="Stubble bold" panose="02000806030000020004" pitchFamily="2" charset="0"/>
+              </a:rPr>
+              <a:t>Parking</a:t>
+            </a:r>
+          </a:p>
+        </p:txBody>
+      </p:sp>
+      <p:sp>
+        <p:nvSpPr>
+          <p:cNvPr id="37" name="ZoneTexte 36">
+            <a:extLst>
+              <a:ext uri="{FF2B5EF4-FFF2-40B4-BE49-F238E27FC236}">
+                <a16:creationId xmlns:a16="http://schemas.microsoft.com/office/drawing/2014/main" id="{65656947-DC0D-FA18-394A-F1F7495E3884}"/>
+              </a:ext>
+            </a:extLst>
+          </p:cNvPr>
+          <p:cNvSpPr txBox="1"/>
+          <p:nvPr/>
+        </p:nvSpPr>
+        <p:spPr>
+          <a:xfrm>
+            <a:off x="1028699" y="1839634"/>
+            <a:ext cx="962025" cy="276999"/>
+          </a:xfrm>
+          <a:prstGeom prst="rect">
+            <a:avLst/>
+          </a:prstGeom>
+          <a:noFill/>
+        </p:spPr>
+        <p:txBody>
+          <a:bodyPr wrap="square" rtlCol="0">
+            <a:spAutoFit/>
+          </a:bodyPr>
+          <a:lstStyle/>
+          <a:p>
+            <a:r>
+              <a:rPr lang="fr-FR" sz="1200" dirty="0">
+                <a:solidFill>
+                  <a:schemeClr val="bg1"/>
+                </a:solidFill>
+                <a:latin typeface="Stubble bold" panose="02000806030000020004" pitchFamily="2" charset="0"/>
+              </a:rPr>
+              <a:t>Office</a:t>
+            </a:r>
+          </a:p>
+        </p:txBody>
+      </p:sp>
+      <p:sp>
+        <p:nvSpPr>
+          <p:cNvPr id="38" name="ZoneTexte 37">
+            <a:extLst>
+              <a:ext uri="{FF2B5EF4-FFF2-40B4-BE49-F238E27FC236}">
+                <a16:creationId xmlns:a16="http://schemas.microsoft.com/office/drawing/2014/main" id="{B8FBE061-18F6-3255-8592-0748DCFB6987}"/>
+              </a:ext>
+            </a:extLst>
+          </p:cNvPr>
+          <p:cNvSpPr txBox="1"/>
+          <p:nvPr/>
+        </p:nvSpPr>
+        <p:spPr>
+          <a:xfrm>
+            <a:off x="7827477" y="1824225"/>
+            <a:ext cx="962025" cy="276999"/>
+          </a:xfrm>
+          <a:prstGeom prst="rect">
+            <a:avLst/>
+          </a:prstGeom>
+          <a:noFill/>
+        </p:spPr>
+        <p:txBody>
+          <a:bodyPr wrap="square" rtlCol="0">
+            <a:spAutoFit/>
+          </a:bodyPr>
+          <a:lstStyle/>
+          <a:p>
+            <a:r>
+              <a:rPr lang="fr-FR" sz="1200" dirty="0">
+                <a:solidFill>
+                  <a:schemeClr val="bg1"/>
+                </a:solidFill>
+                <a:latin typeface="Stubble bold" panose="02000806030000020004" pitchFamily="2" charset="0"/>
+              </a:rPr>
+              <a:t>Dock</a:t>
+            </a:r>
+          </a:p>
+        </p:txBody>
+      </p:sp>
+      <p:sp>
+        <p:nvSpPr>
+          <p:cNvPr id="39" name="ZoneTexte 38">
+            <a:extLst>
+              <a:ext uri="{FF2B5EF4-FFF2-40B4-BE49-F238E27FC236}">
+                <a16:creationId xmlns:a16="http://schemas.microsoft.com/office/drawing/2014/main" id="{DCE1CD50-F541-8F05-D4EC-FAC4343275E1}"/>
+              </a:ext>
+            </a:extLst>
+          </p:cNvPr>
+          <p:cNvSpPr txBox="1"/>
+          <p:nvPr/>
+        </p:nvSpPr>
+        <p:spPr>
+          <a:xfrm>
+            <a:off x="7827476" y="4544396"/>
+            <a:ext cx="962025" cy="276999"/>
+          </a:xfrm>
+          <a:prstGeom prst="rect">
+            <a:avLst/>
+          </a:prstGeom>
+          <a:noFill/>
+        </p:spPr>
+        <p:txBody>
+          <a:bodyPr wrap="square" rtlCol="0">
+            <a:spAutoFit/>
+          </a:bodyPr>
+          <a:lstStyle/>
+          <a:p>
+            <a:r>
+              <a:rPr lang="fr-FR" sz="1200" dirty="0">
+                <a:solidFill>
+                  <a:schemeClr val="bg1"/>
+                </a:solidFill>
+                <a:latin typeface="Stubble bold" panose="02000806030000020004" pitchFamily="2" charset="0"/>
+              </a:rPr>
+              <a:t>Dock</a:t>
+            </a:r>
+          </a:p>
+        </p:txBody>
+      </p:sp>
+      <p:sp>
+        <p:nvSpPr>
+          <p:cNvPr id="40" name="Rectangle 39">
+            <a:extLst>
+              <a:ext uri="{FF2B5EF4-FFF2-40B4-BE49-F238E27FC236}">
+                <a16:creationId xmlns:a16="http://schemas.microsoft.com/office/drawing/2014/main" id="{C2D2C946-450D-4035-27DB-BBE0CAE70880}"/>
+              </a:ext>
+            </a:extLst>
+          </p:cNvPr>
+          <p:cNvSpPr/>
+          <p:nvPr/>
+        </p:nvSpPr>
+        <p:spPr>
+          <a:xfrm>
+            <a:off x="1846558" y="1839633"/>
+            <a:ext cx="45719" cy="508279"/>
+          </a:xfrm>
+          <a:prstGeom prst="rect">
+            <a:avLst/>
+          </a:prstGeom>
+          <a:solidFill>
+            <a:schemeClr val="bg1"/>
+          </a:solidFill>
+          <a:ln>
+            <a:noFill/>
+          </a:ln>
+        </p:spPr>
+        <p:style>
+          <a:lnRef idx="2">
+            <a:schemeClr val="accent1">
+              <a:shade val="15000"/>
+            </a:schemeClr>
+          </a:lnRef>
+          <a:fillRef idx="1">
+            <a:schemeClr val="accent1"/>
+          </a:fillRef>
+          <a:effectRef idx="0">
+            <a:schemeClr val="accent1"/>
+          </a:effectRef>
+          <a:fontRef idx="minor">
+            <a:schemeClr val="lt1"/>
+          </a:fontRef>
+        </p:style>
+        <p:txBody>
+          <a:bodyPr rtlCol="0" anchor="ctr"/>
+          <a:lstStyle/>
+          <a:p>
+            <a:pPr algn="ctr"/>
+            <a:endParaRPr lang="fr-FR"/>
+          </a:p>
+        </p:txBody>
+      </p:sp>
+    </p:spTree>
+    <p:extLst>
+      <p:ext uri="{BB962C8B-B14F-4D97-AF65-F5344CB8AC3E}">
+        <p14:creationId xmlns:p14="http://schemas.microsoft.com/office/powerpoint/2010/main" val="1726784804"/>
+      </p:ext>
+    </p:extLst>
+  </p:cSld>
+  <p:clrMapOvr>
+    <a:masterClrMapping/>
+  </p:clrMapOvr>
+</p:sld>
+</file>
+
+<file path=ppt/slides/slide4.xml><?xml version="1.0" encoding="utf-8"?>
+<p:sld xmlns:a="http://schemas.openxmlformats.org/drawingml/2006/main" xmlns:r="http://schemas.openxmlformats.org/officeDocument/2006/relationships" xmlns:p="http://schemas.openxmlformats.org/presentationml/2006/main">
+  <p:cSld>
+    <p:spTree>
+      <p:nvGrpSpPr>
+        <p:cNvPr id="1" name="">
+          <a:extLst>
+            <a:ext uri="{FF2B5EF4-FFF2-40B4-BE49-F238E27FC236}">
+              <a16:creationId xmlns:a16="http://schemas.microsoft.com/office/drawing/2014/main" id="{CAE87D4C-C4E2-BE96-7347-328E0D879CB7}"/>
+            </a:ext>
+          </a:extLst>
+        </p:cNvPr>
+        <p:cNvGrpSpPr/>
+        <p:nvPr/>
+      </p:nvGrpSpPr>
+      <p:grpSpPr>
+        <a:xfrm>
+          <a:off x="0" y="0"/>
+          <a:ext cx="0" cy="0"/>
+          <a:chOff x="0" y="0"/>
+          <a:chExt cx="0" cy="0"/>
+        </a:xfrm>
+      </p:grpSpPr>
+      <p:sp>
+        <p:nvSpPr>
+          <p:cNvPr id="2" name="Titre 1">
+            <a:extLst>
+              <a:ext uri="{FF2B5EF4-FFF2-40B4-BE49-F238E27FC236}">
+                <a16:creationId xmlns:a16="http://schemas.microsoft.com/office/drawing/2014/main" id="{986FB215-56E4-2FDB-23C5-115EA2CE843E}"/>
+              </a:ext>
+            </a:extLst>
+          </p:cNvPr>
+          <p:cNvSpPr>
+            <a:spLocks noGrp="1"/>
+          </p:cNvSpPr>
+          <p:nvPr>
+            <p:ph type="title"/>
+          </p:nvPr>
+        </p:nvSpPr>
+        <p:spPr/>
+        <p:txBody>
+          <a:bodyPr/>
+          <a:lstStyle/>
+          <a:p>
+            <a:r>
+              <a:rPr lang="fr-FR" dirty="0" err="1"/>
+              <a:t>Layout</a:t>
+            </a:r>
+            <a:r>
+              <a:rPr lang="fr-FR" dirty="0"/>
+              <a:t> : Ground </a:t>
+            </a:r>
+            <a:r>
+              <a:rPr lang="fr-FR" dirty="0" err="1"/>
+              <a:t>Floor</a:t>
+            </a:r>
+            <a:endParaRPr lang="fr-FR" dirty="0"/>
+          </a:p>
+        </p:txBody>
+      </p:sp>
+      <p:sp>
+        <p:nvSpPr>
+          <p:cNvPr id="3" name="Espace réservé du pied de page 2">
+            <a:extLst>
+              <a:ext uri="{FF2B5EF4-FFF2-40B4-BE49-F238E27FC236}">
+                <a16:creationId xmlns:a16="http://schemas.microsoft.com/office/drawing/2014/main" id="{A1A9CDAB-C88E-763D-9788-D445FC92E67C}"/>
+              </a:ext>
+            </a:extLst>
+          </p:cNvPr>
+          <p:cNvSpPr>
+            <a:spLocks noGrp="1"/>
+          </p:cNvSpPr>
+          <p:nvPr>
+            <p:ph type="ftr" sz="quarter" idx="11"/>
+          </p:nvPr>
+        </p:nvSpPr>
+        <p:spPr/>
+        <p:txBody>
+          <a:bodyPr/>
+          <a:lstStyle/>
+          <a:p>
+            <a:r>
+              <a:rPr lang="fr-FR" dirty="0"/>
+              <a:t>BALLANZA CANTE : Left4Dead2 </a:t>
+            </a:r>
+            <a:r>
+              <a:rPr lang="fr-FR" dirty="0" err="1"/>
+              <a:t>Blockout</a:t>
+            </a:r>
+            <a:endParaRPr lang="fr-FR" dirty="0"/>
+          </a:p>
+        </p:txBody>
+      </p:sp>
+      <p:sp>
+        <p:nvSpPr>
+          <p:cNvPr id="4" name="Espace réservé du numéro de diapositive 3">
+            <a:extLst>
+              <a:ext uri="{FF2B5EF4-FFF2-40B4-BE49-F238E27FC236}">
+                <a16:creationId xmlns:a16="http://schemas.microsoft.com/office/drawing/2014/main" id="{7F5DF9B0-D881-FA64-D343-9C95AAAD85F6}"/>
+              </a:ext>
+            </a:extLst>
+          </p:cNvPr>
+          <p:cNvSpPr>
+            <a:spLocks noGrp="1"/>
+          </p:cNvSpPr>
+          <p:nvPr>
+            <p:ph type="sldNum" sz="quarter" idx="12"/>
+          </p:nvPr>
+        </p:nvSpPr>
+        <p:spPr/>
+        <p:txBody>
+          <a:bodyPr/>
+          <a:lstStyle/>
+          <a:p>
+            <a:fld id="{0F8D06F7-CC5E-4A93-BD41-B1F89298AFFC}" type="slidenum">
+              <a:rPr lang="fr-FR" smtClean="0"/>
+              <a:t>4</a:t>
+            </a:fld>
+            <a:endParaRPr lang="fr-FR"/>
+          </a:p>
+        </p:txBody>
+      </p:sp>
+      <p:pic>
+        <p:nvPicPr>
+          <p:cNvPr id="5" name="Image 4" descr="Une image contenant Police, texte, Graphique, logo&#10;&#10;Le contenu généré par l’IA peut être incorrect.">
+            <a:extLst>
+              <a:ext uri="{FF2B5EF4-FFF2-40B4-BE49-F238E27FC236}">
+                <a16:creationId xmlns:a16="http://schemas.microsoft.com/office/drawing/2014/main" id="{63242E97-014B-B574-63AB-88222CA006DB}"/>
+              </a:ext>
+            </a:extLst>
+          </p:cNvPr>
+          <p:cNvPicPr>
+            <a:picLocks noChangeAspect="1"/>
+          </p:cNvPicPr>
+          <p:nvPr/>
+        </p:nvPicPr>
+        <p:blipFill>
+          <a:blip r:embed="rId2">
+            <a:extLst>
+              <a:ext uri="{28A0092B-C50C-407E-A947-70E740481C1C}">
+                <a14:useLocalDpi xmlns:a14="http://schemas.microsoft.com/office/drawing/2010/main" val="0"/>
+              </a:ext>
+            </a:extLst>
+          </a:blip>
+          <a:stretch>
+            <a:fillRect/>
+          </a:stretch>
+        </p:blipFill>
+        <p:spPr>
+          <a:xfrm>
+            <a:off x="142925" y="6492875"/>
+            <a:ext cx="762331" cy="258322"/>
+          </a:xfrm>
+          <a:prstGeom prst="rect">
+            <a:avLst/>
+          </a:prstGeom>
+        </p:spPr>
+      </p:pic>
+      <p:pic>
+        <p:nvPicPr>
+          <p:cNvPr id="13" name="Image 12" descr="Une image contenant Graphique, capture d’écran, clipart, graphisme&#10;&#10;Le contenu généré par l’IA peut être incorrect.">
+            <a:extLst>
+              <a:ext uri="{FF2B5EF4-FFF2-40B4-BE49-F238E27FC236}">
+                <a16:creationId xmlns:a16="http://schemas.microsoft.com/office/drawing/2014/main" id="{4022C62C-5E30-82D8-4829-BD94EAD98FD0}"/>
+              </a:ext>
+            </a:extLst>
+          </p:cNvPr>
+          <p:cNvPicPr>
+            <a:picLocks noChangeAspect="1"/>
+          </p:cNvPicPr>
+          <p:nvPr/>
+        </p:nvPicPr>
+        <p:blipFill>
+          <a:blip r:embed="rId3">
+            <a:extLst>
+              <a:ext uri="{28A0092B-C50C-407E-A947-70E740481C1C}">
+                <a14:useLocalDpi xmlns:a14="http://schemas.microsoft.com/office/drawing/2010/main" val="0"/>
+              </a:ext>
+            </a:extLst>
+          </a:blip>
+          <a:stretch>
+            <a:fillRect/>
+          </a:stretch>
+        </p:blipFill>
+        <p:spPr>
+          <a:xfrm>
+            <a:off x="3484764" y="1333247"/>
+            <a:ext cx="6727422" cy="4757767"/>
+          </a:xfrm>
+          <a:prstGeom prst="rect">
+            <a:avLst/>
+          </a:prstGeom>
+        </p:spPr>
+      </p:pic>
+      <p:pic>
+        <p:nvPicPr>
+          <p:cNvPr id="16" name="Image 15" descr="Une image contenant capture d’écran&#10;&#10;Le contenu généré par l’IA peut être incorrect.">
+            <a:extLst>
+              <a:ext uri="{FF2B5EF4-FFF2-40B4-BE49-F238E27FC236}">
+                <a16:creationId xmlns:a16="http://schemas.microsoft.com/office/drawing/2014/main" id="{575D6F4D-2B16-349E-2494-E55F3C20E8A5}"/>
+              </a:ext>
+            </a:extLst>
+          </p:cNvPr>
+          <p:cNvPicPr>
+            <a:picLocks noChangeAspect="1"/>
+          </p:cNvPicPr>
+          <p:nvPr/>
+        </p:nvPicPr>
+        <p:blipFill>
+          <a:blip r:embed="rId4">
+            <a:extLst>
+              <a:ext uri="{28A0092B-C50C-407E-A947-70E740481C1C}">
+                <a14:useLocalDpi xmlns:a14="http://schemas.microsoft.com/office/drawing/2010/main" val="0"/>
+              </a:ext>
+            </a:extLst>
+          </a:blip>
+          <a:stretch>
+            <a:fillRect/>
+          </a:stretch>
+        </p:blipFill>
+        <p:spPr>
+          <a:xfrm>
+            <a:off x="664350" y="3712131"/>
+            <a:ext cx="1402239" cy="2207657"/>
+          </a:xfrm>
+          <a:prstGeom prst="rect">
+            <a:avLst/>
+          </a:prstGeom>
+        </p:spPr>
+      </p:pic>
+      <p:sp>
+        <p:nvSpPr>
+          <p:cNvPr id="17" name="ZoneTexte 16">
+            <a:extLst>
+              <a:ext uri="{FF2B5EF4-FFF2-40B4-BE49-F238E27FC236}">
+                <a16:creationId xmlns:a16="http://schemas.microsoft.com/office/drawing/2014/main" id="{864F99ED-B911-4033-2F42-AD54B40CC688}"/>
+              </a:ext>
+            </a:extLst>
+          </p:cNvPr>
+          <p:cNvSpPr txBox="1"/>
+          <p:nvPr/>
+        </p:nvSpPr>
+        <p:spPr>
+          <a:xfrm>
+            <a:off x="7191375" y="4250374"/>
+            <a:ext cx="962025" cy="369332"/>
+          </a:xfrm>
+          <a:prstGeom prst="rect">
+            <a:avLst/>
+          </a:prstGeom>
+          <a:noFill/>
+        </p:spPr>
+        <p:txBody>
+          <a:bodyPr wrap="square" rtlCol="0">
+            <a:spAutoFit/>
+          </a:bodyPr>
+          <a:lstStyle/>
+          <a:p>
+            <a:r>
+              <a:rPr lang="fr-FR" dirty="0">
+                <a:solidFill>
+                  <a:schemeClr val="bg1"/>
+                </a:solidFill>
+                <a:latin typeface="Stubble bold" panose="02000806030000020004" pitchFamily="2" charset="0"/>
+              </a:rPr>
+              <a:t>Parking</a:t>
+            </a:r>
+          </a:p>
+        </p:txBody>
+      </p:sp>
+      <p:sp>
+        <p:nvSpPr>
+          <p:cNvPr id="18" name="ZoneTexte 17">
+            <a:extLst>
+              <a:ext uri="{FF2B5EF4-FFF2-40B4-BE49-F238E27FC236}">
+                <a16:creationId xmlns:a16="http://schemas.microsoft.com/office/drawing/2014/main" id="{8710CF72-48E2-45CF-FFB1-4315AFA2B9B4}"/>
+              </a:ext>
+            </a:extLst>
+          </p:cNvPr>
+          <p:cNvSpPr txBox="1"/>
+          <p:nvPr/>
+        </p:nvSpPr>
+        <p:spPr>
+          <a:xfrm>
+            <a:off x="4014788" y="1733659"/>
+            <a:ext cx="962025" cy="276999"/>
+          </a:xfrm>
+          <a:prstGeom prst="rect">
+            <a:avLst/>
+          </a:prstGeom>
+          <a:noFill/>
+        </p:spPr>
+        <p:txBody>
+          <a:bodyPr wrap="square" rtlCol="0">
+            <a:spAutoFit/>
+          </a:bodyPr>
+          <a:lstStyle/>
+          <a:p>
+            <a:r>
+              <a:rPr lang="fr-FR" sz="1200" dirty="0">
+                <a:solidFill>
+                  <a:schemeClr val="bg1"/>
+                </a:solidFill>
+                <a:latin typeface="Stubble bold" panose="02000806030000020004" pitchFamily="2" charset="0"/>
+              </a:rPr>
+              <a:t>Office</a:t>
+            </a:r>
+          </a:p>
+        </p:txBody>
+      </p:sp>
+      <p:sp>
+        <p:nvSpPr>
+          <p:cNvPr id="19" name="ZoneTexte 18">
+            <a:extLst>
+              <a:ext uri="{FF2B5EF4-FFF2-40B4-BE49-F238E27FC236}">
+                <a16:creationId xmlns:a16="http://schemas.microsoft.com/office/drawing/2014/main" id="{513371C8-8C6C-8E1F-C31C-AFC82C5D4E33}"/>
+              </a:ext>
+            </a:extLst>
+          </p:cNvPr>
+          <p:cNvSpPr txBox="1"/>
+          <p:nvPr/>
+        </p:nvSpPr>
+        <p:spPr>
+          <a:xfrm>
+            <a:off x="7191375" y="2272589"/>
+            <a:ext cx="962025" cy="276999"/>
+          </a:xfrm>
+          <a:prstGeom prst="rect">
+            <a:avLst/>
+          </a:prstGeom>
+          <a:noFill/>
+        </p:spPr>
+        <p:txBody>
+          <a:bodyPr wrap="square" rtlCol="0">
+            <a:spAutoFit/>
+          </a:bodyPr>
+          <a:lstStyle/>
+          <a:p>
+            <a:r>
+              <a:rPr lang="fr-FR" sz="1200" dirty="0">
+                <a:solidFill>
+                  <a:schemeClr val="bg1"/>
+                </a:solidFill>
+                <a:latin typeface="Stubble bold" panose="02000806030000020004" pitchFamily="2" charset="0"/>
+              </a:rPr>
+              <a:t>Hall</a:t>
+            </a:r>
+          </a:p>
+        </p:txBody>
+      </p:sp>
+      <p:sp>
+        <p:nvSpPr>
+          <p:cNvPr id="20" name="ZoneTexte 19">
+            <a:extLst>
+              <a:ext uri="{FF2B5EF4-FFF2-40B4-BE49-F238E27FC236}">
+                <a16:creationId xmlns:a16="http://schemas.microsoft.com/office/drawing/2014/main" id="{00588500-5FC8-D96E-B052-35CD99194E97}"/>
+              </a:ext>
+            </a:extLst>
+          </p:cNvPr>
+          <p:cNvSpPr txBox="1"/>
+          <p:nvPr/>
+        </p:nvSpPr>
+        <p:spPr>
+          <a:xfrm>
+            <a:off x="7377874" y="1861814"/>
+            <a:ext cx="962025" cy="276999"/>
+          </a:xfrm>
+          <a:prstGeom prst="rect">
+            <a:avLst/>
+          </a:prstGeom>
+          <a:noFill/>
+        </p:spPr>
+        <p:txBody>
+          <a:bodyPr wrap="square" rtlCol="0">
+            <a:spAutoFit/>
+          </a:bodyPr>
+          <a:lstStyle/>
+          <a:p>
+            <a:r>
+              <a:rPr lang="fr-FR" sz="1200" dirty="0">
+                <a:solidFill>
+                  <a:schemeClr val="bg1"/>
+                </a:solidFill>
+                <a:latin typeface="Stubble bold" panose="02000806030000020004" pitchFamily="2" charset="0"/>
+              </a:rPr>
+              <a:t>Shop</a:t>
+            </a:r>
+          </a:p>
+        </p:txBody>
+      </p:sp>
+      <p:sp>
+        <p:nvSpPr>
+          <p:cNvPr id="21" name="ZoneTexte 20">
+            <a:extLst>
+              <a:ext uri="{FF2B5EF4-FFF2-40B4-BE49-F238E27FC236}">
+                <a16:creationId xmlns:a16="http://schemas.microsoft.com/office/drawing/2014/main" id="{AB446DE0-F61F-9561-4609-81B3FF11C74B}"/>
+              </a:ext>
+            </a:extLst>
+          </p:cNvPr>
+          <p:cNvSpPr txBox="1"/>
+          <p:nvPr/>
+        </p:nvSpPr>
+        <p:spPr>
+          <a:xfrm>
+            <a:off x="2066589" y="3678792"/>
+            <a:ext cx="962025" cy="261610"/>
+          </a:xfrm>
+          <a:prstGeom prst="rect">
+            <a:avLst/>
+          </a:prstGeom>
+          <a:noFill/>
+        </p:spPr>
+        <p:txBody>
+          <a:bodyPr wrap="square" rtlCol="0">
+            <a:spAutoFit/>
+          </a:bodyPr>
+          <a:lstStyle/>
+          <a:p>
+            <a:r>
+              <a:rPr lang="fr-FR" sz="1100" dirty="0">
+                <a:latin typeface="Stubble bold" panose="02000806030000020004" pitchFamily="2" charset="0"/>
+              </a:rPr>
+              <a:t>Switch</a:t>
+            </a:r>
+          </a:p>
+        </p:txBody>
+      </p:sp>
+      <p:sp>
+        <p:nvSpPr>
+          <p:cNvPr id="22" name="ZoneTexte 21">
+            <a:extLst>
+              <a:ext uri="{FF2B5EF4-FFF2-40B4-BE49-F238E27FC236}">
+                <a16:creationId xmlns:a16="http://schemas.microsoft.com/office/drawing/2014/main" id="{435775D6-49E6-AC41-BD9B-A6C72B1325DE}"/>
+              </a:ext>
+            </a:extLst>
+          </p:cNvPr>
+          <p:cNvSpPr txBox="1"/>
+          <p:nvPr/>
+        </p:nvSpPr>
+        <p:spPr>
+          <a:xfrm>
+            <a:off x="2066589" y="3940402"/>
+            <a:ext cx="962025" cy="261610"/>
+          </a:xfrm>
+          <a:prstGeom prst="rect">
+            <a:avLst/>
+          </a:prstGeom>
+          <a:noFill/>
+        </p:spPr>
+        <p:txBody>
+          <a:bodyPr wrap="square" rtlCol="0">
+            <a:spAutoFit/>
+          </a:bodyPr>
+          <a:lstStyle/>
+          <a:p>
+            <a:r>
+              <a:rPr lang="fr-FR" sz="1100" dirty="0" err="1">
+                <a:latin typeface="Stubble bold" panose="02000806030000020004" pitchFamily="2" charset="0"/>
+              </a:rPr>
+              <a:t>Blocker</a:t>
+            </a:r>
+            <a:endParaRPr lang="fr-FR" sz="1100" dirty="0">
+              <a:latin typeface="Stubble bold" panose="02000806030000020004" pitchFamily="2" charset="0"/>
+            </a:endParaRPr>
+          </a:p>
+        </p:txBody>
+      </p:sp>
+      <p:sp>
+        <p:nvSpPr>
+          <p:cNvPr id="23" name="ZoneTexte 22">
+            <a:extLst>
+              <a:ext uri="{FF2B5EF4-FFF2-40B4-BE49-F238E27FC236}">
+                <a16:creationId xmlns:a16="http://schemas.microsoft.com/office/drawing/2014/main" id="{916036D8-2388-576B-9623-6106271CB2C8}"/>
+              </a:ext>
+            </a:extLst>
+          </p:cNvPr>
+          <p:cNvSpPr txBox="1"/>
+          <p:nvPr/>
+        </p:nvSpPr>
+        <p:spPr>
+          <a:xfrm>
+            <a:off x="2066589" y="4359255"/>
+            <a:ext cx="962025" cy="261610"/>
+          </a:xfrm>
+          <a:prstGeom prst="rect">
+            <a:avLst/>
+          </a:prstGeom>
+          <a:noFill/>
+        </p:spPr>
+        <p:txBody>
+          <a:bodyPr wrap="square" rtlCol="0">
+            <a:spAutoFit/>
+          </a:bodyPr>
+          <a:lstStyle/>
+          <a:p>
+            <a:r>
+              <a:rPr lang="fr-FR" sz="1100" dirty="0">
+                <a:latin typeface="Stubble bold" panose="02000806030000020004" pitchFamily="2" charset="0"/>
+              </a:rPr>
+              <a:t>Car</a:t>
+            </a:r>
+          </a:p>
+        </p:txBody>
+      </p:sp>
+      <p:sp>
+        <p:nvSpPr>
+          <p:cNvPr id="24" name="ZoneTexte 23">
+            <a:extLst>
+              <a:ext uri="{FF2B5EF4-FFF2-40B4-BE49-F238E27FC236}">
+                <a16:creationId xmlns:a16="http://schemas.microsoft.com/office/drawing/2014/main" id="{89EDCA8A-6990-1F88-57C9-95AED337ACE1}"/>
+              </a:ext>
+            </a:extLst>
+          </p:cNvPr>
+          <p:cNvSpPr txBox="1"/>
+          <p:nvPr/>
+        </p:nvSpPr>
+        <p:spPr>
+          <a:xfrm>
+            <a:off x="2066589" y="4815959"/>
+            <a:ext cx="962025" cy="261610"/>
+          </a:xfrm>
+          <a:prstGeom prst="rect">
+            <a:avLst/>
+          </a:prstGeom>
+          <a:noFill/>
+        </p:spPr>
+        <p:txBody>
+          <a:bodyPr wrap="square" rtlCol="0">
+            <a:spAutoFit/>
+          </a:bodyPr>
+          <a:lstStyle/>
+          <a:p>
+            <a:r>
+              <a:rPr lang="fr-FR" sz="1100" dirty="0" err="1">
+                <a:latin typeface="Stubble bold" panose="02000806030000020004" pitchFamily="2" charset="0"/>
+              </a:rPr>
+              <a:t>Esclator</a:t>
+            </a:r>
+            <a:endParaRPr lang="fr-FR" sz="1100" dirty="0">
+              <a:latin typeface="Stubble bold" panose="02000806030000020004" pitchFamily="2" charset="0"/>
+            </a:endParaRPr>
+          </a:p>
+        </p:txBody>
+      </p:sp>
+      <p:sp>
+        <p:nvSpPr>
+          <p:cNvPr id="25" name="ZoneTexte 24">
+            <a:extLst>
+              <a:ext uri="{FF2B5EF4-FFF2-40B4-BE49-F238E27FC236}">
+                <a16:creationId xmlns:a16="http://schemas.microsoft.com/office/drawing/2014/main" id="{CAE42039-CD16-2834-CC37-3B3DFDF442B6}"/>
+              </a:ext>
+            </a:extLst>
+          </p:cNvPr>
+          <p:cNvSpPr txBox="1"/>
+          <p:nvPr/>
+        </p:nvSpPr>
+        <p:spPr>
+          <a:xfrm>
+            <a:off x="2066589" y="5233307"/>
+            <a:ext cx="1857711" cy="261610"/>
+          </a:xfrm>
+          <a:prstGeom prst="rect">
+            <a:avLst/>
+          </a:prstGeom>
+          <a:noFill/>
+        </p:spPr>
+        <p:txBody>
+          <a:bodyPr wrap="square" rtlCol="0">
+            <a:spAutoFit/>
+          </a:bodyPr>
+          <a:lstStyle/>
+          <a:p>
+            <a:r>
+              <a:rPr lang="fr-FR" sz="1100" dirty="0" err="1">
+                <a:latin typeface="Stubble bold" panose="02000806030000020004" pitchFamily="2" charset="0"/>
+              </a:rPr>
+              <a:t>Locked</a:t>
+            </a:r>
+            <a:r>
+              <a:rPr lang="fr-FR" sz="1100" dirty="0">
+                <a:latin typeface="Stubble bold" panose="02000806030000020004" pitchFamily="2" charset="0"/>
+              </a:rPr>
+              <a:t> </a:t>
+            </a:r>
+            <a:r>
+              <a:rPr lang="fr-FR" sz="1100" dirty="0" err="1">
+                <a:latin typeface="Stubble bold" panose="02000806030000020004" pitchFamily="2" charset="0"/>
+              </a:rPr>
+              <a:t>Door</a:t>
+            </a:r>
+            <a:r>
+              <a:rPr lang="fr-FR" sz="1100" dirty="0">
+                <a:latin typeface="Stubble bold" panose="02000806030000020004" pitchFamily="2" charset="0"/>
+              </a:rPr>
+              <a:t> (</a:t>
+            </a:r>
+            <a:r>
+              <a:rPr lang="fr-FR" sz="1100" dirty="0" err="1">
+                <a:latin typeface="Stubble bold" panose="02000806030000020004" pitchFamily="2" charset="0"/>
+              </a:rPr>
+              <a:t>Unlockable</a:t>
+            </a:r>
+            <a:r>
+              <a:rPr lang="fr-FR" sz="1100" dirty="0">
+                <a:latin typeface="Stubble bold" panose="02000806030000020004" pitchFamily="2" charset="0"/>
+              </a:rPr>
+              <a:t>)</a:t>
+            </a:r>
+          </a:p>
+        </p:txBody>
+      </p:sp>
+      <p:sp>
+        <p:nvSpPr>
+          <p:cNvPr id="26" name="ZoneTexte 25">
+            <a:extLst>
+              <a:ext uri="{FF2B5EF4-FFF2-40B4-BE49-F238E27FC236}">
+                <a16:creationId xmlns:a16="http://schemas.microsoft.com/office/drawing/2014/main" id="{D3BE08CA-E5FB-E68F-EB52-8EDCCF013580}"/>
+              </a:ext>
+            </a:extLst>
+          </p:cNvPr>
+          <p:cNvSpPr txBox="1"/>
+          <p:nvPr/>
+        </p:nvSpPr>
+        <p:spPr>
+          <a:xfrm>
+            <a:off x="2066589" y="5397451"/>
+            <a:ext cx="962025" cy="261610"/>
+          </a:xfrm>
+          <a:prstGeom prst="rect">
+            <a:avLst/>
+          </a:prstGeom>
+          <a:noFill/>
+        </p:spPr>
+        <p:txBody>
+          <a:bodyPr wrap="square" rtlCol="0">
+            <a:spAutoFit/>
+          </a:bodyPr>
+          <a:lstStyle/>
+          <a:p>
+            <a:r>
+              <a:rPr lang="fr-FR" sz="1100" dirty="0">
+                <a:latin typeface="Stubble bold" panose="02000806030000020004" pitchFamily="2" charset="0"/>
+              </a:rPr>
+              <a:t>Open </a:t>
+            </a:r>
+            <a:r>
+              <a:rPr lang="fr-FR" sz="1100" dirty="0" err="1">
+                <a:latin typeface="Stubble bold" panose="02000806030000020004" pitchFamily="2" charset="0"/>
+              </a:rPr>
+              <a:t>Door</a:t>
+            </a:r>
+            <a:endParaRPr lang="fr-FR" sz="1100" dirty="0">
+              <a:latin typeface="Stubble bold" panose="02000806030000020004" pitchFamily="2" charset="0"/>
+            </a:endParaRPr>
+          </a:p>
+        </p:txBody>
+      </p:sp>
+      <p:sp>
+        <p:nvSpPr>
+          <p:cNvPr id="27" name="ZoneTexte 26">
+            <a:extLst>
+              <a:ext uri="{FF2B5EF4-FFF2-40B4-BE49-F238E27FC236}">
+                <a16:creationId xmlns:a16="http://schemas.microsoft.com/office/drawing/2014/main" id="{82077D6B-C501-A349-4CFD-8BC54E4418A2}"/>
+              </a:ext>
+            </a:extLst>
+          </p:cNvPr>
+          <p:cNvSpPr txBox="1"/>
+          <p:nvPr/>
+        </p:nvSpPr>
+        <p:spPr>
+          <a:xfrm>
+            <a:off x="2066589" y="5657737"/>
+            <a:ext cx="1232236" cy="261610"/>
+          </a:xfrm>
+          <a:prstGeom prst="rect">
+            <a:avLst/>
+          </a:prstGeom>
+          <a:noFill/>
+        </p:spPr>
+        <p:txBody>
+          <a:bodyPr wrap="square" rtlCol="0">
+            <a:spAutoFit/>
+          </a:bodyPr>
+          <a:lstStyle/>
+          <a:p>
+            <a:r>
+              <a:rPr lang="fr-FR" sz="1100" dirty="0">
+                <a:latin typeface="Stubble bold" panose="02000806030000020004" pitchFamily="2" charset="0"/>
+              </a:rPr>
+              <a:t>Zombie Zone</a:t>
+            </a:r>
+          </a:p>
+        </p:txBody>
+      </p:sp>
+      <p:sp>
+        <p:nvSpPr>
+          <p:cNvPr id="6" name="Rectangle 5">
+            <a:extLst>
+              <a:ext uri="{FF2B5EF4-FFF2-40B4-BE49-F238E27FC236}">
+                <a16:creationId xmlns:a16="http://schemas.microsoft.com/office/drawing/2014/main" id="{579D75F3-7A78-18E2-E07B-89ADCC2C2D6B}"/>
+              </a:ext>
+            </a:extLst>
+          </p:cNvPr>
+          <p:cNvSpPr/>
+          <p:nvPr/>
+        </p:nvSpPr>
+        <p:spPr>
+          <a:xfrm>
+            <a:off x="4986339" y="1709362"/>
+            <a:ext cx="45719" cy="640932"/>
+          </a:xfrm>
+          <a:prstGeom prst="rect">
+            <a:avLst/>
+          </a:prstGeom>
+          <a:solidFill>
+            <a:schemeClr val="bg1"/>
+          </a:solidFill>
+          <a:ln>
+            <a:noFill/>
+          </a:ln>
+        </p:spPr>
+        <p:style>
+          <a:lnRef idx="2">
+            <a:schemeClr val="accent1">
+              <a:shade val="15000"/>
+            </a:schemeClr>
+          </a:lnRef>
+          <a:fillRef idx="1">
+            <a:schemeClr val="accent1"/>
+          </a:fillRef>
+          <a:effectRef idx="0">
+            <a:schemeClr val="accent1"/>
+          </a:effectRef>
+          <a:fontRef idx="minor">
+            <a:schemeClr val="lt1"/>
+          </a:fontRef>
+        </p:style>
+        <p:txBody>
+          <a:bodyPr rtlCol="0" anchor="ctr"/>
+          <a:lstStyle/>
+          <a:p>
+            <a:pPr algn="ctr"/>
+            <a:endParaRPr lang="fr-FR"/>
+          </a:p>
+        </p:txBody>
+      </p:sp>
+      <p:cxnSp>
+        <p:nvCxnSpPr>
+          <p:cNvPr id="7" name="Connecteur droit avec flèche 6">
+            <a:extLst>
+              <a:ext uri="{FF2B5EF4-FFF2-40B4-BE49-F238E27FC236}">
+                <a16:creationId xmlns:a16="http://schemas.microsoft.com/office/drawing/2014/main" id="{7127A647-1395-C831-4B64-437C666332B2}"/>
+              </a:ext>
+            </a:extLst>
+          </p:cNvPr>
+          <p:cNvCxnSpPr>
+            <a:cxnSpLocks/>
+          </p:cNvCxnSpPr>
+          <p:nvPr/>
+        </p:nvCxnSpPr>
+        <p:spPr>
+          <a:xfrm>
+            <a:off x="7437120" y="2658809"/>
+            <a:ext cx="662940" cy="1655"/>
+          </a:xfrm>
+          <a:prstGeom prst="straightConnector1">
+            <a:avLst/>
+          </a:prstGeom>
+          <a:ln w="50800">
+            <a:solidFill>
+              <a:schemeClr val="bg1"/>
+            </a:solidFill>
+            <a:tailEnd type="triangle"/>
+          </a:ln>
+        </p:spPr>
+        <p:style>
+          <a:lnRef idx="2">
+            <a:schemeClr val="accent1"/>
+          </a:lnRef>
+          <a:fillRef idx="0">
+            <a:schemeClr val="accent1"/>
+          </a:fillRef>
+          <a:effectRef idx="1">
+            <a:schemeClr val="accent1"/>
+          </a:effectRef>
+          <a:fontRef idx="minor">
+            <a:schemeClr val="tx1"/>
+          </a:fontRef>
+        </p:style>
+      </p:cxnSp>
+      <p:sp>
+        <p:nvSpPr>
+          <p:cNvPr id="8" name="ZoneTexte 7">
+            <a:extLst>
+              <a:ext uri="{FF2B5EF4-FFF2-40B4-BE49-F238E27FC236}">
+                <a16:creationId xmlns:a16="http://schemas.microsoft.com/office/drawing/2014/main" id="{839B25F1-3B58-8272-DAC0-597BF6B2346C}"/>
+              </a:ext>
+            </a:extLst>
+          </p:cNvPr>
+          <p:cNvSpPr txBox="1"/>
+          <p:nvPr/>
+        </p:nvSpPr>
+        <p:spPr>
+          <a:xfrm>
+            <a:off x="8100060" y="2520310"/>
+            <a:ext cx="962025" cy="461665"/>
+          </a:xfrm>
+          <a:prstGeom prst="rect">
+            <a:avLst/>
+          </a:prstGeom>
+          <a:noFill/>
+        </p:spPr>
+        <p:txBody>
+          <a:bodyPr wrap="square" rtlCol="0">
+            <a:spAutoFit/>
+          </a:bodyPr>
+          <a:lstStyle/>
+          <a:p>
+            <a:r>
+              <a:rPr lang="fr-FR" sz="1200" dirty="0">
+                <a:latin typeface="Stubble bold" panose="02000806030000020004" pitchFamily="2" charset="0"/>
+              </a:rPr>
+              <a:t>To the </a:t>
+            </a:r>
+            <a:r>
+              <a:rPr lang="fr-FR" sz="1200" dirty="0" err="1">
+                <a:latin typeface="Stubble bold" panose="02000806030000020004" pitchFamily="2" charset="0"/>
+              </a:rPr>
+              <a:t>floor</a:t>
+            </a:r>
+            <a:r>
+              <a:rPr lang="fr-FR" sz="1200" dirty="0">
+                <a:latin typeface="Stubble bold" panose="02000806030000020004" pitchFamily="2" charset="0"/>
+              </a:rPr>
+              <a:t> -1</a:t>
+            </a:r>
+          </a:p>
+        </p:txBody>
+      </p:sp>
+      <p:cxnSp>
+        <p:nvCxnSpPr>
+          <p:cNvPr id="11" name="Connecteur droit avec flèche 10">
+            <a:extLst>
+              <a:ext uri="{FF2B5EF4-FFF2-40B4-BE49-F238E27FC236}">
+                <a16:creationId xmlns:a16="http://schemas.microsoft.com/office/drawing/2014/main" id="{9FAC6BEB-400A-D429-C416-D9B56401F87C}"/>
+              </a:ext>
+            </a:extLst>
+          </p:cNvPr>
+          <p:cNvCxnSpPr>
+            <a:cxnSpLocks/>
+          </p:cNvCxnSpPr>
+          <p:nvPr/>
+        </p:nvCxnSpPr>
+        <p:spPr>
+          <a:xfrm>
+            <a:off x="6362082" y="1665243"/>
+            <a:ext cx="662940" cy="1655"/>
+          </a:xfrm>
+          <a:prstGeom prst="straightConnector1">
+            <a:avLst/>
+          </a:prstGeom>
+          <a:ln w="50800">
+            <a:solidFill>
+              <a:schemeClr val="bg1"/>
+            </a:solidFill>
+            <a:tailEnd type="triangle"/>
+          </a:ln>
+        </p:spPr>
+        <p:style>
+          <a:lnRef idx="2">
+            <a:schemeClr val="accent1"/>
+          </a:lnRef>
+          <a:fillRef idx="0">
+            <a:schemeClr val="accent1"/>
+          </a:fillRef>
+          <a:effectRef idx="1">
+            <a:schemeClr val="accent1"/>
+          </a:effectRef>
+          <a:fontRef idx="minor">
+            <a:schemeClr val="tx1"/>
+          </a:fontRef>
+        </p:style>
+      </p:cxnSp>
+      <p:sp>
+        <p:nvSpPr>
+          <p:cNvPr id="12" name="ZoneTexte 11">
+            <a:extLst>
+              <a:ext uri="{FF2B5EF4-FFF2-40B4-BE49-F238E27FC236}">
+                <a16:creationId xmlns:a16="http://schemas.microsoft.com/office/drawing/2014/main" id="{B46498F9-B348-C9C1-2087-EA1B2325B33A}"/>
+              </a:ext>
+            </a:extLst>
+          </p:cNvPr>
+          <p:cNvSpPr txBox="1"/>
+          <p:nvPr/>
+        </p:nvSpPr>
+        <p:spPr>
+          <a:xfrm>
+            <a:off x="7025022" y="1395273"/>
+            <a:ext cx="962025" cy="461665"/>
+          </a:xfrm>
+          <a:prstGeom prst="rect">
+            <a:avLst/>
+          </a:prstGeom>
+          <a:noFill/>
+        </p:spPr>
+        <p:txBody>
+          <a:bodyPr wrap="square" rtlCol="0">
+            <a:spAutoFit/>
+          </a:bodyPr>
+          <a:lstStyle/>
+          <a:p>
+            <a:r>
+              <a:rPr lang="fr-FR" sz="1200" dirty="0">
+                <a:latin typeface="Stubble bold" panose="02000806030000020004" pitchFamily="2" charset="0"/>
+              </a:rPr>
+              <a:t>To the </a:t>
+            </a:r>
+            <a:r>
+              <a:rPr lang="fr-FR" sz="1200" dirty="0" err="1">
+                <a:latin typeface="Stubble bold" panose="02000806030000020004" pitchFamily="2" charset="0"/>
+              </a:rPr>
+              <a:t>floor</a:t>
+            </a:r>
+            <a:r>
+              <a:rPr lang="fr-FR" sz="1200" dirty="0">
+                <a:latin typeface="Stubble bold" panose="02000806030000020004" pitchFamily="2" charset="0"/>
+              </a:rPr>
+              <a:t> -1</a:t>
+            </a:r>
+          </a:p>
+        </p:txBody>
+      </p:sp>
+      <p:sp>
+        <p:nvSpPr>
+          <p:cNvPr id="14" name="ZoneTexte 13">
+            <a:extLst>
+              <a:ext uri="{FF2B5EF4-FFF2-40B4-BE49-F238E27FC236}">
+                <a16:creationId xmlns:a16="http://schemas.microsoft.com/office/drawing/2014/main" id="{BC4A2260-DF35-30A6-4AA0-B80CED531F05}"/>
+              </a:ext>
+            </a:extLst>
+          </p:cNvPr>
+          <p:cNvSpPr txBox="1"/>
+          <p:nvPr/>
+        </p:nvSpPr>
+        <p:spPr>
+          <a:xfrm>
+            <a:off x="1736337" y="3379991"/>
+            <a:ext cx="372218" cy="369332"/>
+          </a:xfrm>
+          <a:prstGeom prst="rect">
+            <a:avLst/>
+          </a:prstGeom>
+          <a:noFill/>
+        </p:spPr>
+        <p:txBody>
+          <a:bodyPr wrap="none" rtlCol="0">
+            <a:spAutoFit/>
+          </a:bodyPr>
+          <a:lstStyle/>
+          <a:p>
+            <a:r>
+              <a:rPr lang="fr-FR" dirty="0">
+                <a:solidFill>
+                  <a:srgbClr val="FF0000"/>
+                </a:solidFill>
+                <a:latin typeface="Future Rot" pitchFamily="2" charset="0"/>
+              </a:rPr>
+              <a:t>X</a:t>
+            </a:r>
+          </a:p>
+        </p:txBody>
+      </p:sp>
+      <p:sp>
+        <p:nvSpPr>
+          <p:cNvPr id="15" name="ZoneTexte 14">
+            <a:extLst>
+              <a:ext uri="{FF2B5EF4-FFF2-40B4-BE49-F238E27FC236}">
+                <a16:creationId xmlns:a16="http://schemas.microsoft.com/office/drawing/2014/main" id="{E05EE014-8000-B430-6232-CC2DFEBD2322}"/>
+              </a:ext>
+            </a:extLst>
+          </p:cNvPr>
+          <p:cNvSpPr txBox="1"/>
+          <p:nvPr/>
+        </p:nvSpPr>
+        <p:spPr>
+          <a:xfrm>
+            <a:off x="2066589" y="3450080"/>
+            <a:ext cx="962025" cy="261610"/>
+          </a:xfrm>
+          <a:prstGeom prst="rect">
+            <a:avLst/>
+          </a:prstGeom>
+          <a:noFill/>
+        </p:spPr>
+        <p:txBody>
+          <a:bodyPr wrap="square" rtlCol="0">
+            <a:spAutoFit/>
+          </a:bodyPr>
+          <a:lstStyle/>
+          <a:p>
+            <a:r>
+              <a:rPr lang="fr-FR" sz="1100" dirty="0">
+                <a:latin typeface="Stubble bold" panose="02000806030000020004" pitchFamily="2" charset="0"/>
+              </a:rPr>
+              <a:t>Spawn</a:t>
+            </a:r>
+          </a:p>
+        </p:txBody>
+      </p:sp>
+      <p:sp>
+        <p:nvSpPr>
+          <p:cNvPr id="28" name="ZoneTexte 27">
+            <a:extLst>
+              <a:ext uri="{FF2B5EF4-FFF2-40B4-BE49-F238E27FC236}">
+                <a16:creationId xmlns:a16="http://schemas.microsoft.com/office/drawing/2014/main" id="{C51F1695-BEBA-CC91-4FFF-B11599FEB3EC}"/>
+              </a:ext>
+            </a:extLst>
+          </p:cNvPr>
+          <p:cNvSpPr txBox="1"/>
+          <p:nvPr/>
+        </p:nvSpPr>
+        <p:spPr>
+          <a:xfrm>
+            <a:off x="3484764" y="2006643"/>
+            <a:ext cx="372218" cy="369332"/>
+          </a:xfrm>
+          <a:prstGeom prst="rect">
+            <a:avLst/>
+          </a:prstGeom>
+          <a:noFill/>
+        </p:spPr>
+        <p:txBody>
+          <a:bodyPr wrap="none" rtlCol="0">
+            <a:spAutoFit/>
+          </a:bodyPr>
+          <a:lstStyle/>
+          <a:p>
+            <a:r>
+              <a:rPr lang="fr-FR" dirty="0">
+                <a:solidFill>
+                  <a:srgbClr val="FF0000"/>
+                </a:solidFill>
+                <a:latin typeface="Future Rot" pitchFamily="2" charset="0"/>
+              </a:rPr>
+              <a:t>X</a:t>
+            </a:r>
+          </a:p>
+        </p:txBody>
+      </p:sp>
+    </p:spTree>
+    <p:extLst>
+      <p:ext uri="{BB962C8B-B14F-4D97-AF65-F5344CB8AC3E}">
+        <p14:creationId xmlns:p14="http://schemas.microsoft.com/office/powerpoint/2010/main" val="3027182377"/>
+      </p:ext>
+    </p:extLst>
+  </p:cSld>
+  <p:clrMapOvr>
+    <a:masterClrMapping/>
+  </p:clrMapOvr>
+</p:sld>
+</file>
+
+<file path=ppt/slides/slide5.xml><?xml version="1.0" encoding="utf-8"?>
+<p:sld xmlns:a="http://schemas.openxmlformats.org/drawingml/2006/main" xmlns:r="http://schemas.openxmlformats.org/officeDocument/2006/relationships" xmlns:p="http://schemas.openxmlformats.org/presentationml/2006/main">
+  <p:cSld>
+    <p:spTree>
+      <p:nvGrpSpPr>
+        <p:cNvPr id="1" name=""/>
+        <p:cNvGrpSpPr/>
+        <p:nvPr/>
+      </p:nvGrpSpPr>
+      <p:grpSpPr>
+        <a:xfrm>
+          <a:off x="0" y="0"/>
+          <a:ext cx="0" cy="0"/>
+          <a:chOff x="0" y="0"/>
+          <a:chExt cx="0" cy="0"/>
+        </a:xfrm>
+      </p:grpSpPr>
+      <p:sp>
+        <p:nvSpPr>
+          <p:cNvPr id="2" name="Titre 1">
+            <a:extLst>
+              <a:ext uri="{FF2B5EF4-FFF2-40B4-BE49-F238E27FC236}">
+                <a16:creationId xmlns:a16="http://schemas.microsoft.com/office/drawing/2014/main" id="{DF576315-8FCD-E24A-4F18-C656C70857A1}"/>
+              </a:ext>
+            </a:extLst>
+          </p:cNvPr>
+          <p:cNvSpPr>
+            <a:spLocks noGrp="1"/>
+          </p:cNvSpPr>
+          <p:nvPr>
+            <p:ph type="title"/>
+          </p:nvPr>
+        </p:nvSpPr>
+        <p:spPr/>
+        <p:txBody>
+          <a:bodyPr/>
+          <a:lstStyle/>
+          <a:p>
+            <a:r>
+              <a:rPr lang="fr-FR" dirty="0" err="1"/>
+              <a:t>Layout</a:t>
+            </a:r>
+            <a:r>
+              <a:rPr lang="fr-FR" dirty="0"/>
+              <a:t> : </a:t>
+            </a:r>
+            <a:r>
+              <a:rPr lang="fr-FR" dirty="0" err="1"/>
+              <a:t>Floor</a:t>
+            </a:r>
+            <a:r>
+              <a:rPr lang="fr-FR" dirty="0"/>
+              <a:t> </a:t>
+            </a:r>
+            <a:r>
+              <a:rPr lang="fr-FR" dirty="0">
+                <a:latin typeface="Stubble bold" panose="02000806030000020004" pitchFamily="2" charset="0"/>
+              </a:rPr>
+              <a:t>-</a:t>
+            </a:r>
+            <a:r>
+              <a:rPr lang="fr-FR" dirty="0"/>
+              <a:t>1</a:t>
+            </a:r>
+          </a:p>
+        </p:txBody>
+      </p:sp>
+      <p:sp>
+        <p:nvSpPr>
+          <p:cNvPr id="3" name="Espace réservé du pied de page 2">
+            <a:extLst>
+              <a:ext uri="{FF2B5EF4-FFF2-40B4-BE49-F238E27FC236}">
+                <a16:creationId xmlns:a16="http://schemas.microsoft.com/office/drawing/2014/main" id="{63A1A3A2-59FB-5182-1CF3-C73A2AD9118D}"/>
+              </a:ext>
+            </a:extLst>
+          </p:cNvPr>
+          <p:cNvSpPr>
+            <a:spLocks noGrp="1"/>
+          </p:cNvSpPr>
+          <p:nvPr>
+            <p:ph type="ftr" sz="quarter" idx="11"/>
+          </p:nvPr>
+        </p:nvSpPr>
+        <p:spPr/>
+        <p:txBody>
+          <a:bodyPr/>
+          <a:lstStyle/>
+          <a:p>
+            <a:r>
+              <a:rPr lang="fr-FR"/>
+              <a:t>BALLANZA CANTE : Left4Dead2 Blockout</a:t>
+            </a:r>
+          </a:p>
+        </p:txBody>
+      </p:sp>
+      <p:sp>
+        <p:nvSpPr>
+          <p:cNvPr id="4" name="Espace réservé du numéro de diapositive 3">
+            <a:extLst>
+              <a:ext uri="{FF2B5EF4-FFF2-40B4-BE49-F238E27FC236}">
+                <a16:creationId xmlns:a16="http://schemas.microsoft.com/office/drawing/2014/main" id="{3D3BF16D-2095-B745-8E2E-DCCC3E626F54}"/>
+              </a:ext>
+            </a:extLst>
+          </p:cNvPr>
+          <p:cNvSpPr>
+            <a:spLocks noGrp="1"/>
+          </p:cNvSpPr>
+          <p:nvPr>
+            <p:ph type="sldNum" sz="quarter" idx="12"/>
+          </p:nvPr>
+        </p:nvSpPr>
+        <p:spPr/>
+        <p:txBody>
+          <a:bodyPr/>
+          <a:lstStyle/>
+          <a:p>
+            <a:fld id="{0F8D06F7-CC5E-4A93-BD41-B1F89298AFFC}" type="slidenum">
+              <a:rPr lang="fr-FR" smtClean="0"/>
+              <a:t>5</a:t>
+            </a:fld>
+            <a:endParaRPr lang="fr-FR"/>
+          </a:p>
+        </p:txBody>
+      </p:sp>
+      <p:pic>
+        <p:nvPicPr>
+          <p:cNvPr id="6" name="Image 5" descr="Une image contenant diagramme, capture d’écran, conception&#10;&#10;Le contenu généré par l’IA peut être incorrect.">
+            <a:extLst>
+              <a:ext uri="{FF2B5EF4-FFF2-40B4-BE49-F238E27FC236}">
+                <a16:creationId xmlns:a16="http://schemas.microsoft.com/office/drawing/2014/main" id="{609553D2-77ED-AC4D-B384-CCE3F86C27CE}"/>
+              </a:ext>
+            </a:extLst>
+          </p:cNvPr>
+          <p:cNvPicPr>
+            <a:picLocks noChangeAspect="1"/>
+          </p:cNvPicPr>
+          <p:nvPr/>
+        </p:nvPicPr>
+        <p:blipFill>
+          <a:blip r:embed="rId2">
+            <a:extLst>
+              <a:ext uri="{28A0092B-C50C-407E-A947-70E740481C1C}">
+                <a14:useLocalDpi xmlns:a14="http://schemas.microsoft.com/office/drawing/2010/main" val="0"/>
+              </a:ext>
+            </a:extLst>
+          </a:blip>
+          <a:stretch>
+            <a:fillRect/>
+          </a:stretch>
+        </p:blipFill>
+        <p:spPr>
+          <a:xfrm>
+            <a:off x="1977199" y="2023531"/>
+            <a:ext cx="8237601" cy="2621055"/>
+          </a:xfrm>
+          <a:prstGeom prst="rect">
+            <a:avLst/>
+          </a:prstGeom>
+        </p:spPr>
+      </p:pic>
+      <p:pic>
+        <p:nvPicPr>
+          <p:cNvPr id="8" name="Image 7" descr="Une image contenant shoji, Rectangle&#10;&#10;Le contenu généré par l’IA peut être incorrect.">
+            <a:extLst>
+              <a:ext uri="{FF2B5EF4-FFF2-40B4-BE49-F238E27FC236}">
+                <a16:creationId xmlns:a16="http://schemas.microsoft.com/office/drawing/2014/main" id="{3A700DC9-92EB-F69B-D0AD-91B21AD52448}"/>
+              </a:ext>
+            </a:extLst>
+          </p:cNvPr>
+          <p:cNvPicPr>
+            <a:picLocks noChangeAspect="1"/>
+          </p:cNvPicPr>
+          <p:nvPr/>
+        </p:nvPicPr>
+        <p:blipFill>
+          <a:blip r:embed="rId3">
+            <a:extLst>
+              <a:ext uri="{28A0092B-C50C-407E-A947-70E740481C1C}">
+                <a14:useLocalDpi xmlns:a14="http://schemas.microsoft.com/office/drawing/2010/main" val="0"/>
+              </a:ext>
+            </a:extLst>
+          </a:blip>
+          <a:stretch>
+            <a:fillRect/>
+          </a:stretch>
+        </p:blipFill>
+        <p:spPr>
+          <a:xfrm>
+            <a:off x="255461" y="5209192"/>
+            <a:ext cx="1647520" cy="966727"/>
+          </a:xfrm>
+          <a:prstGeom prst="rect">
+            <a:avLst/>
+          </a:prstGeom>
+        </p:spPr>
+      </p:pic>
+      <p:pic>
+        <p:nvPicPr>
+          <p:cNvPr id="9" name="Image 8" descr="Une image contenant Police, texte, Graphique, logo&#10;&#10;Le contenu généré par l’IA peut être incorrect.">
+            <a:extLst>
+              <a:ext uri="{FF2B5EF4-FFF2-40B4-BE49-F238E27FC236}">
+                <a16:creationId xmlns:a16="http://schemas.microsoft.com/office/drawing/2014/main" id="{E9CD1420-2EA8-8AF1-C225-3FD9190B99F3}"/>
+              </a:ext>
+            </a:extLst>
+          </p:cNvPr>
+          <p:cNvPicPr>
+            <a:picLocks noChangeAspect="1"/>
+          </p:cNvPicPr>
+          <p:nvPr/>
+        </p:nvPicPr>
+        <p:blipFill>
+          <a:blip r:embed="rId4">
+            <a:extLst>
+              <a:ext uri="{28A0092B-C50C-407E-A947-70E740481C1C}">
+                <a14:useLocalDpi xmlns:a14="http://schemas.microsoft.com/office/drawing/2010/main" val="0"/>
+              </a:ext>
+            </a:extLst>
+          </a:blip>
+          <a:stretch>
+            <a:fillRect/>
+          </a:stretch>
+        </p:blipFill>
+        <p:spPr>
+          <a:xfrm>
+            <a:off x="142925" y="6492875"/>
+            <a:ext cx="762331" cy="258322"/>
+          </a:xfrm>
+          <a:prstGeom prst="rect">
+            <a:avLst/>
+          </a:prstGeom>
+        </p:spPr>
+      </p:pic>
+      <p:sp>
+        <p:nvSpPr>
+          <p:cNvPr id="10" name="ZoneTexte 9">
+            <a:extLst>
+              <a:ext uri="{FF2B5EF4-FFF2-40B4-BE49-F238E27FC236}">
+                <a16:creationId xmlns:a16="http://schemas.microsoft.com/office/drawing/2014/main" id="{C9B53A87-14F2-9FE6-9800-71226E575133}"/>
+              </a:ext>
+            </a:extLst>
+          </p:cNvPr>
+          <p:cNvSpPr txBox="1"/>
+          <p:nvPr/>
+        </p:nvSpPr>
+        <p:spPr>
+          <a:xfrm>
+            <a:off x="1902981" y="5817608"/>
+            <a:ext cx="962025" cy="261610"/>
+          </a:xfrm>
+          <a:prstGeom prst="rect">
+            <a:avLst/>
+          </a:prstGeom>
+          <a:noFill/>
+        </p:spPr>
+        <p:txBody>
+          <a:bodyPr wrap="square" rtlCol="0">
+            <a:spAutoFit/>
+          </a:bodyPr>
+          <a:lstStyle/>
+          <a:p>
+            <a:r>
+              <a:rPr lang="fr-FR" sz="1100" dirty="0" err="1">
+                <a:latin typeface="Stubble bold" panose="02000806030000020004" pitchFamily="2" charset="0"/>
+              </a:rPr>
+              <a:t>Esclator</a:t>
+            </a:r>
+            <a:endParaRPr lang="fr-FR" sz="1100" dirty="0">
+              <a:latin typeface="Stubble bold" panose="02000806030000020004" pitchFamily="2" charset="0"/>
+            </a:endParaRPr>
+          </a:p>
+        </p:txBody>
+      </p:sp>
+      <p:sp>
+        <p:nvSpPr>
+          <p:cNvPr id="11" name="ZoneTexte 10">
+            <a:extLst>
+              <a:ext uri="{FF2B5EF4-FFF2-40B4-BE49-F238E27FC236}">
+                <a16:creationId xmlns:a16="http://schemas.microsoft.com/office/drawing/2014/main" id="{FDF4B27B-49C1-3C27-D080-B7536B6038C1}"/>
+              </a:ext>
+            </a:extLst>
+          </p:cNvPr>
+          <p:cNvSpPr txBox="1"/>
+          <p:nvPr/>
+        </p:nvSpPr>
+        <p:spPr>
+          <a:xfrm>
+            <a:off x="1900998" y="4883557"/>
+            <a:ext cx="1299402" cy="261610"/>
+          </a:xfrm>
+          <a:prstGeom prst="rect">
+            <a:avLst/>
+          </a:prstGeom>
+          <a:noFill/>
+        </p:spPr>
+        <p:txBody>
+          <a:bodyPr wrap="square" rtlCol="0">
+            <a:spAutoFit/>
+          </a:bodyPr>
+          <a:lstStyle/>
+          <a:p>
+            <a:r>
+              <a:rPr lang="fr-FR" sz="1100" dirty="0">
+                <a:latin typeface="Stubble bold" panose="02000806030000020004" pitchFamily="2" charset="0"/>
+              </a:rPr>
+              <a:t>Zombie Zone</a:t>
+            </a:r>
+          </a:p>
+        </p:txBody>
+      </p:sp>
+      <p:sp>
+        <p:nvSpPr>
+          <p:cNvPr id="17" name="Ellipse 16">
+            <a:extLst>
+              <a:ext uri="{FF2B5EF4-FFF2-40B4-BE49-F238E27FC236}">
+                <a16:creationId xmlns:a16="http://schemas.microsoft.com/office/drawing/2014/main" id="{E6C434ED-A228-FA59-749E-ED991DC6D0FF}"/>
+              </a:ext>
+            </a:extLst>
+          </p:cNvPr>
+          <p:cNvSpPr/>
+          <p:nvPr/>
+        </p:nvSpPr>
+        <p:spPr>
+          <a:xfrm>
+            <a:off x="1607294" y="4849481"/>
+            <a:ext cx="295686" cy="295686"/>
+          </a:xfrm>
+          <a:prstGeom prst="ellipse">
+            <a:avLst/>
+          </a:prstGeom>
+          <a:solidFill>
+            <a:srgbClr val="F8CECC"/>
+          </a:solidFill>
+          <a:ln w="9525">
+            <a:solidFill>
+              <a:srgbClr val="C87976"/>
+            </a:solidFill>
+          </a:ln>
+        </p:spPr>
+        <p:style>
+          <a:lnRef idx="2">
+            <a:schemeClr val="accent1">
+              <a:shade val="15000"/>
+            </a:schemeClr>
+          </a:lnRef>
+          <a:fillRef idx="1">
+            <a:schemeClr val="accent1"/>
+          </a:fillRef>
+          <a:effectRef idx="0">
+            <a:schemeClr val="accent1"/>
+          </a:effectRef>
+          <a:fontRef idx="minor">
+            <a:schemeClr val="lt1"/>
+          </a:fontRef>
+        </p:style>
+        <p:txBody>
+          <a:bodyPr rtlCol="0" anchor="ctr"/>
+          <a:lstStyle/>
+          <a:p>
+            <a:pPr algn="ctr"/>
+            <a:endParaRPr lang="fr-FR"/>
+          </a:p>
+        </p:txBody>
+      </p:sp>
+      <p:sp>
+        <p:nvSpPr>
+          <p:cNvPr id="12" name="ZoneTexte 11">
+            <a:extLst>
+              <a:ext uri="{FF2B5EF4-FFF2-40B4-BE49-F238E27FC236}">
+                <a16:creationId xmlns:a16="http://schemas.microsoft.com/office/drawing/2014/main" id="{CD0A5173-5FC8-BB76-E2F1-C418ECDA52B9}"/>
+              </a:ext>
+            </a:extLst>
+          </p:cNvPr>
+          <p:cNvSpPr txBox="1"/>
+          <p:nvPr/>
+        </p:nvSpPr>
+        <p:spPr>
+          <a:xfrm>
+            <a:off x="1900999" y="5362332"/>
+            <a:ext cx="962025" cy="261610"/>
+          </a:xfrm>
+          <a:prstGeom prst="rect">
+            <a:avLst/>
+          </a:prstGeom>
+          <a:noFill/>
+        </p:spPr>
+        <p:txBody>
+          <a:bodyPr wrap="square" rtlCol="0">
+            <a:spAutoFit/>
+          </a:bodyPr>
+          <a:lstStyle/>
+          <a:p>
+            <a:r>
+              <a:rPr lang="fr-FR" sz="1100" dirty="0">
+                <a:latin typeface="Stubble bold" panose="02000806030000020004" pitchFamily="2" charset="0"/>
+              </a:rPr>
+              <a:t>Car</a:t>
+            </a:r>
+          </a:p>
+        </p:txBody>
+      </p:sp>
+      <p:sp>
+        <p:nvSpPr>
+          <p:cNvPr id="13" name="ZoneTexte 12">
+            <a:extLst>
+              <a:ext uri="{FF2B5EF4-FFF2-40B4-BE49-F238E27FC236}">
+                <a16:creationId xmlns:a16="http://schemas.microsoft.com/office/drawing/2014/main" id="{10DB90FE-1361-583E-0A38-0F245A76BE46}"/>
+              </a:ext>
+            </a:extLst>
+          </p:cNvPr>
+          <p:cNvSpPr txBox="1"/>
+          <p:nvPr/>
+        </p:nvSpPr>
+        <p:spPr>
+          <a:xfrm>
+            <a:off x="6166194" y="2239150"/>
+            <a:ext cx="962025" cy="369332"/>
+          </a:xfrm>
+          <a:prstGeom prst="rect">
+            <a:avLst/>
+          </a:prstGeom>
+          <a:noFill/>
+        </p:spPr>
+        <p:txBody>
+          <a:bodyPr wrap="square" rtlCol="0">
+            <a:spAutoFit/>
+          </a:bodyPr>
+          <a:lstStyle/>
+          <a:p>
+            <a:r>
+              <a:rPr lang="fr-FR" dirty="0">
+                <a:solidFill>
+                  <a:schemeClr val="bg1"/>
+                </a:solidFill>
+                <a:latin typeface="Stubble bold" panose="02000806030000020004" pitchFamily="2" charset="0"/>
+              </a:rPr>
+              <a:t>Dock</a:t>
+            </a:r>
+          </a:p>
+        </p:txBody>
+      </p:sp>
+      <p:cxnSp>
+        <p:nvCxnSpPr>
+          <p:cNvPr id="14" name="Connecteur droit avec flèche 13">
+            <a:extLst>
+              <a:ext uri="{FF2B5EF4-FFF2-40B4-BE49-F238E27FC236}">
+                <a16:creationId xmlns:a16="http://schemas.microsoft.com/office/drawing/2014/main" id="{1CE89D2C-AEB0-7CBF-EBAD-8E65D76925ED}"/>
+              </a:ext>
+            </a:extLst>
+          </p:cNvPr>
+          <p:cNvCxnSpPr>
+            <a:cxnSpLocks/>
+          </p:cNvCxnSpPr>
+          <p:nvPr/>
+        </p:nvCxnSpPr>
+        <p:spPr>
+          <a:xfrm flipH="1">
+            <a:off x="6205259" y="4226171"/>
+            <a:ext cx="922960" cy="0"/>
+          </a:xfrm>
+          <a:prstGeom prst="straightConnector1">
+            <a:avLst/>
+          </a:prstGeom>
+          <a:ln w="76200">
+            <a:solidFill>
+              <a:schemeClr val="bg1"/>
+            </a:solidFill>
+            <a:tailEnd type="triangle"/>
+          </a:ln>
+        </p:spPr>
+        <p:style>
+          <a:lnRef idx="2">
+            <a:schemeClr val="accent1"/>
+          </a:lnRef>
+          <a:fillRef idx="0">
+            <a:schemeClr val="accent1"/>
+          </a:fillRef>
+          <a:effectRef idx="1">
+            <a:schemeClr val="accent1"/>
+          </a:effectRef>
+          <a:fontRef idx="minor">
+            <a:schemeClr val="tx1"/>
+          </a:fontRef>
+        </p:style>
+      </p:cxnSp>
+      <p:sp>
+        <p:nvSpPr>
+          <p:cNvPr id="15" name="ZoneTexte 14">
+            <a:extLst>
+              <a:ext uri="{FF2B5EF4-FFF2-40B4-BE49-F238E27FC236}">
+                <a16:creationId xmlns:a16="http://schemas.microsoft.com/office/drawing/2014/main" id="{588FD6F2-7F90-ED43-44F3-DF6D37F4052B}"/>
+              </a:ext>
+            </a:extLst>
+          </p:cNvPr>
+          <p:cNvSpPr txBox="1"/>
+          <p:nvPr/>
+        </p:nvSpPr>
+        <p:spPr>
+          <a:xfrm>
+            <a:off x="7191375" y="3998255"/>
+            <a:ext cx="962025" cy="646331"/>
+          </a:xfrm>
+          <a:prstGeom prst="rect">
+            <a:avLst/>
+          </a:prstGeom>
+          <a:noFill/>
+        </p:spPr>
+        <p:txBody>
+          <a:bodyPr wrap="square" rtlCol="0">
+            <a:spAutoFit/>
+          </a:bodyPr>
+          <a:lstStyle/>
+          <a:p>
+            <a:r>
+              <a:rPr lang="fr-FR" dirty="0">
+                <a:solidFill>
+                  <a:schemeClr val="bg1"/>
+                </a:solidFill>
+                <a:latin typeface="Stubble bold" panose="02000806030000020004" pitchFamily="2" charset="0"/>
+              </a:rPr>
+              <a:t>To the Hall</a:t>
+            </a:r>
+          </a:p>
+        </p:txBody>
+      </p:sp>
+      <p:cxnSp>
+        <p:nvCxnSpPr>
+          <p:cNvPr id="18" name="Connecteur droit avec flèche 17">
+            <a:extLst>
+              <a:ext uri="{FF2B5EF4-FFF2-40B4-BE49-F238E27FC236}">
+                <a16:creationId xmlns:a16="http://schemas.microsoft.com/office/drawing/2014/main" id="{A54070A9-2CA6-EFBF-4221-A6FA67ECB960}"/>
+              </a:ext>
+            </a:extLst>
+          </p:cNvPr>
+          <p:cNvCxnSpPr>
+            <a:cxnSpLocks/>
+          </p:cNvCxnSpPr>
+          <p:nvPr/>
+        </p:nvCxnSpPr>
+        <p:spPr>
+          <a:xfrm flipH="1">
+            <a:off x="3938309" y="2467066"/>
+            <a:ext cx="922960" cy="0"/>
+          </a:xfrm>
+          <a:prstGeom prst="straightConnector1">
+            <a:avLst/>
+          </a:prstGeom>
+          <a:ln w="76200">
+            <a:solidFill>
+              <a:schemeClr val="bg1"/>
+            </a:solidFill>
+            <a:tailEnd type="triangle"/>
+          </a:ln>
+        </p:spPr>
+        <p:style>
+          <a:lnRef idx="2">
+            <a:schemeClr val="accent1"/>
+          </a:lnRef>
+          <a:fillRef idx="0">
+            <a:schemeClr val="accent1"/>
+          </a:fillRef>
+          <a:effectRef idx="1">
+            <a:schemeClr val="accent1"/>
+          </a:effectRef>
+          <a:fontRef idx="minor">
+            <a:schemeClr val="tx1"/>
+          </a:fontRef>
+        </p:style>
+      </p:cxnSp>
+      <p:sp>
+        <p:nvSpPr>
+          <p:cNvPr id="19" name="ZoneTexte 18">
+            <a:extLst>
+              <a:ext uri="{FF2B5EF4-FFF2-40B4-BE49-F238E27FC236}">
+                <a16:creationId xmlns:a16="http://schemas.microsoft.com/office/drawing/2014/main" id="{988B1BD7-DCCF-460A-8A13-97EAF3842EEA}"/>
+              </a:ext>
+            </a:extLst>
+          </p:cNvPr>
+          <p:cNvSpPr txBox="1"/>
+          <p:nvPr/>
+        </p:nvSpPr>
+        <p:spPr>
+          <a:xfrm>
+            <a:off x="4924425" y="2239150"/>
+            <a:ext cx="962025" cy="646331"/>
+          </a:xfrm>
+          <a:prstGeom prst="rect">
+            <a:avLst/>
+          </a:prstGeom>
+          <a:noFill/>
+        </p:spPr>
+        <p:txBody>
+          <a:bodyPr wrap="square" rtlCol="0">
+            <a:spAutoFit/>
+          </a:bodyPr>
+          <a:lstStyle/>
+          <a:p>
+            <a:r>
+              <a:rPr lang="fr-FR" dirty="0">
+                <a:solidFill>
+                  <a:schemeClr val="bg1"/>
+                </a:solidFill>
+                <a:latin typeface="Stubble bold" panose="02000806030000020004" pitchFamily="2" charset="0"/>
+              </a:rPr>
+              <a:t>To the Hall</a:t>
+            </a:r>
+          </a:p>
+        </p:txBody>
+      </p:sp>
+    </p:spTree>
+    <p:extLst>
+      <p:ext uri="{BB962C8B-B14F-4D97-AF65-F5344CB8AC3E}">
+        <p14:creationId xmlns:p14="http://schemas.microsoft.com/office/powerpoint/2010/main" val="1844114786"/>
+      </p:ext>
+    </p:extLst>
+  </p:cSld>
+  <p:clrMapOvr>
+    <a:masterClrMapping/>
+  </p:clrMapOvr>
+</p:sld>
+</file>
+
+<file path=ppt/slides/slide6.xml><?xml version="1.0" encoding="utf-8"?>
+<p:sld xmlns:a="http://schemas.openxmlformats.org/drawingml/2006/main" xmlns:r="http://schemas.openxmlformats.org/officeDocument/2006/relationships" xmlns:p="http://schemas.openxmlformats.org/presentationml/2006/main">
+  <p:cSld>
+    <p:spTree>
+      <p:nvGrpSpPr>
+        <p:cNvPr id="1" name="">
+          <a:extLst>
+            <a:ext uri="{FF2B5EF4-FFF2-40B4-BE49-F238E27FC236}">
+              <a16:creationId xmlns:a16="http://schemas.microsoft.com/office/drawing/2014/main" id="{B3D1EBB0-DBC3-89F9-8D31-5E5AA5061F1C}"/>
+            </a:ext>
+          </a:extLst>
+        </p:cNvPr>
+        <p:cNvGrpSpPr/>
+        <p:nvPr/>
+      </p:nvGrpSpPr>
+      <p:grpSpPr>
+        <a:xfrm>
+          <a:off x="0" y="0"/>
+          <a:ext cx="0" cy="0"/>
+          <a:chOff x="0" y="0"/>
+          <a:chExt cx="0" cy="0"/>
+        </a:xfrm>
+      </p:grpSpPr>
+      <p:sp>
+        <p:nvSpPr>
+          <p:cNvPr id="2" name="Titre 1">
+            <a:extLst>
+              <a:ext uri="{FF2B5EF4-FFF2-40B4-BE49-F238E27FC236}">
+                <a16:creationId xmlns:a16="http://schemas.microsoft.com/office/drawing/2014/main" id="{04C77E25-5D8F-2CAF-10C8-E8385FE24DDC}"/>
+              </a:ext>
+            </a:extLst>
+          </p:cNvPr>
+          <p:cNvSpPr>
+            <a:spLocks noGrp="1"/>
+          </p:cNvSpPr>
+          <p:nvPr>
+            <p:ph type="title"/>
+          </p:nvPr>
+        </p:nvSpPr>
+        <p:spPr/>
+        <p:txBody>
+          <a:bodyPr/>
+          <a:lstStyle/>
+          <a:p>
+            <a:r>
+              <a:rPr lang="fr-FR" dirty="0" err="1"/>
+              <a:t>Layout</a:t>
+            </a:r>
+            <a:r>
+              <a:rPr lang="fr-FR" dirty="0"/>
+              <a:t> : </a:t>
+            </a:r>
+            <a:r>
+              <a:rPr lang="fr-FR" dirty="0" err="1"/>
+              <a:t>Floor</a:t>
+            </a:r>
+            <a:r>
+              <a:rPr lang="fr-FR" dirty="0"/>
+              <a:t> </a:t>
+            </a:r>
+            <a:r>
+              <a:rPr lang="fr-FR" dirty="0">
+                <a:latin typeface="Stubble bold" panose="02000806030000020004" pitchFamily="2" charset="0"/>
+              </a:rPr>
+              <a:t>-</a:t>
+            </a:r>
+            <a:r>
+              <a:rPr lang="fr-FR" dirty="0"/>
+              <a:t>2</a:t>
+            </a:r>
+          </a:p>
+        </p:txBody>
+      </p:sp>
+      <p:sp>
+        <p:nvSpPr>
+          <p:cNvPr id="3" name="Espace réservé du pied de page 2">
+            <a:extLst>
+              <a:ext uri="{FF2B5EF4-FFF2-40B4-BE49-F238E27FC236}">
+                <a16:creationId xmlns:a16="http://schemas.microsoft.com/office/drawing/2014/main" id="{72E8AA68-8225-DF99-0A22-2A462ACF3FE3}"/>
+              </a:ext>
+            </a:extLst>
+          </p:cNvPr>
+          <p:cNvSpPr>
+            <a:spLocks noGrp="1"/>
+          </p:cNvSpPr>
+          <p:nvPr>
+            <p:ph type="ftr" sz="quarter" idx="11"/>
+          </p:nvPr>
+        </p:nvSpPr>
+        <p:spPr/>
+        <p:txBody>
+          <a:bodyPr/>
+          <a:lstStyle/>
+          <a:p>
+            <a:r>
+              <a:rPr lang="fr-FR"/>
+              <a:t>BALLANZA CANTE : Left4Dead2 Blockout</a:t>
+            </a:r>
+          </a:p>
+        </p:txBody>
+      </p:sp>
+      <p:sp>
+        <p:nvSpPr>
+          <p:cNvPr id="4" name="Espace réservé du numéro de diapositive 3">
+            <a:extLst>
+              <a:ext uri="{FF2B5EF4-FFF2-40B4-BE49-F238E27FC236}">
+                <a16:creationId xmlns:a16="http://schemas.microsoft.com/office/drawing/2014/main" id="{C68FB8BC-1AD7-CE08-0132-630DDA2DAAE6}"/>
+              </a:ext>
+            </a:extLst>
+          </p:cNvPr>
+          <p:cNvSpPr>
+            <a:spLocks noGrp="1"/>
+          </p:cNvSpPr>
+          <p:nvPr>
+            <p:ph type="sldNum" sz="quarter" idx="12"/>
+          </p:nvPr>
+        </p:nvSpPr>
+        <p:spPr/>
+        <p:txBody>
+          <a:bodyPr/>
+          <a:lstStyle/>
+          <a:p>
+            <a:fld id="{0F8D06F7-CC5E-4A93-BD41-B1F89298AFFC}" type="slidenum">
+              <a:rPr lang="fr-FR" smtClean="0"/>
+              <a:t>6</a:t>
+            </a:fld>
+            <a:endParaRPr lang="fr-FR"/>
+          </a:p>
+        </p:txBody>
+      </p:sp>
+      <p:pic>
+        <p:nvPicPr>
+          <p:cNvPr id="5" name="Image 4" descr="Une image contenant Police, texte, Graphique, logo&#10;&#10;Le contenu généré par l’IA peut être incorrect.">
+            <a:extLst>
+              <a:ext uri="{FF2B5EF4-FFF2-40B4-BE49-F238E27FC236}">
+                <a16:creationId xmlns:a16="http://schemas.microsoft.com/office/drawing/2014/main" id="{71B9D025-1AB0-6D9E-BF03-E6E78E8572A7}"/>
+              </a:ext>
+            </a:extLst>
+          </p:cNvPr>
+          <p:cNvPicPr>
+            <a:picLocks noChangeAspect="1"/>
+          </p:cNvPicPr>
+          <p:nvPr/>
+        </p:nvPicPr>
+        <p:blipFill>
+          <a:blip r:embed="rId2">
+            <a:extLst>
+              <a:ext uri="{28A0092B-C50C-407E-A947-70E740481C1C}">
+                <a14:useLocalDpi xmlns:a14="http://schemas.microsoft.com/office/drawing/2010/main" val="0"/>
+              </a:ext>
+            </a:extLst>
+          </a:blip>
+          <a:stretch>
+            <a:fillRect/>
+          </a:stretch>
+        </p:blipFill>
+        <p:spPr>
+          <a:xfrm>
+            <a:off x="142925" y="6492875"/>
+            <a:ext cx="762331" cy="258322"/>
+          </a:xfrm>
+          <a:prstGeom prst="rect">
+            <a:avLst/>
+          </a:prstGeom>
+        </p:spPr>
+      </p:pic>
+      <p:pic>
+        <p:nvPicPr>
+          <p:cNvPr id="7" name="Image 6" descr="Une image contenant capture d’écran, conception&#10;&#10;Le contenu généré par l’IA peut être incorrect.">
+            <a:extLst>
+              <a:ext uri="{FF2B5EF4-FFF2-40B4-BE49-F238E27FC236}">
+                <a16:creationId xmlns:a16="http://schemas.microsoft.com/office/drawing/2014/main" id="{612344CD-871E-98D0-9284-B0882E283720}"/>
+              </a:ext>
+            </a:extLst>
+          </p:cNvPr>
+          <p:cNvPicPr>
+            <a:picLocks noChangeAspect="1"/>
+          </p:cNvPicPr>
+          <p:nvPr/>
+        </p:nvPicPr>
+        <p:blipFill>
+          <a:blip r:embed="rId3">
+            <a:extLst>
+              <a:ext uri="{28A0092B-C50C-407E-A947-70E740481C1C}">
+                <a14:useLocalDpi xmlns:a14="http://schemas.microsoft.com/office/drawing/2010/main" val="0"/>
+              </a:ext>
+            </a:extLst>
+          </a:blip>
+          <a:stretch>
+            <a:fillRect/>
+          </a:stretch>
+        </p:blipFill>
+        <p:spPr>
+          <a:xfrm>
+            <a:off x="1366266" y="594359"/>
+            <a:ext cx="8457412" cy="4982337"/>
+          </a:xfrm>
+          <a:prstGeom prst="rect">
+            <a:avLst/>
+          </a:prstGeom>
+        </p:spPr>
+      </p:pic>
+      <p:pic>
+        <p:nvPicPr>
+          <p:cNvPr id="9" name="Image 8" descr="Une image contenant capture d’écran&#10;&#10;Le contenu généré par l’IA peut être incorrect.">
+            <a:extLst>
+              <a:ext uri="{FF2B5EF4-FFF2-40B4-BE49-F238E27FC236}">
+                <a16:creationId xmlns:a16="http://schemas.microsoft.com/office/drawing/2014/main" id="{03045790-1F99-6E73-D1F0-B79BCA9E3DB9}"/>
+              </a:ext>
+            </a:extLst>
+          </p:cNvPr>
+          <p:cNvPicPr>
+            <a:picLocks noChangeAspect="1"/>
+          </p:cNvPicPr>
+          <p:nvPr/>
+        </p:nvPicPr>
+        <p:blipFill>
+          <a:blip r:embed="rId4">
+            <a:extLst>
+              <a:ext uri="{28A0092B-C50C-407E-A947-70E740481C1C}">
+                <a14:useLocalDpi xmlns:a14="http://schemas.microsoft.com/office/drawing/2010/main" val="0"/>
+              </a:ext>
+            </a:extLst>
+          </a:blip>
+          <a:stretch>
+            <a:fillRect/>
+          </a:stretch>
+        </p:blipFill>
+        <p:spPr>
+          <a:xfrm>
+            <a:off x="8377075" y="4215384"/>
+            <a:ext cx="1323284" cy="1480818"/>
+          </a:xfrm>
+          <a:prstGeom prst="rect">
+            <a:avLst/>
+          </a:prstGeom>
+        </p:spPr>
+      </p:pic>
+      <p:sp>
+        <p:nvSpPr>
+          <p:cNvPr id="10" name="ZoneTexte 9">
+            <a:extLst>
+              <a:ext uri="{FF2B5EF4-FFF2-40B4-BE49-F238E27FC236}">
+                <a16:creationId xmlns:a16="http://schemas.microsoft.com/office/drawing/2014/main" id="{D15E85E1-5CD6-4631-B214-C33E7217FDE5}"/>
+              </a:ext>
+            </a:extLst>
+          </p:cNvPr>
+          <p:cNvSpPr txBox="1"/>
+          <p:nvPr/>
+        </p:nvSpPr>
+        <p:spPr>
+          <a:xfrm>
+            <a:off x="9626713" y="4282997"/>
+            <a:ext cx="962025" cy="261610"/>
+          </a:xfrm>
+          <a:prstGeom prst="rect">
+            <a:avLst/>
+          </a:prstGeom>
+          <a:noFill/>
+        </p:spPr>
+        <p:txBody>
+          <a:bodyPr wrap="square" rtlCol="0">
+            <a:spAutoFit/>
+          </a:bodyPr>
+          <a:lstStyle/>
+          <a:p>
+            <a:r>
+              <a:rPr lang="fr-FR" sz="1100" dirty="0">
+                <a:latin typeface="Stubble bold" panose="02000806030000020004" pitchFamily="2" charset="0"/>
+              </a:rPr>
+              <a:t>Car</a:t>
+            </a:r>
+          </a:p>
+        </p:txBody>
+      </p:sp>
+      <p:sp>
+        <p:nvSpPr>
+          <p:cNvPr id="11" name="ZoneTexte 10">
+            <a:extLst>
+              <a:ext uri="{FF2B5EF4-FFF2-40B4-BE49-F238E27FC236}">
+                <a16:creationId xmlns:a16="http://schemas.microsoft.com/office/drawing/2014/main" id="{C4697837-8A58-D0C3-D7A2-A385CD65C302}"/>
+              </a:ext>
+            </a:extLst>
+          </p:cNvPr>
+          <p:cNvSpPr txBox="1"/>
+          <p:nvPr/>
+        </p:nvSpPr>
+        <p:spPr>
+          <a:xfrm>
+            <a:off x="9626713" y="4674786"/>
+            <a:ext cx="962025" cy="261610"/>
+          </a:xfrm>
+          <a:prstGeom prst="rect">
+            <a:avLst/>
+          </a:prstGeom>
+          <a:noFill/>
+        </p:spPr>
+        <p:txBody>
+          <a:bodyPr wrap="square" rtlCol="0">
+            <a:spAutoFit/>
+          </a:bodyPr>
+          <a:lstStyle/>
+          <a:p>
+            <a:r>
+              <a:rPr lang="fr-FR" sz="1100" dirty="0">
+                <a:latin typeface="Stubble bold" panose="02000806030000020004" pitchFamily="2" charset="0"/>
+              </a:rPr>
+              <a:t>Escalator</a:t>
+            </a:r>
+          </a:p>
+        </p:txBody>
+      </p:sp>
+      <p:sp>
+        <p:nvSpPr>
+          <p:cNvPr id="12" name="ZoneTexte 11">
+            <a:extLst>
+              <a:ext uri="{FF2B5EF4-FFF2-40B4-BE49-F238E27FC236}">
+                <a16:creationId xmlns:a16="http://schemas.microsoft.com/office/drawing/2014/main" id="{3260F014-616F-F405-F454-BFF370BF2DAD}"/>
+              </a:ext>
+            </a:extLst>
+          </p:cNvPr>
+          <p:cNvSpPr txBox="1"/>
+          <p:nvPr/>
+        </p:nvSpPr>
+        <p:spPr>
+          <a:xfrm>
+            <a:off x="9626713" y="5126326"/>
+            <a:ext cx="962025" cy="261610"/>
+          </a:xfrm>
+          <a:prstGeom prst="rect">
+            <a:avLst/>
+          </a:prstGeom>
+          <a:noFill/>
+        </p:spPr>
+        <p:txBody>
+          <a:bodyPr wrap="square" rtlCol="0">
+            <a:spAutoFit/>
+          </a:bodyPr>
+          <a:lstStyle/>
+          <a:p>
+            <a:r>
+              <a:rPr lang="fr-FR" sz="1100" dirty="0">
+                <a:latin typeface="Stubble bold" panose="02000806030000020004" pitchFamily="2" charset="0"/>
+              </a:rPr>
+              <a:t>Exit</a:t>
+            </a:r>
+          </a:p>
+        </p:txBody>
+      </p:sp>
+      <p:sp>
+        <p:nvSpPr>
+          <p:cNvPr id="13" name="ZoneTexte 12">
+            <a:extLst>
+              <a:ext uri="{FF2B5EF4-FFF2-40B4-BE49-F238E27FC236}">
+                <a16:creationId xmlns:a16="http://schemas.microsoft.com/office/drawing/2014/main" id="{FF3F52E0-9646-1B57-6DD3-AB167A1EB2F7}"/>
+              </a:ext>
+            </a:extLst>
+          </p:cNvPr>
+          <p:cNvSpPr txBox="1"/>
+          <p:nvPr/>
+        </p:nvSpPr>
+        <p:spPr>
+          <a:xfrm>
+            <a:off x="9626713" y="5460391"/>
+            <a:ext cx="1199021" cy="261610"/>
+          </a:xfrm>
+          <a:prstGeom prst="rect">
+            <a:avLst/>
+          </a:prstGeom>
+          <a:noFill/>
+        </p:spPr>
+        <p:txBody>
+          <a:bodyPr wrap="square" rtlCol="0">
+            <a:spAutoFit/>
+          </a:bodyPr>
+          <a:lstStyle/>
+          <a:p>
+            <a:r>
+              <a:rPr lang="fr-FR" sz="1100" dirty="0">
+                <a:latin typeface="Stubble bold" panose="02000806030000020004" pitchFamily="2" charset="0"/>
+              </a:rPr>
+              <a:t>Zombie Zone</a:t>
+            </a:r>
+          </a:p>
+        </p:txBody>
+      </p:sp>
+      <p:cxnSp>
+        <p:nvCxnSpPr>
+          <p:cNvPr id="15" name="Connecteur droit avec flèche 14">
+            <a:extLst>
+              <a:ext uri="{FF2B5EF4-FFF2-40B4-BE49-F238E27FC236}">
+                <a16:creationId xmlns:a16="http://schemas.microsoft.com/office/drawing/2014/main" id="{41BA8CB7-3B26-75CC-67F5-AD925311730F}"/>
+              </a:ext>
+            </a:extLst>
+          </p:cNvPr>
+          <p:cNvCxnSpPr>
+            <a:cxnSpLocks/>
+          </p:cNvCxnSpPr>
+          <p:nvPr/>
+        </p:nvCxnSpPr>
+        <p:spPr>
+          <a:xfrm flipH="1">
+            <a:off x="2181618" y="3967391"/>
+            <a:ext cx="1098502" cy="577216"/>
+          </a:xfrm>
+          <a:prstGeom prst="straightConnector1">
+            <a:avLst/>
+          </a:prstGeom>
+          <a:ln w="76200">
+            <a:solidFill>
+              <a:schemeClr val="bg1"/>
+            </a:solidFill>
+            <a:tailEnd type="triangle"/>
+          </a:ln>
+        </p:spPr>
+        <p:style>
+          <a:lnRef idx="2">
+            <a:schemeClr val="accent1"/>
+          </a:lnRef>
+          <a:fillRef idx="0">
+            <a:schemeClr val="accent1"/>
+          </a:fillRef>
+          <a:effectRef idx="1">
+            <a:schemeClr val="accent1"/>
+          </a:effectRef>
+          <a:fontRef idx="minor">
+            <a:schemeClr val="tx1"/>
+          </a:fontRef>
+        </p:style>
+      </p:cxnSp>
+      <p:sp>
+        <p:nvSpPr>
+          <p:cNvPr id="16" name="ZoneTexte 15">
+            <a:extLst>
+              <a:ext uri="{FF2B5EF4-FFF2-40B4-BE49-F238E27FC236}">
+                <a16:creationId xmlns:a16="http://schemas.microsoft.com/office/drawing/2014/main" id="{87E8DA6C-1160-D22C-5418-4F8995AF75F9}"/>
+              </a:ext>
+            </a:extLst>
+          </p:cNvPr>
+          <p:cNvSpPr txBox="1"/>
+          <p:nvPr/>
+        </p:nvSpPr>
+        <p:spPr>
+          <a:xfrm>
+            <a:off x="3300135" y="3644225"/>
+            <a:ext cx="962025" cy="646331"/>
+          </a:xfrm>
+          <a:prstGeom prst="rect">
+            <a:avLst/>
+          </a:prstGeom>
+          <a:noFill/>
+        </p:spPr>
+        <p:txBody>
+          <a:bodyPr wrap="square" rtlCol="0">
+            <a:spAutoFit/>
+          </a:bodyPr>
+          <a:lstStyle/>
+          <a:p>
+            <a:r>
+              <a:rPr lang="fr-FR" dirty="0">
+                <a:solidFill>
+                  <a:schemeClr val="bg1"/>
+                </a:solidFill>
+                <a:latin typeface="Stubble bold" panose="02000806030000020004" pitchFamily="2" charset="0"/>
+              </a:rPr>
+              <a:t>To the Hall</a:t>
+            </a:r>
+          </a:p>
+        </p:txBody>
+      </p:sp>
+      <p:sp>
+        <p:nvSpPr>
+          <p:cNvPr id="19" name="ZoneTexte 18">
+            <a:extLst>
+              <a:ext uri="{FF2B5EF4-FFF2-40B4-BE49-F238E27FC236}">
+                <a16:creationId xmlns:a16="http://schemas.microsoft.com/office/drawing/2014/main" id="{367C49C9-D175-779E-ED12-A96F9D927F40}"/>
+              </a:ext>
+            </a:extLst>
+          </p:cNvPr>
+          <p:cNvSpPr txBox="1"/>
+          <p:nvPr/>
+        </p:nvSpPr>
+        <p:spPr>
+          <a:xfrm>
+            <a:off x="5594694" y="2416676"/>
+            <a:ext cx="962025" cy="369332"/>
+          </a:xfrm>
+          <a:prstGeom prst="rect">
+            <a:avLst/>
+          </a:prstGeom>
+          <a:noFill/>
+        </p:spPr>
+        <p:txBody>
+          <a:bodyPr wrap="square" rtlCol="0">
+            <a:spAutoFit/>
+          </a:bodyPr>
+          <a:lstStyle/>
+          <a:p>
+            <a:r>
+              <a:rPr lang="fr-FR" dirty="0">
+                <a:solidFill>
+                  <a:schemeClr val="bg1"/>
+                </a:solidFill>
+                <a:latin typeface="Stubble bold" panose="02000806030000020004" pitchFamily="2" charset="0"/>
+              </a:rPr>
+              <a:t>Dock</a:t>
+            </a:r>
+          </a:p>
+        </p:txBody>
+      </p:sp>
+    </p:spTree>
+    <p:extLst>
+      <p:ext uri="{BB962C8B-B14F-4D97-AF65-F5344CB8AC3E}">
+        <p14:creationId xmlns:p14="http://schemas.microsoft.com/office/powerpoint/2010/main" val="2778585821"/>
+      </p:ext>
+    </p:extLst>
+  </p:cSld>
+  <p:clrMapOvr>
+    <a:masterClrMapping/>
+  </p:clrMapOvr>
+</p:sld>
+</file>
+
+<file path=ppt/slides/slide7.xml><?xml version="1.0" encoding="utf-8"?>
+<p:sld xmlns:a="http://schemas.openxmlformats.org/drawingml/2006/main" xmlns:r="http://schemas.openxmlformats.org/officeDocument/2006/relationships" xmlns:p="http://schemas.openxmlformats.org/presentationml/2006/main">
+  <p:cSld>
+    <p:spTree>
+      <p:nvGrpSpPr>
+        <p:cNvPr id="1" name=""/>
+        <p:cNvGrpSpPr/>
+        <p:nvPr/>
+      </p:nvGrpSpPr>
+      <p:grpSpPr>
+        <a:xfrm>
+          <a:off x="0" y="0"/>
+          <a:ext cx="0" cy="0"/>
+          <a:chOff x="0" y="0"/>
+          <a:chExt cx="0" cy="0"/>
+        </a:xfrm>
+      </p:grpSpPr>
+      <p:sp>
+        <p:nvSpPr>
+          <p:cNvPr id="2" name="Titre 1">
+            <a:extLst>
+              <a:ext uri="{FF2B5EF4-FFF2-40B4-BE49-F238E27FC236}">
+                <a16:creationId xmlns:a16="http://schemas.microsoft.com/office/drawing/2014/main" id="{3BAF9AA5-CC90-9F8A-A518-09B95F9528F9}"/>
+              </a:ext>
+            </a:extLst>
+          </p:cNvPr>
+          <p:cNvSpPr>
+            <a:spLocks noGrp="1"/>
+          </p:cNvSpPr>
+          <p:nvPr>
+            <p:ph type="title"/>
+          </p:nvPr>
+        </p:nvSpPr>
+        <p:spPr/>
+        <p:txBody>
+          <a:bodyPr/>
+          <a:lstStyle/>
+          <a:p>
+            <a:r>
+              <a:rPr lang="fr-FR" dirty="0" err="1"/>
+              <a:t>Step</a:t>
+            </a:r>
+            <a:r>
+              <a:rPr lang="fr-FR" dirty="0"/>
+              <a:t> By </a:t>
+            </a:r>
+            <a:r>
+              <a:rPr lang="fr-FR" dirty="0" err="1"/>
+              <a:t>Step</a:t>
+            </a:r>
+            <a:endParaRPr lang="fr-FR" dirty="0"/>
+          </a:p>
+        </p:txBody>
+      </p:sp>
+      <p:sp>
+        <p:nvSpPr>
+          <p:cNvPr id="3" name="Espace réservé du pied de page 2">
+            <a:extLst>
+              <a:ext uri="{FF2B5EF4-FFF2-40B4-BE49-F238E27FC236}">
+                <a16:creationId xmlns:a16="http://schemas.microsoft.com/office/drawing/2014/main" id="{F9986BD3-B1FD-5E77-9B64-91E0A85248DC}"/>
+              </a:ext>
+            </a:extLst>
+          </p:cNvPr>
+          <p:cNvSpPr>
+            <a:spLocks noGrp="1"/>
+          </p:cNvSpPr>
+          <p:nvPr>
+            <p:ph type="ftr" sz="quarter" idx="11"/>
+          </p:nvPr>
+        </p:nvSpPr>
+        <p:spPr/>
+        <p:txBody>
+          <a:bodyPr/>
+          <a:lstStyle/>
+          <a:p>
+            <a:r>
+              <a:rPr lang="fr-FR"/>
+              <a:t>BALLANZA CANTE : Left4Dead2 Blockout</a:t>
+            </a:r>
+          </a:p>
+        </p:txBody>
+      </p:sp>
+      <p:sp>
+        <p:nvSpPr>
+          <p:cNvPr id="4" name="Espace réservé du numéro de diapositive 3">
+            <a:extLst>
+              <a:ext uri="{FF2B5EF4-FFF2-40B4-BE49-F238E27FC236}">
+                <a16:creationId xmlns:a16="http://schemas.microsoft.com/office/drawing/2014/main" id="{46BBB669-DF1D-979C-3868-E10AA922A66C}"/>
+              </a:ext>
+            </a:extLst>
+          </p:cNvPr>
+          <p:cNvSpPr>
+            <a:spLocks noGrp="1"/>
+          </p:cNvSpPr>
+          <p:nvPr>
+            <p:ph type="sldNum" sz="quarter" idx="12"/>
+          </p:nvPr>
+        </p:nvSpPr>
+        <p:spPr/>
+        <p:txBody>
+          <a:bodyPr/>
+          <a:lstStyle/>
+          <a:p>
+            <a:fld id="{0F8D06F7-CC5E-4A93-BD41-B1F89298AFFC}" type="slidenum">
+              <a:rPr lang="fr-FR" smtClean="0"/>
+              <a:t>7</a:t>
+            </a:fld>
+            <a:endParaRPr lang="fr-FR"/>
+          </a:p>
+        </p:txBody>
+      </p:sp>
+      <p:pic>
+        <p:nvPicPr>
+          <p:cNvPr id="5" name="Image 4" descr="Une image contenant Graphique, capture d’écran, clipart, graphisme&#10;&#10;Le contenu généré par l’IA peut être incorrect.">
+            <a:extLst>
+              <a:ext uri="{FF2B5EF4-FFF2-40B4-BE49-F238E27FC236}">
+                <a16:creationId xmlns:a16="http://schemas.microsoft.com/office/drawing/2014/main" id="{B8AAB754-BE19-C5FB-3DE4-541434051AEB}"/>
+              </a:ext>
+            </a:extLst>
+          </p:cNvPr>
+          <p:cNvPicPr>
+            <a:picLocks noChangeAspect="1"/>
+          </p:cNvPicPr>
+          <p:nvPr/>
+        </p:nvPicPr>
+        <p:blipFill>
+          <a:blip r:embed="rId2">
+            <a:extLst>
+              <a:ext uri="{28A0092B-C50C-407E-A947-70E740481C1C}">
+                <a14:useLocalDpi xmlns:a14="http://schemas.microsoft.com/office/drawing/2010/main" val="0"/>
+              </a:ext>
+            </a:extLst>
+          </a:blip>
+          <a:stretch>
+            <a:fillRect/>
+          </a:stretch>
+        </p:blipFill>
+        <p:spPr>
+          <a:xfrm>
+            <a:off x="3971925" y="1065515"/>
+            <a:ext cx="6888924" cy="4871984"/>
+          </a:xfrm>
+          <a:prstGeom prst="rect">
+            <a:avLst/>
+          </a:prstGeom>
+        </p:spPr>
+      </p:pic>
+      <p:cxnSp>
+        <p:nvCxnSpPr>
+          <p:cNvPr id="7" name="Connecteur droit avec flèche 6">
+            <a:extLst>
+              <a:ext uri="{FF2B5EF4-FFF2-40B4-BE49-F238E27FC236}">
+                <a16:creationId xmlns:a16="http://schemas.microsoft.com/office/drawing/2014/main" id="{1116A59C-F678-4DC6-FFA9-718B500CB3D8}"/>
+              </a:ext>
+            </a:extLst>
+          </p:cNvPr>
+          <p:cNvCxnSpPr>
+            <a:cxnSpLocks/>
+          </p:cNvCxnSpPr>
+          <p:nvPr/>
+        </p:nvCxnSpPr>
+        <p:spPr>
+          <a:xfrm>
+            <a:off x="4162425" y="1543050"/>
+            <a:ext cx="1209675" cy="0"/>
+          </a:xfrm>
+          <a:prstGeom prst="straightConnector1">
+            <a:avLst/>
+          </a:prstGeom>
+          <a:ln>
+            <a:solidFill>
+              <a:schemeClr val="accent6">
+                <a:lumMod val="75000"/>
+              </a:schemeClr>
+            </a:solidFill>
+            <a:tailEnd type="triangle"/>
+          </a:ln>
+        </p:spPr>
+        <p:style>
+          <a:lnRef idx="2">
+            <a:schemeClr val="accent1"/>
+          </a:lnRef>
+          <a:fillRef idx="0">
+            <a:schemeClr val="accent1"/>
+          </a:fillRef>
+          <a:effectRef idx="1">
+            <a:schemeClr val="accent1"/>
+          </a:effectRef>
+          <a:fontRef idx="minor">
+            <a:schemeClr val="tx1"/>
+          </a:fontRef>
+        </p:style>
+      </p:cxnSp>
+      <p:cxnSp>
+        <p:nvCxnSpPr>
+          <p:cNvPr id="8" name="Connecteur droit avec flèche 7">
+            <a:extLst>
+              <a:ext uri="{FF2B5EF4-FFF2-40B4-BE49-F238E27FC236}">
+                <a16:creationId xmlns:a16="http://schemas.microsoft.com/office/drawing/2014/main" id="{C0A79AC6-80D4-BBD2-B6FD-7FB5B2D811E1}"/>
+              </a:ext>
+            </a:extLst>
+          </p:cNvPr>
+          <p:cNvCxnSpPr/>
+          <p:nvPr/>
+        </p:nvCxnSpPr>
+        <p:spPr>
+          <a:xfrm>
+            <a:off x="4629150" y="2228850"/>
+            <a:ext cx="742950" cy="0"/>
+          </a:xfrm>
+          <a:prstGeom prst="straightConnector1">
+            <a:avLst/>
+          </a:prstGeom>
+          <a:ln>
+            <a:solidFill>
+              <a:schemeClr val="accent6">
+                <a:lumMod val="75000"/>
+              </a:schemeClr>
+            </a:solidFill>
+            <a:tailEnd type="triangle"/>
+          </a:ln>
+        </p:spPr>
+        <p:style>
+          <a:lnRef idx="2">
+            <a:schemeClr val="accent1"/>
+          </a:lnRef>
+          <a:fillRef idx="0">
+            <a:schemeClr val="accent1"/>
+          </a:fillRef>
+          <a:effectRef idx="1">
+            <a:schemeClr val="accent1"/>
+          </a:effectRef>
+          <a:fontRef idx="minor">
+            <a:schemeClr val="tx1"/>
+          </a:fontRef>
+        </p:style>
+      </p:cxnSp>
+      <p:sp>
+        <p:nvSpPr>
+          <p:cNvPr id="10" name="Rectangle 9">
+            <a:extLst>
+              <a:ext uri="{FF2B5EF4-FFF2-40B4-BE49-F238E27FC236}">
+                <a16:creationId xmlns:a16="http://schemas.microsoft.com/office/drawing/2014/main" id="{7365D847-FA03-FDFE-0DAD-1935F5442B4D}"/>
+              </a:ext>
+            </a:extLst>
+          </p:cNvPr>
+          <p:cNvSpPr/>
+          <p:nvPr/>
+        </p:nvSpPr>
+        <p:spPr>
+          <a:xfrm>
+            <a:off x="5493545" y="1451489"/>
+            <a:ext cx="69056" cy="655915"/>
+          </a:xfrm>
+          <a:prstGeom prst="rect">
+            <a:avLst/>
+          </a:prstGeom>
+          <a:solidFill>
+            <a:schemeClr val="bg1"/>
+          </a:solidFill>
+          <a:ln>
+            <a:noFill/>
+          </a:ln>
+        </p:spPr>
+        <p:style>
+          <a:lnRef idx="2">
+            <a:schemeClr val="accent1">
+              <a:shade val="15000"/>
+            </a:schemeClr>
+          </a:lnRef>
+          <a:fillRef idx="1">
+            <a:schemeClr val="accent1"/>
+          </a:fillRef>
+          <a:effectRef idx="0">
+            <a:schemeClr val="accent1"/>
+          </a:effectRef>
+          <a:fontRef idx="minor">
+            <a:schemeClr val="lt1"/>
+          </a:fontRef>
+        </p:style>
+        <p:txBody>
+          <a:bodyPr rtlCol="0" anchor="ctr"/>
+          <a:lstStyle/>
+          <a:p>
+            <a:pPr algn="ctr"/>
+            <a:endParaRPr lang="fr-FR"/>
+          </a:p>
+        </p:txBody>
+      </p:sp>
+      <p:cxnSp>
+        <p:nvCxnSpPr>
+          <p:cNvPr id="11" name="Connecteur droit avec flèche 10">
+            <a:extLst>
+              <a:ext uri="{FF2B5EF4-FFF2-40B4-BE49-F238E27FC236}">
+                <a16:creationId xmlns:a16="http://schemas.microsoft.com/office/drawing/2014/main" id="{3FC5A65D-C451-E745-890E-1504711C4E94}"/>
+              </a:ext>
+            </a:extLst>
+          </p:cNvPr>
+          <p:cNvCxnSpPr>
+            <a:cxnSpLocks/>
+          </p:cNvCxnSpPr>
+          <p:nvPr/>
+        </p:nvCxnSpPr>
+        <p:spPr>
+          <a:xfrm flipH="1">
+            <a:off x="4504151" y="1587526"/>
+            <a:ext cx="742950" cy="655915"/>
+          </a:xfrm>
+          <a:prstGeom prst="straightConnector1">
+            <a:avLst/>
+          </a:prstGeom>
+          <a:ln>
+            <a:solidFill>
+              <a:schemeClr val="accent6">
+                <a:lumMod val="75000"/>
+              </a:schemeClr>
+            </a:solidFill>
+            <a:tailEnd type="triangle"/>
+          </a:ln>
+        </p:spPr>
+        <p:style>
+          <a:lnRef idx="2">
+            <a:schemeClr val="accent1"/>
+          </a:lnRef>
+          <a:fillRef idx="0">
+            <a:schemeClr val="accent1"/>
+          </a:fillRef>
+          <a:effectRef idx="1">
+            <a:schemeClr val="accent1"/>
+          </a:effectRef>
+          <a:fontRef idx="minor">
+            <a:schemeClr val="tx1"/>
+          </a:fontRef>
+        </p:style>
+      </p:cxnSp>
+      <p:cxnSp>
+        <p:nvCxnSpPr>
+          <p:cNvPr id="14" name="Connecteur droit avec flèche 13">
+            <a:extLst>
+              <a:ext uri="{FF2B5EF4-FFF2-40B4-BE49-F238E27FC236}">
+                <a16:creationId xmlns:a16="http://schemas.microsoft.com/office/drawing/2014/main" id="{B7D90B67-1F30-7102-3DEF-504705D4104B}"/>
+              </a:ext>
+            </a:extLst>
+          </p:cNvPr>
+          <p:cNvCxnSpPr>
+            <a:cxnSpLocks/>
+          </p:cNvCxnSpPr>
+          <p:nvPr/>
+        </p:nvCxnSpPr>
+        <p:spPr>
+          <a:xfrm>
+            <a:off x="5619750" y="2219325"/>
+            <a:ext cx="538163" cy="0"/>
+          </a:xfrm>
+          <a:prstGeom prst="straightConnector1">
+            <a:avLst/>
+          </a:prstGeom>
+          <a:ln>
+            <a:solidFill>
+              <a:schemeClr val="accent6">
+                <a:lumMod val="75000"/>
+              </a:schemeClr>
+            </a:solidFill>
+            <a:tailEnd type="triangle"/>
+          </a:ln>
+        </p:spPr>
+        <p:style>
+          <a:lnRef idx="2">
+            <a:schemeClr val="accent1"/>
+          </a:lnRef>
+          <a:fillRef idx="0">
+            <a:schemeClr val="accent1"/>
+          </a:fillRef>
+          <a:effectRef idx="1">
+            <a:schemeClr val="accent1"/>
+          </a:effectRef>
+          <a:fontRef idx="minor">
+            <a:schemeClr val="tx1"/>
+          </a:fontRef>
+        </p:style>
+      </p:cxnSp>
+      <p:cxnSp>
+        <p:nvCxnSpPr>
+          <p:cNvPr id="17" name="Connecteur droit avec flèche 16">
+            <a:extLst>
+              <a:ext uri="{FF2B5EF4-FFF2-40B4-BE49-F238E27FC236}">
+                <a16:creationId xmlns:a16="http://schemas.microsoft.com/office/drawing/2014/main" id="{734FEE17-0A0D-C6BF-9410-34592A478119}"/>
+              </a:ext>
+            </a:extLst>
+          </p:cNvPr>
+          <p:cNvCxnSpPr>
+            <a:cxnSpLocks/>
+          </p:cNvCxnSpPr>
+          <p:nvPr/>
+        </p:nvCxnSpPr>
+        <p:spPr>
+          <a:xfrm flipV="1">
+            <a:off x="6257926" y="1633538"/>
+            <a:ext cx="371475" cy="408148"/>
+          </a:xfrm>
+          <a:prstGeom prst="straightConnector1">
+            <a:avLst/>
+          </a:prstGeom>
+          <a:ln>
+            <a:solidFill>
+              <a:schemeClr val="accent6">
+                <a:lumMod val="75000"/>
+              </a:schemeClr>
+            </a:solidFill>
+            <a:tailEnd type="triangle"/>
+          </a:ln>
+        </p:spPr>
+        <p:style>
+          <a:lnRef idx="2">
+            <a:schemeClr val="accent1"/>
+          </a:lnRef>
+          <a:fillRef idx="0">
+            <a:schemeClr val="accent1"/>
+          </a:fillRef>
+          <a:effectRef idx="1">
+            <a:schemeClr val="accent1"/>
+          </a:effectRef>
+          <a:fontRef idx="minor">
+            <a:schemeClr val="tx1"/>
+          </a:fontRef>
+        </p:style>
+      </p:cxnSp>
+      <p:cxnSp>
+        <p:nvCxnSpPr>
+          <p:cNvPr id="20" name="Connecteur droit avec flèche 19">
+            <a:extLst>
+              <a:ext uri="{FF2B5EF4-FFF2-40B4-BE49-F238E27FC236}">
+                <a16:creationId xmlns:a16="http://schemas.microsoft.com/office/drawing/2014/main" id="{BCA7DEB2-959F-2EB5-697C-FC4140E846AA}"/>
+              </a:ext>
+            </a:extLst>
+          </p:cNvPr>
+          <p:cNvCxnSpPr>
+            <a:cxnSpLocks/>
+          </p:cNvCxnSpPr>
+          <p:nvPr/>
+        </p:nvCxnSpPr>
+        <p:spPr>
+          <a:xfrm flipV="1">
+            <a:off x="6896102" y="1384814"/>
+            <a:ext cx="520285" cy="4410"/>
+          </a:xfrm>
+          <a:prstGeom prst="straightConnector1">
+            <a:avLst/>
+          </a:prstGeom>
+          <a:ln>
+            <a:solidFill>
+              <a:schemeClr val="accent6">
+                <a:lumMod val="75000"/>
+              </a:schemeClr>
+            </a:solidFill>
+            <a:tailEnd type="triangle"/>
+          </a:ln>
+        </p:spPr>
+        <p:style>
+          <a:lnRef idx="2">
+            <a:schemeClr val="accent1"/>
+          </a:lnRef>
+          <a:fillRef idx="0">
+            <a:schemeClr val="accent1"/>
+          </a:fillRef>
+          <a:effectRef idx="1">
+            <a:schemeClr val="accent1"/>
+          </a:effectRef>
+          <a:fontRef idx="minor">
+            <a:schemeClr val="tx1"/>
+          </a:fontRef>
+        </p:style>
+      </p:cxnSp>
+      <p:sp>
+        <p:nvSpPr>
+          <p:cNvPr id="22" name="ZoneTexte 21">
+            <a:extLst>
+              <a:ext uri="{FF2B5EF4-FFF2-40B4-BE49-F238E27FC236}">
+                <a16:creationId xmlns:a16="http://schemas.microsoft.com/office/drawing/2014/main" id="{E58668B7-666A-5E00-1C7E-8283BAC0E818}"/>
+              </a:ext>
+            </a:extLst>
+          </p:cNvPr>
+          <p:cNvSpPr txBox="1"/>
+          <p:nvPr/>
+        </p:nvSpPr>
+        <p:spPr>
+          <a:xfrm>
+            <a:off x="502446" y="3429000"/>
+            <a:ext cx="4991099" cy="923330"/>
+          </a:xfrm>
+          <a:prstGeom prst="rect">
+            <a:avLst/>
+          </a:prstGeom>
+          <a:noFill/>
+        </p:spPr>
+        <p:txBody>
+          <a:bodyPr wrap="square" rtlCol="0">
+            <a:spAutoFit/>
+          </a:bodyPr>
+          <a:lstStyle/>
+          <a:p>
+            <a:pPr marL="285750" indent="-285750">
+              <a:buFont typeface="Wingdings" panose="05000000000000000000" pitchFamily="2" charset="2"/>
+              <a:buChar char="ü"/>
+            </a:pPr>
+            <a:r>
+              <a:rPr lang="fr-FR" dirty="0" err="1">
+                <a:latin typeface="Stubble bold" panose="02000806030000020004" pitchFamily="2" charset="0"/>
+              </a:rPr>
+              <a:t>Step</a:t>
+            </a:r>
+            <a:r>
+              <a:rPr lang="fr-FR" dirty="0">
+                <a:latin typeface="Stubble bold" panose="02000806030000020004" pitchFamily="2" charset="0"/>
+              </a:rPr>
+              <a:t> 1 : Start in break room</a:t>
+            </a:r>
+          </a:p>
+          <a:p>
+            <a:pPr marL="285750" indent="-285750">
+              <a:buFont typeface="Wingdings" panose="05000000000000000000" pitchFamily="2" charset="2"/>
+              <a:buChar char="ü"/>
+            </a:pPr>
+            <a:r>
+              <a:rPr lang="fr-FR" dirty="0" err="1">
+                <a:latin typeface="Stubble bold" panose="02000806030000020004" pitchFamily="2" charset="0"/>
+              </a:rPr>
+              <a:t>Step</a:t>
+            </a:r>
+            <a:r>
+              <a:rPr lang="fr-FR" dirty="0">
+                <a:latin typeface="Stubble bold" panose="02000806030000020004" pitchFamily="2" charset="0"/>
+              </a:rPr>
+              <a:t> 2 : Enter in the train </a:t>
+            </a:r>
+            <a:r>
+              <a:rPr lang="fr-FR" dirty="0" err="1">
+                <a:latin typeface="Stubble bold" panose="02000806030000020004" pitchFamily="2" charset="0"/>
+              </a:rPr>
+              <a:t>ttation’s</a:t>
+            </a:r>
+            <a:r>
+              <a:rPr lang="fr-FR" dirty="0">
+                <a:latin typeface="Stubble bold" panose="02000806030000020004" pitchFamily="2" charset="0"/>
+              </a:rPr>
+              <a:t> hall</a:t>
+            </a:r>
+          </a:p>
+          <a:p>
+            <a:pPr marL="285750" indent="-285750">
+              <a:buFont typeface="Wingdings" panose="05000000000000000000" pitchFamily="2" charset="2"/>
+              <a:buChar char="ü"/>
+            </a:pPr>
+            <a:r>
+              <a:rPr lang="fr-FR" dirty="0" err="1">
+                <a:latin typeface="Stubble bold" panose="02000806030000020004" pitchFamily="2" charset="0"/>
+              </a:rPr>
+              <a:t>Step</a:t>
+            </a:r>
+            <a:r>
+              <a:rPr lang="fr-FR" dirty="0">
+                <a:latin typeface="Stubble bold" panose="02000806030000020004" pitchFamily="2" charset="0"/>
+              </a:rPr>
+              <a:t> 3 : Bypass by the docks </a:t>
+            </a:r>
+            <a:r>
+              <a:rPr lang="fr-FR" dirty="0" err="1">
+                <a:latin typeface="Stubble bold" panose="02000806030000020004" pitchFamily="2" charset="0"/>
+              </a:rPr>
+              <a:t>downstairs</a:t>
+            </a:r>
+            <a:endParaRPr lang="fr-FR" dirty="0">
+              <a:latin typeface="Stubble bold" panose="02000806030000020004" pitchFamily="2" charset="0"/>
+            </a:endParaRPr>
+          </a:p>
+        </p:txBody>
+      </p:sp>
+    </p:spTree>
+    <p:extLst>
+      <p:ext uri="{BB962C8B-B14F-4D97-AF65-F5344CB8AC3E}">
+        <p14:creationId xmlns:p14="http://schemas.microsoft.com/office/powerpoint/2010/main" val="304839996"/>
+      </p:ext>
+    </p:extLst>
+  </p:cSld>
+  <p:clrMapOvr>
+    <a:masterClrMapping/>
+  </p:clrMapOvr>
+</p:sld>
+</file>
+
+<file path=ppt/slides/slide8.xml><?xml version="1.0" encoding="utf-8"?>
+<p:sld xmlns:a="http://schemas.openxmlformats.org/drawingml/2006/main" xmlns:r="http://schemas.openxmlformats.org/officeDocument/2006/relationships" xmlns:p="http://schemas.openxmlformats.org/presentationml/2006/main">
+  <p:cSld>
+    <p:spTree>
+      <p:nvGrpSpPr>
+        <p:cNvPr id="1" name=""/>
+        <p:cNvGrpSpPr/>
+        <p:nvPr/>
+      </p:nvGrpSpPr>
+      <p:grpSpPr>
+        <a:xfrm>
+          <a:off x="0" y="0"/>
+          <a:ext cx="0" cy="0"/>
+          <a:chOff x="0" y="0"/>
+          <a:chExt cx="0" cy="0"/>
+        </a:xfrm>
+      </p:grpSpPr>
+      <p:sp>
+        <p:nvSpPr>
+          <p:cNvPr id="2" name="Titre 1">
+            <a:extLst>
+              <a:ext uri="{FF2B5EF4-FFF2-40B4-BE49-F238E27FC236}">
+                <a16:creationId xmlns:a16="http://schemas.microsoft.com/office/drawing/2014/main" id="{28A166A3-EC8B-98E2-0618-6C4D0A5F1C11}"/>
+              </a:ext>
+            </a:extLst>
+          </p:cNvPr>
+          <p:cNvSpPr>
+            <a:spLocks noGrp="1"/>
+          </p:cNvSpPr>
+          <p:nvPr>
+            <p:ph type="title"/>
+          </p:nvPr>
+        </p:nvSpPr>
+        <p:spPr/>
+        <p:txBody>
+          <a:bodyPr/>
+          <a:lstStyle/>
+          <a:p>
+            <a:r>
+              <a:rPr lang="fr-FR" dirty="0" err="1"/>
+              <a:t>Step</a:t>
+            </a:r>
+            <a:r>
+              <a:rPr lang="fr-FR" dirty="0"/>
+              <a:t> By </a:t>
+            </a:r>
+            <a:r>
+              <a:rPr lang="fr-FR" dirty="0" err="1"/>
+              <a:t>Step</a:t>
+            </a:r>
+            <a:endParaRPr lang="fr-FR" dirty="0"/>
+          </a:p>
+        </p:txBody>
+      </p:sp>
+      <p:sp>
+        <p:nvSpPr>
+          <p:cNvPr id="3" name="Espace réservé du pied de page 2">
+            <a:extLst>
+              <a:ext uri="{FF2B5EF4-FFF2-40B4-BE49-F238E27FC236}">
+                <a16:creationId xmlns:a16="http://schemas.microsoft.com/office/drawing/2014/main" id="{9DE6AD4A-E291-CEAF-872A-B9131B6412F6}"/>
+              </a:ext>
+            </a:extLst>
+          </p:cNvPr>
+          <p:cNvSpPr>
+            <a:spLocks noGrp="1"/>
+          </p:cNvSpPr>
+          <p:nvPr>
+            <p:ph type="ftr" sz="quarter" idx="11"/>
+          </p:nvPr>
+        </p:nvSpPr>
+        <p:spPr/>
+        <p:txBody>
+          <a:bodyPr/>
+          <a:lstStyle/>
+          <a:p>
+            <a:r>
+              <a:rPr lang="fr-FR"/>
+              <a:t>BALLANZA CANTE : Left4Dead2 Blockout</a:t>
+            </a:r>
+          </a:p>
+        </p:txBody>
+      </p:sp>
+      <p:sp>
+        <p:nvSpPr>
+          <p:cNvPr id="4" name="Espace réservé du numéro de diapositive 3">
+            <a:extLst>
+              <a:ext uri="{FF2B5EF4-FFF2-40B4-BE49-F238E27FC236}">
+                <a16:creationId xmlns:a16="http://schemas.microsoft.com/office/drawing/2014/main" id="{417731E5-540C-DDB2-C1BD-031B3B43EA92}"/>
+              </a:ext>
+            </a:extLst>
+          </p:cNvPr>
+          <p:cNvSpPr>
+            <a:spLocks noGrp="1"/>
+          </p:cNvSpPr>
+          <p:nvPr>
+            <p:ph type="sldNum" sz="quarter" idx="12"/>
+          </p:nvPr>
+        </p:nvSpPr>
+        <p:spPr/>
+        <p:txBody>
+          <a:bodyPr/>
+          <a:lstStyle/>
+          <a:p>
+            <a:fld id="{0F8D06F7-CC5E-4A93-BD41-B1F89298AFFC}" type="slidenum">
+              <a:rPr lang="fr-FR" smtClean="0"/>
+              <a:t>8</a:t>
+            </a:fld>
+            <a:endParaRPr lang="fr-FR"/>
+          </a:p>
+        </p:txBody>
+      </p:sp>
+      <p:pic>
+        <p:nvPicPr>
+          <p:cNvPr id="6" name="Image 5" descr="Une image contenant diagramme, capture d’écran, conception&#10;&#10;Le contenu généré par l’IA peut être incorrect.">
+            <a:extLst>
+              <a:ext uri="{FF2B5EF4-FFF2-40B4-BE49-F238E27FC236}">
+                <a16:creationId xmlns:a16="http://schemas.microsoft.com/office/drawing/2014/main" id="{A3A9CA36-62D0-6C44-524A-6D7C3BA9AC4F}"/>
+              </a:ext>
+            </a:extLst>
+          </p:cNvPr>
+          <p:cNvPicPr>
+            <a:picLocks noChangeAspect="1"/>
+          </p:cNvPicPr>
+          <p:nvPr/>
+        </p:nvPicPr>
+        <p:blipFill>
+          <a:blip r:embed="rId2">
+            <a:extLst>
+              <a:ext uri="{28A0092B-C50C-407E-A947-70E740481C1C}">
+                <a14:useLocalDpi xmlns:a14="http://schemas.microsoft.com/office/drawing/2010/main" val="0"/>
+              </a:ext>
+            </a:extLst>
+          </a:blip>
+          <a:stretch>
+            <a:fillRect/>
+          </a:stretch>
+        </p:blipFill>
+        <p:spPr>
+          <a:xfrm>
+            <a:off x="3595009" y="1600200"/>
+            <a:ext cx="7349216" cy="2338387"/>
+          </a:xfrm>
+          <a:prstGeom prst="rect">
+            <a:avLst/>
+          </a:prstGeom>
+        </p:spPr>
+      </p:pic>
+      <p:cxnSp>
+        <p:nvCxnSpPr>
+          <p:cNvPr id="7" name="Connecteur droit avec flèche 6">
+            <a:extLst>
+              <a:ext uri="{FF2B5EF4-FFF2-40B4-BE49-F238E27FC236}">
+                <a16:creationId xmlns:a16="http://schemas.microsoft.com/office/drawing/2014/main" id="{82DDBB27-8C25-5AF1-0286-23E634AC7CC4}"/>
+              </a:ext>
+            </a:extLst>
+          </p:cNvPr>
+          <p:cNvCxnSpPr>
+            <a:cxnSpLocks/>
+          </p:cNvCxnSpPr>
+          <p:nvPr/>
+        </p:nvCxnSpPr>
+        <p:spPr>
+          <a:xfrm>
+            <a:off x="5219700" y="1995791"/>
+            <a:ext cx="1714500" cy="0"/>
+          </a:xfrm>
+          <a:prstGeom prst="straightConnector1">
+            <a:avLst/>
+          </a:prstGeom>
+          <a:ln>
+            <a:solidFill>
+              <a:schemeClr val="accent6">
+                <a:lumMod val="75000"/>
+              </a:schemeClr>
+            </a:solidFill>
+            <a:tailEnd type="triangle"/>
+          </a:ln>
+        </p:spPr>
+        <p:style>
+          <a:lnRef idx="2">
+            <a:schemeClr val="accent1"/>
+          </a:lnRef>
+          <a:fillRef idx="0">
+            <a:schemeClr val="accent1"/>
+          </a:fillRef>
+          <a:effectRef idx="1">
+            <a:schemeClr val="accent1"/>
+          </a:effectRef>
+          <a:fontRef idx="minor">
+            <a:schemeClr val="tx1"/>
+          </a:fontRef>
+        </p:style>
+      </p:cxnSp>
+      <p:cxnSp>
+        <p:nvCxnSpPr>
+          <p:cNvPr id="10" name="Connecteur droit avec flèche 9">
+            <a:extLst>
+              <a:ext uri="{FF2B5EF4-FFF2-40B4-BE49-F238E27FC236}">
+                <a16:creationId xmlns:a16="http://schemas.microsoft.com/office/drawing/2014/main" id="{6E522A1B-DB8F-EFC1-EDF7-FA8FF533999C}"/>
+              </a:ext>
+            </a:extLst>
+          </p:cNvPr>
+          <p:cNvCxnSpPr>
+            <a:cxnSpLocks/>
+          </p:cNvCxnSpPr>
+          <p:nvPr/>
+        </p:nvCxnSpPr>
+        <p:spPr>
+          <a:xfrm flipH="1">
+            <a:off x="6648450" y="1995791"/>
+            <a:ext cx="438150" cy="366409"/>
+          </a:xfrm>
+          <a:prstGeom prst="straightConnector1">
+            <a:avLst/>
+          </a:prstGeom>
+          <a:ln>
+            <a:solidFill>
+              <a:schemeClr val="accent6">
+                <a:lumMod val="75000"/>
+              </a:schemeClr>
+            </a:solidFill>
+            <a:tailEnd type="triangle"/>
+          </a:ln>
+        </p:spPr>
+        <p:style>
+          <a:lnRef idx="2">
+            <a:schemeClr val="accent1"/>
+          </a:lnRef>
+          <a:fillRef idx="0">
+            <a:schemeClr val="accent1"/>
+          </a:fillRef>
+          <a:effectRef idx="1">
+            <a:schemeClr val="accent1"/>
+          </a:effectRef>
+          <a:fontRef idx="minor">
+            <a:schemeClr val="tx1"/>
+          </a:fontRef>
+        </p:style>
+      </p:cxnSp>
+      <p:cxnSp>
+        <p:nvCxnSpPr>
+          <p:cNvPr id="13" name="Connecteur droit avec flèche 12">
+            <a:extLst>
+              <a:ext uri="{FF2B5EF4-FFF2-40B4-BE49-F238E27FC236}">
+                <a16:creationId xmlns:a16="http://schemas.microsoft.com/office/drawing/2014/main" id="{02C41892-CF78-BC14-50B7-1F5F2181EAAE}"/>
+              </a:ext>
+            </a:extLst>
+          </p:cNvPr>
+          <p:cNvCxnSpPr>
+            <a:cxnSpLocks/>
+          </p:cNvCxnSpPr>
+          <p:nvPr/>
+        </p:nvCxnSpPr>
+        <p:spPr>
+          <a:xfrm flipH="1">
+            <a:off x="5715000" y="2295676"/>
+            <a:ext cx="819150" cy="0"/>
+          </a:xfrm>
+          <a:prstGeom prst="straightConnector1">
+            <a:avLst/>
+          </a:prstGeom>
+          <a:ln>
+            <a:solidFill>
+              <a:schemeClr val="accent6">
+                <a:lumMod val="75000"/>
+              </a:schemeClr>
+            </a:solidFill>
+            <a:tailEnd type="triangle"/>
+          </a:ln>
+        </p:spPr>
+        <p:style>
+          <a:lnRef idx="2">
+            <a:schemeClr val="accent1"/>
+          </a:lnRef>
+          <a:fillRef idx="0">
+            <a:schemeClr val="accent1"/>
+          </a:fillRef>
+          <a:effectRef idx="1">
+            <a:schemeClr val="accent1"/>
+          </a:effectRef>
+          <a:fontRef idx="minor">
+            <a:schemeClr val="tx1"/>
+          </a:fontRef>
+        </p:style>
+      </p:cxnSp>
+      <p:cxnSp>
+        <p:nvCxnSpPr>
+          <p:cNvPr id="15" name="Connecteur droit avec flèche 14">
+            <a:extLst>
+              <a:ext uri="{FF2B5EF4-FFF2-40B4-BE49-F238E27FC236}">
+                <a16:creationId xmlns:a16="http://schemas.microsoft.com/office/drawing/2014/main" id="{E9DFD3BB-9562-621E-E142-48CD042581AC}"/>
+              </a:ext>
+            </a:extLst>
+          </p:cNvPr>
+          <p:cNvCxnSpPr>
+            <a:cxnSpLocks/>
+          </p:cNvCxnSpPr>
+          <p:nvPr/>
+        </p:nvCxnSpPr>
+        <p:spPr>
+          <a:xfrm flipH="1">
+            <a:off x="4716917" y="2295676"/>
+            <a:ext cx="874258" cy="1419074"/>
+          </a:xfrm>
+          <a:prstGeom prst="straightConnector1">
+            <a:avLst/>
+          </a:prstGeom>
+          <a:ln>
+            <a:solidFill>
+              <a:schemeClr val="accent6">
+                <a:lumMod val="75000"/>
+              </a:schemeClr>
+            </a:solidFill>
+            <a:tailEnd type="triangle"/>
+          </a:ln>
+        </p:spPr>
+        <p:style>
+          <a:lnRef idx="2">
+            <a:schemeClr val="accent1"/>
+          </a:lnRef>
+          <a:fillRef idx="0">
+            <a:schemeClr val="accent1"/>
+          </a:fillRef>
+          <a:effectRef idx="1">
+            <a:schemeClr val="accent1"/>
+          </a:effectRef>
+          <a:fontRef idx="minor">
+            <a:schemeClr val="tx1"/>
+          </a:fontRef>
+        </p:style>
+      </p:cxnSp>
+      <p:cxnSp>
+        <p:nvCxnSpPr>
+          <p:cNvPr id="18" name="Connecteur droit avec flèche 17">
+            <a:extLst>
+              <a:ext uri="{FF2B5EF4-FFF2-40B4-BE49-F238E27FC236}">
+                <a16:creationId xmlns:a16="http://schemas.microsoft.com/office/drawing/2014/main" id="{19CBE443-969C-B586-9EFC-627174789C14}"/>
+              </a:ext>
+            </a:extLst>
+          </p:cNvPr>
+          <p:cNvCxnSpPr>
+            <a:cxnSpLocks/>
+          </p:cNvCxnSpPr>
+          <p:nvPr/>
+        </p:nvCxnSpPr>
+        <p:spPr>
+          <a:xfrm>
+            <a:off x="4716917" y="3810000"/>
+            <a:ext cx="1693408" cy="0"/>
+          </a:xfrm>
+          <a:prstGeom prst="straightConnector1">
+            <a:avLst/>
+          </a:prstGeom>
+          <a:ln>
+            <a:solidFill>
+              <a:schemeClr val="accent6">
+                <a:lumMod val="75000"/>
+              </a:schemeClr>
+            </a:solidFill>
+            <a:tailEnd type="triangle"/>
+          </a:ln>
+        </p:spPr>
+        <p:style>
+          <a:lnRef idx="2">
+            <a:schemeClr val="accent1"/>
+          </a:lnRef>
+          <a:fillRef idx="0">
+            <a:schemeClr val="accent1"/>
+          </a:fillRef>
+          <a:effectRef idx="1">
+            <a:schemeClr val="accent1"/>
+          </a:effectRef>
+          <a:fontRef idx="minor">
+            <a:schemeClr val="tx1"/>
+          </a:fontRef>
+        </p:style>
+      </p:cxnSp>
+      <p:cxnSp>
+        <p:nvCxnSpPr>
+          <p:cNvPr id="21" name="Connecteur droit avec flèche 20">
+            <a:extLst>
+              <a:ext uri="{FF2B5EF4-FFF2-40B4-BE49-F238E27FC236}">
+                <a16:creationId xmlns:a16="http://schemas.microsoft.com/office/drawing/2014/main" id="{46C82A09-5EC2-C47C-5CE5-0822E9AA32E6}"/>
+              </a:ext>
+            </a:extLst>
+          </p:cNvPr>
+          <p:cNvCxnSpPr>
+            <a:cxnSpLocks/>
+          </p:cNvCxnSpPr>
+          <p:nvPr/>
+        </p:nvCxnSpPr>
+        <p:spPr>
+          <a:xfrm flipH="1">
+            <a:off x="7086600" y="3600450"/>
+            <a:ext cx="1524000" cy="0"/>
+          </a:xfrm>
+          <a:prstGeom prst="straightConnector1">
+            <a:avLst/>
+          </a:prstGeom>
+          <a:ln>
+            <a:solidFill>
+              <a:schemeClr val="accent6">
+                <a:lumMod val="75000"/>
+              </a:schemeClr>
+            </a:solidFill>
+            <a:tailEnd type="triangle"/>
+          </a:ln>
+        </p:spPr>
+        <p:style>
+          <a:lnRef idx="2">
+            <a:schemeClr val="accent1"/>
+          </a:lnRef>
+          <a:fillRef idx="0">
+            <a:schemeClr val="accent1"/>
+          </a:fillRef>
+          <a:effectRef idx="1">
+            <a:schemeClr val="accent1"/>
+          </a:effectRef>
+          <a:fontRef idx="minor">
+            <a:schemeClr val="tx1"/>
+          </a:fontRef>
+        </p:style>
+      </p:cxnSp>
+      <p:sp>
+        <p:nvSpPr>
+          <p:cNvPr id="24" name="ZoneTexte 23">
+            <a:extLst>
+              <a:ext uri="{FF2B5EF4-FFF2-40B4-BE49-F238E27FC236}">
+                <a16:creationId xmlns:a16="http://schemas.microsoft.com/office/drawing/2014/main" id="{69E14DBB-01CF-EDCB-AD14-E5FBC6383660}"/>
+              </a:ext>
+            </a:extLst>
+          </p:cNvPr>
+          <p:cNvSpPr txBox="1"/>
+          <p:nvPr/>
+        </p:nvSpPr>
+        <p:spPr>
+          <a:xfrm>
+            <a:off x="454821" y="4115104"/>
+            <a:ext cx="4991099" cy="1477328"/>
+          </a:xfrm>
+          <a:prstGeom prst="rect">
+            <a:avLst/>
+          </a:prstGeom>
+          <a:noFill/>
+        </p:spPr>
+        <p:txBody>
+          <a:bodyPr wrap="square" rtlCol="0">
+            <a:spAutoFit/>
+          </a:bodyPr>
+          <a:lstStyle/>
+          <a:p>
+            <a:pPr marL="285750" indent="-285750">
+              <a:buFont typeface="Wingdings" panose="05000000000000000000" pitchFamily="2" charset="2"/>
+              <a:buChar char="ü"/>
+            </a:pPr>
+            <a:r>
+              <a:rPr lang="fr-FR" dirty="0" err="1">
+                <a:latin typeface="Stubble bold" panose="02000806030000020004" pitchFamily="2" charset="0"/>
+              </a:rPr>
+              <a:t>Step</a:t>
+            </a:r>
+            <a:r>
+              <a:rPr lang="fr-FR" dirty="0">
+                <a:latin typeface="Stubble bold" panose="02000806030000020004" pitchFamily="2" charset="0"/>
+              </a:rPr>
+              <a:t> 4 : Go to the </a:t>
+            </a:r>
+            <a:r>
+              <a:rPr lang="fr-FR" dirty="0" err="1">
+                <a:latin typeface="Stubble bold" panose="02000806030000020004" pitchFamily="2" charset="0"/>
+              </a:rPr>
+              <a:t>other</a:t>
+            </a:r>
+            <a:r>
+              <a:rPr lang="fr-FR" dirty="0">
+                <a:latin typeface="Stubble bold" panose="02000806030000020004" pitchFamily="2" charset="0"/>
+              </a:rPr>
+              <a:t> </a:t>
+            </a:r>
+            <a:r>
+              <a:rPr lang="fr-FR" dirty="0" err="1">
+                <a:latin typeface="Stubble bold" panose="02000806030000020004" pitchFamily="2" charset="0"/>
+              </a:rPr>
+              <a:t>side</a:t>
+            </a:r>
+            <a:r>
+              <a:rPr lang="fr-FR" dirty="0">
+                <a:latin typeface="Stubble bold" panose="02000806030000020004" pitchFamily="2" charset="0"/>
+              </a:rPr>
+              <a:t> of the dock</a:t>
+            </a:r>
+          </a:p>
+          <a:p>
+            <a:pPr marL="742950" lvl="1" indent="-285750">
+              <a:buFont typeface="Arial" panose="020B0604020202020204" pitchFamily="34" charset="0"/>
+              <a:buChar char="•"/>
+            </a:pPr>
+            <a:r>
+              <a:rPr lang="fr-FR" dirty="0">
+                <a:latin typeface="Stubble bold" panose="02000806030000020004" pitchFamily="2" charset="0"/>
+              </a:rPr>
+              <a:t>By jumping on </a:t>
+            </a:r>
+            <a:r>
+              <a:rPr lang="fr-FR" dirty="0" err="1">
+                <a:latin typeface="Stubble bold" panose="02000806030000020004" pitchFamily="2" charset="0"/>
+              </a:rPr>
+              <a:t>crashed</a:t>
+            </a:r>
+            <a:r>
+              <a:rPr lang="fr-FR" dirty="0">
+                <a:latin typeface="Stubble bold" panose="02000806030000020004" pitchFamily="2" charset="0"/>
+              </a:rPr>
+              <a:t> cars</a:t>
+            </a:r>
+          </a:p>
+          <a:p>
+            <a:pPr marL="742950" lvl="1" indent="-285750">
+              <a:buFont typeface="Arial" panose="020B0604020202020204" pitchFamily="34" charset="0"/>
+              <a:buChar char="•"/>
+            </a:pPr>
+            <a:r>
+              <a:rPr lang="fr-FR" dirty="0">
+                <a:latin typeface="Stubble bold" panose="02000806030000020004" pitchFamily="2" charset="0"/>
+              </a:rPr>
+              <a:t>By passing </a:t>
+            </a:r>
+            <a:r>
+              <a:rPr lang="fr-FR" dirty="0" err="1">
+                <a:latin typeface="Stubble bold" panose="02000806030000020004" pitchFamily="2" charset="0"/>
+              </a:rPr>
+              <a:t>through</a:t>
+            </a:r>
+            <a:r>
+              <a:rPr lang="fr-FR" dirty="0">
+                <a:latin typeface="Stubble bold" panose="02000806030000020004" pitchFamily="2" charset="0"/>
+              </a:rPr>
+              <a:t> cars riding on the docks</a:t>
+            </a:r>
+          </a:p>
+          <a:p>
+            <a:pPr marL="285750" indent="-285750">
+              <a:buFont typeface="Wingdings" panose="05000000000000000000" pitchFamily="2" charset="2"/>
+              <a:buChar char="ü"/>
+            </a:pPr>
+            <a:r>
+              <a:rPr lang="fr-FR" dirty="0" err="1">
+                <a:latin typeface="Stubble bold" panose="02000806030000020004" pitchFamily="2" charset="0"/>
+              </a:rPr>
+              <a:t>Step</a:t>
+            </a:r>
+            <a:r>
+              <a:rPr lang="fr-FR" dirty="0">
+                <a:latin typeface="Stubble bold" panose="02000806030000020004" pitchFamily="2" charset="0"/>
+              </a:rPr>
+              <a:t> 5 : Go back up to the hall</a:t>
+            </a:r>
+          </a:p>
+        </p:txBody>
+      </p:sp>
+      <p:cxnSp>
+        <p:nvCxnSpPr>
+          <p:cNvPr id="25" name="Connecteur droit avec flèche 24">
+            <a:extLst>
+              <a:ext uri="{FF2B5EF4-FFF2-40B4-BE49-F238E27FC236}">
+                <a16:creationId xmlns:a16="http://schemas.microsoft.com/office/drawing/2014/main" id="{A51007BA-67F1-A4CF-093A-80E1376C5E15}"/>
+              </a:ext>
+            </a:extLst>
+          </p:cNvPr>
+          <p:cNvCxnSpPr>
+            <a:cxnSpLocks/>
+          </p:cNvCxnSpPr>
+          <p:nvPr/>
+        </p:nvCxnSpPr>
+        <p:spPr>
+          <a:xfrm>
+            <a:off x="7155317" y="1995791"/>
+            <a:ext cx="2636383" cy="0"/>
+          </a:xfrm>
+          <a:prstGeom prst="straightConnector1">
+            <a:avLst/>
+          </a:prstGeom>
+          <a:ln>
+            <a:solidFill>
+              <a:schemeClr val="accent6">
+                <a:lumMod val="75000"/>
+              </a:schemeClr>
+            </a:solidFill>
+            <a:tailEnd type="triangle"/>
+          </a:ln>
+        </p:spPr>
+        <p:style>
+          <a:lnRef idx="2">
+            <a:schemeClr val="accent1"/>
+          </a:lnRef>
+          <a:fillRef idx="0">
+            <a:schemeClr val="accent1"/>
+          </a:fillRef>
+          <a:effectRef idx="1">
+            <a:schemeClr val="accent1"/>
+          </a:effectRef>
+          <a:fontRef idx="minor">
+            <a:schemeClr val="tx1"/>
+          </a:fontRef>
+        </p:style>
+      </p:cxnSp>
+      <p:cxnSp>
+        <p:nvCxnSpPr>
+          <p:cNvPr id="28" name="Connecteur droit avec flèche 27">
+            <a:extLst>
+              <a:ext uri="{FF2B5EF4-FFF2-40B4-BE49-F238E27FC236}">
+                <a16:creationId xmlns:a16="http://schemas.microsoft.com/office/drawing/2014/main" id="{D607900E-4594-F39D-958F-354E46626835}"/>
+              </a:ext>
+            </a:extLst>
+          </p:cNvPr>
+          <p:cNvCxnSpPr>
+            <a:cxnSpLocks/>
+          </p:cNvCxnSpPr>
+          <p:nvPr/>
+        </p:nvCxnSpPr>
+        <p:spPr>
+          <a:xfrm>
+            <a:off x="10231892" y="1995791"/>
+            <a:ext cx="550408" cy="1814209"/>
+          </a:xfrm>
+          <a:prstGeom prst="straightConnector1">
+            <a:avLst/>
+          </a:prstGeom>
+          <a:ln>
+            <a:solidFill>
+              <a:schemeClr val="accent6">
+                <a:lumMod val="75000"/>
+              </a:schemeClr>
+            </a:solidFill>
+            <a:tailEnd type="triangle"/>
+          </a:ln>
+        </p:spPr>
+        <p:style>
+          <a:lnRef idx="2">
+            <a:schemeClr val="accent1"/>
+          </a:lnRef>
+          <a:fillRef idx="0">
+            <a:schemeClr val="accent1"/>
+          </a:fillRef>
+          <a:effectRef idx="1">
+            <a:schemeClr val="accent1"/>
+          </a:effectRef>
+          <a:fontRef idx="minor">
+            <a:schemeClr val="tx1"/>
+          </a:fontRef>
+        </p:style>
+      </p:cxnSp>
+      <p:cxnSp>
+        <p:nvCxnSpPr>
+          <p:cNvPr id="31" name="Connecteur droit avec flèche 30">
+            <a:extLst>
+              <a:ext uri="{FF2B5EF4-FFF2-40B4-BE49-F238E27FC236}">
+                <a16:creationId xmlns:a16="http://schemas.microsoft.com/office/drawing/2014/main" id="{B298203B-1232-E004-587C-B7B5504E329B}"/>
+              </a:ext>
+            </a:extLst>
+          </p:cNvPr>
+          <p:cNvCxnSpPr>
+            <a:cxnSpLocks/>
+          </p:cNvCxnSpPr>
+          <p:nvPr/>
+        </p:nvCxnSpPr>
+        <p:spPr>
+          <a:xfrm flipH="1" flipV="1">
+            <a:off x="8791575" y="3600450"/>
+            <a:ext cx="1807030" cy="209550"/>
+          </a:xfrm>
+          <a:prstGeom prst="straightConnector1">
+            <a:avLst/>
+          </a:prstGeom>
+          <a:ln>
+            <a:solidFill>
+              <a:schemeClr val="accent6">
+                <a:lumMod val="75000"/>
+              </a:schemeClr>
+            </a:solidFill>
+            <a:tailEnd type="triangle"/>
+          </a:ln>
+        </p:spPr>
+        <p:style>
+          <a:lnRef idx="2">
+            <a:schemeClr val="accent1"/>
+          </a:lnRef>
+          <a:fillRef idx="0">
+            <a:schemeClr val="accent1"/>
+          </a:fillRef>
+          <a:effectRef idx="1">
+            <a:schemeClr val="accent1"/>
+          </a:effectRef>
+          <a:fontRef idx="minor">
+            <a:schemeClr val="tx1"/>
+          </a:fontRef>
+        </p:style>
+      </p:cxnSp>
+      <p:cxnSp>
+        <p:nvCxnSpPr>
+          <p:cNvPr id="33" name="Connecteur droit avec flèche 32">
+            <a:extLst>
+              <a:ext uri="{FF2B5EF4-FFF2-40B4-BE49-F238E27FC236}">
+                <a16:creationId xmlns:a16="http://schemas.microsoft.com/office/drawing/2014/main" id="{3926FE4B-8026-C616-C980-8EB66FF3E242}"/>
+              </a:ext>
+            </a:extLst>
+          </p:cNvPr>
+          <p:cNvCxnSpPr>
+            <a:cxnSpLocks/>
+          </p:cNvCxnSpPr>
+          <p:nvPr/>
+        </p:nvCxnSpPr>
+        <p:spPr>
+          <a:xfrm flipH="1">
+            <a:off x="8736467" y="2414891"/>
+            <a:ext cx="1204913" cy="221414"/>
+          </a:xfrm>
+          <a:prstGeom prst="straightConnector1">
+            <a:avLst/>
+          </a:prstGeom>
+          <a:ln>
+            <a:solidFill>
+              <a:schemeClr val="accent6">
+                <a:lumMod val="75000"/>
+              </a:schemeClr>
+            </a:solidFill>
+            <a:tailEnd type="triangle"/>
+          </a:ln>
+        </p:spPr>
+        <p:style>
+          <a:lnRef idx="2">
+            <a:schemeClr val="accent1"/>
+          </a:lnRef>
+          <a:fillRef idx="0">
+            <a:schemeClr val="accent1"/>
+          </a:fillRef>
+          <a:effectRef idx="1">
+            <a:schemeClr val="accent1"/>
+          </a:effectRef>
+          <a:fontRef idx="minor">
+            <a:schemeClr val="tx1"/>
+          </a:fontRef>
+        </p:style>
+      </p:cxnSp>
+      <p:cxnSp>
+        <p:nvCxnSpPr>
+          <p:cNvPr id="35" name="Connecteur droit avec flèche 34">
+            <a:extLst>
+              <a:ext uri="{FF2B5EF4-FFF2-40B4-BE49-F238E27FC236}">
+                <a16:creationId xmlns:a16="http://schemas.microsoft.com/office/drawing/2014/main" id="{2D14DAA5-41A9-DDB9-30C8-FD9500620C19}"/>
+              </a:ext>
+            </a:extLst>
+          </p:cNvPr>
+          <p:cNvCxnSpPr>
+            <a:cxnSpLocks/>
+          </p:cNvCxnSpPr>
+          <p:nvPr/>
+        </p:nvCxnSpPr>
+        <p:spPr>
+          <a:xfrm>
+            <a:off x="6867525" y="3810000"/>
+            <a:ext cx="1693408" cy="0"/>
+          </a:xfrm>
+          <a:prstGeom prst="straightConnector1">
+            <a:avLst/>
+          </a:prstGeom>
+          <a:ln>
+            <a:solidFill>
+              <a:schemeClr val="accent6">
+                <a:lumMod val="75000"/>
+              </a:schemeClr>
+            </a:solidFill>
+            <a:tailEnd type="triangle"/>
+          </a:ln>
+        </p:spPr>
+        <p:style>
+          <a:lnRef idx="2">
+            <a:schemeClr val="accent1"/>
+          </a:lnRef>
+          <a:fillRef idx="0">
+            <a:schemeClr val="accent1"/>
+          </a:fillRef>
+          <a:effectRef idx="1">
+            <a:schemeClr val="accent1"/>
+          </a:effectRef>
+          <a:fontRef idx="minor">
+            <a:schemeClr val="tx1"/>
+          </a:fontRef>
+        </p:style>
+      </p:cxnSp>
+      <p:cxnSp>
+        <p:nvCxnSpPr>
+          <p:cNvPr id="37" name="Connecteur droit avec flèche 36">
+            <a:extLst>
+              <a:ext uri="{FF2B5EF4-FFF2-40B4-BE49-F238E27FC236}">
+                <a16:creationId xmlns:a16="http://schemas.microsoft.com/office/drawing/2014/main" id="{09B1F288-CE6A-C73B-3988-3988D8C79A47}"/>
+              </a:ext>
+            </a:extLst>
+          </p:cNvPr>
+          <p:cNvCxnSpPr>
+            <a:cxnSpLocks/>
+          </p:cNvCxnSpPr>
+          <p:nvPr/>
+        </p:nvCxnSpPr>
+        <p:spPr>
+          <a:xfrm flipH="1">
+            <a:off x="7405687" y="2767207"/>
+            <a:ext cx="1204913" cy="221414"/>
+          </a:xfrm>
+          <a:prstGeom prst="straightConnector1">
+            <a:avLst/>
+          </a:prstGeom>
+          <a:ln>
+            <a:solidFill>
+              <a:schemeClr val="accent6">
+                <a:lumMod val="75000"/>
+              </a:schemeClr>
+            </a:solidFill>
+            <a:tailEnd type="triangle"/>
+          </a:ln>
+        </p:spPr>
+        <p:style>
+          <a:lnRef idx="2">
+            <a:schemeClr val="accent1"/>
+          </a:lnRef>
+          <a:fillRef idx="0">
+            <a:schemeClr val="accent1"/>
+          </a:fillRef>
+          <a:effectRef idx="1">
+            <a:schemeClr val="accent1"/>
+          </a:effectRef>
+          <a:fontRef idx="minor">
+            <a:schemeClr val="tx1"/>
+          </a:fontRef>
+        </p:style>
+      </p:cxnSp>
+      <p:cxnSp>
+        <p:nvCxnSpPr>
+          <p:cNvPr id="38" name="Connecteur droit avec flèche 37">
+            <a:extLst>
+              <a:ext uri="{FF2B5EF4-FFF2-40B4-BE49-F238E27FC236}">
+                <a16:creationId xmlns:a16="http://schemas.microsoft.com/office/drawing/2014/main" id="{6EEEDBBE-1FAF-47C1-B0FC-10596D76DFC3}"/>
+              </a:ext>
+            </a:extLst>
+          </p:cNvPr>
+          <p:cNvCxnSpPr>
+            <a:cxnSpLocks/>
+          </p:cNvCxnSpPr>
+          <p:nvPr/>
+        </p:nvCxnSpPr>
+        <p:spPr>
+          <a:xfrm flipH="1">
+            <a:off x="6410325" y="2978835"/>
+            <a:ext cx="847047" cy="0"/>
+          </a:xfrm>
+          <a:prstGeom prst="straightConnector1">
+            <a:avLst/>
+          </a:prstGeom>
+          <a:ln>
+            <a:solidFill>
+              <a:schemeClr val="accent6">
+                <a:lumMod val="75000"/>
+              </a:schemeClr>
+            </a:solidFill>
+            <a:tailEnd type="triangle"/>
+          </a:ln>
+        </p:spPr>
+        <p:style>
+          <a:lnRef idx="2">
+            <a:schemeClr val="accent1"/>
+          </a:lnRef>
+          <a:fillRef idx="0">
+            <a:schemeClr val="accent1"/>
+          </a:fillRef>
+          <a:effectRef idx="1">
+            <a:schemeClr val="accent1"/>
+          </a:effectRef>
+          <a:fontRef idx="minor">
+            <a:schemeClr val="tx1"/>
+          </a:fontRef>
+        </p:style>
+      </p:cxnSp>
+      <p:cxnSp>
+        <p:nvCxnSpPr>
+          <p:cNvPr id="40" name="Connecteur droit avec flèche 39">
+            <a:extLst>
+              <a:ext uri="{FF2B5EF4-FFF2-40B4-BE49-F238E27FC236}">
+                <a16:creationId xmlns:a16="http://schemas.microsoft.com/office/drawing/2014/main" id="{E518B24A-6929-3AFE-2615-7489F9ABC9C9}"/>
+              </a:ext>
+            </a:extLst>
+          </p:cNvPr>
+          <p:cNvCxnSpPr>
+            <a:cxnSpLocks/>
+          </p:cNvCxnSpPr>
+          <p:nvPr/>
+        </p:nvCxnSpPr>
+        <p:spPr>
+          <a:xfrm>
+            <a:off x="6343650" y="3005213"/>
+            <a:ext cx="304800" cy="776456"/>
+          </a:xfrm>
+          <a:prstGeom prst="straightConnector1">
+            <a:avLst/>
+          </a:prstGeom>
+          <a:ln>
+            <a:solidFill>
+              <a:schemeClr val="accent6">
+                <a:lumMod val="75000"/>
+              </a:schemeClr>
+            </a:solidFill>
+            <a:tailEnd type="triangle"/>
+          </a:ln>
+        </p:spPr>
+        <p:style>
+          <a:lnRef idx="2">
+            <a:schemeClr val="accent1"/>
+          </a:lnRef>
+          <a:fillRef idx="0">
+            <a:schemeClr val="accent1"/>
+          </a:fillRef>
+          <a:effectRef idx="1">
+            <a:schemeClr val="accent1"/>
+          </a:effectRef>
+          <a:fontRef idx="minor">
+            <a:schemeClr val="tx1"/>
+          </a:fontRef>
+        </p:style>
+      </p:cxnSp>
+      <p:cxnSp>
+        <p:nvCxnSpPr>
+          <p:cNvPr id="43" name="Connecteur droit avec flèche 42">
+            <a:extLst>
+              <a:ext uri="{FF2B5EF4-FFF2-40B4-BE49-F238E27FC236}">
+                <a16:creationId xmlns:a16="http://schemas.microsoft.com/office/drawing/2014/main" id="{7715F58B-931B-B91D-6159-4087A8EB8513}"/>
+              </a:ext>
+            </a:extLst>
+          </p:cNvPr>
+          <p:cNvCxnSpPr>
+            <a:cxnSpLocks/>
+          </p:cNvCxnSpPr>
+          <p:nvPr/>
+        </p:nvCxnSpPr>
+        <p:spPr>
+          <a:xfrm>
+            <a:off x="9982200" y="2071502"/>
+            <a:ext cx="0" cy="343389"/>
+          </a:xfrm>
+          <a:prstGeom prst="straightConnector1">
+            <a:avLst/>
+          </a:prstGeom>
+          <a:ln>
+            <a:solidFill>
+              <a:schemeClr val="accent6">
+                <a:lumMod val="75000"/>
+              </a:schemeClr>
+            </a:solidFill>
+            <a:tailEnd type="triangle"/>
+          </a:ln>
+        </p:spPr>
+        <p:style>
+          <a:lnRef idx="2">
+            <a:schemeClr val="accent1"/>
+          </a:lnRef>
+          <a:fillRef idx="0">
+            <a:schemeClr val="accent1"/>
+          </a:fillRef>
+          <a:effectRef idx="1">
+            <a:schemeClr val="accent1"/>
+          </a:effectRef>
+          <a:fontRef idx="minor">
+            <a:schemeClr val="tx1"/>
+          </a:fontRef>
+        </p:style>
+      </p:cxnSp>
+    </p:spTree>
+    <p:extLst>
+      <p:ext uri="{BB962C8B-B14F-4D97-AF65-F5344CB8AC3E}">
+        <p14:creationId xmlns:p14="http://schemas.microsoft.com/office/powerpoint/2010/main" val="2742997005"/>
+      </p:ext>
+    </p:extLst>
+  </p:cSld>
+  <p:clrMapOvr>
+    <a:masterClrMapping/>
+  </p:clrMapOvr>
+</p:sld>
+</file>
+
+<file path=ppt/slides/slide9.xml><?xml version="1.0" encoding="utf-8"?>
+<p:sld xmlns:a="http://schemas.openxmlformats.org/drawingml/2006/main" xmlns:r="http://schemas.openxmlformats.org/officeDocument/2006/relationships" xmlns:p="http://schemas.openxmlformats.org/presentationml/2006/main">
+  <p:cSld>
+    <p:spTree>
+      <p:nvGrpSpPr>
+        <p:cNvPr id="1" name=""/>
+        <p:cNvGrpSpPr/>
+        <p:nvPr/>
+      </p:nvGrpSpPr>
+      <p:grpSpPr>
+        <a:xfrm>
+          <a:off x="0" y="0"/>
+          <a:ext cx="0" cy="0"/>
+          <a:chOff x="0" y="0"/>
+          <a:chExt cx="0" cy="0"/>
+        </a:xfrm>
+      </p:grpSpPr>
+      <p:sp>
+        <p:nvSpPr>
+          <p:cNvPr id="2" name="Titre 1">
+            <a:extLst>
+              <a:ext uri="{FF2B5EF4-FFF2-40B4-BE49-F238E27FC236}">
+                <a16:creationId xmlns:a16="http://schemas.microsoft.com/office/drawing/2014/main" id="{F9431FB7-4346-9E4E-3FE6-E167CBC8CAB3}"/>
+              </a:ext>
+            </a:extLst>
+          </p:cNvPr>
+          <p:cNvSpPr>
+            <a:spLocks noGrp="1"/>
+          </p:cNvSpPr>
+          <p:nvPr>
+            <p:ph type="title"/>
+          </p:nvPr>
+        </p:nvSpPr>
+        <p:spPr/>
+        <p:txBody>
+          <a:bodyPr/>
+          <a:lstStyle/>
+          <a:p>
+            <a:r>
+              <a:rPr lang="fr-FR" dirty="0" err="1"/>
+              <a:t>Step</a:t>
+            </a:r>
+            <a:r>
+              <a:rPr lang="fr-FR" dirty="0"/>
+              <a:t> By </a:t>
+            </a:r>
+            <a:r>
+              <a:rPr lang="fr-FR" dirty="0" err="1"/>
+              <a:t>Step</a:t>
+            </a:r>
+            <a:endParaRPr lang="fr-FR" dirty="0"/>
+          </a:p>
+        </p:txBody>
+      </p:sp>
+      <p:sp>
+        <p:nvSpPr>
+          <p:cNvPr id="3" name="Espace réservé du pied de page 2">
+            <a:extLst>
+              <a:ext uri="{FF2B5EF4-FFF2-40B4-BE49-F238E27FC236}">
+                <a16:creationId xmlns:a16="http://schemas.microsoft.com/office/drawing/2014/main" id="{238CAC3B-5B7E-F71A-9F35-E1247C07718E}"/>
+              </a:ext>
+            </a:extLst>
+          </p:cNvPr>
+          <p:cNvSpPr>
+            <a:spLocks noGrp="1"/>
+          </p:cNvSpPr>
+          <p:nvPr>
+            <p:ph type="ftr" sz="quarter" idx="11"/>
+          </p:nvPr>
+        </p:nvSpPr>
+        <p:spPr/>
+        <p:txBody>
+          <a:bodyPr/>
+          <a:lstStyle/>
+          <a:p>
+            <a:r>
+              <a:rPr lang="fr-FR"/>
+              <a:t>BALLANZA CANTE : Left4Dead2 Blockout</a:t>
+            </a:r>
+          </a:p>
+        </p:txBody>
+      </p:sp>
+      <p:sp>
+        <p:nvSpPr>
+          <p:cNvPr id="4" name="Espace réservé du numéro de diapositive 3">
+            <a:extLst>
+              <a:ext uri="{FF2B5EF4-FFF2-40B4-BE49-F238E27FC236}">
+                <a16:creationId xmlns:a16="http://schemas.microsoft.com/office/drawing/2014/main" id="{342191EB-AB85-6168-15B7-34D05A863ED8}"/>
+              </a:ext>
+            </a:extLst>
+          </p:cNvPr>
+          <p:cNvSpPr>
+            <a:spLocks noGrp="1"/>
+          </p:cNvSpPr>
+          <p:nvPr>
+            <p:ph type="sldNum" sz="quarter" idx="12"/>
+          </p:nvPr>
+        </p:nvSpPr>
+        <p:spPr/>
+        <p:txBody>
+          <a:bodyPr/>
+          <a:lstStyle/>
+          <a:p>
+            <a:fld id="{0F8D06F7-CC5E-4A93-BD41-B1F89298AFFC}" type="slidenum">
+              <a:rPr lang="fr-FR" smtClean="0"/>
+              <a:t>9</a:t>
+            </a:fld>
+            <a:endParaRPr lang="fr-FR"/>
+          </a:p>
+        </p:txBody>
+      </p:sp>
+      <p:pic>
+        <p:nvPicPr>
+          <p:cNvPr id="7" name="Image 6" descr="Une image contenant Graphique, capture d’écran, clipart, graphisme&#10;&#10;Le contenu généré par l’IA peut être incorrect.">
+            <a:extLst>
+              <a:ext uri="{FF2B5EF4-FFF2-40B4-BE49-F238E27FC236}">
+                <a16:creationId xmlns:a16="http://schemas.microsoft.com/office/drawing/2014/main" id="{052EFD70-CBD5-B5C1-000D-E21B6C809C03}"/>
+              </a:ext>
+            </a:extLst>
+          </p:cNvPr>
+          <p:cNvPicPr>
+            <a:picLocks noChangeAspect="1"/>
+          </p:cNvPicPr>
+          <p:nvPr/>
+        </p:nvPicPr>
+        <p:blipFill>
+          <a:blip r:embed="rId2">
+            <a:extLst>
+              <a:ext uri="{28A0092B-C50C-407E-A947-70E740481C1C}">
+                <a14:useLocalDpi xmlns:a14="http://schemas.microsoft.com/office/drawing/2010/main" val="0"/>
+              </a:ext>
+            </a:extLst>
+          </a:blip>
+          <a:stretch>
+            <a:fillRect/>
+          </a:stretch>
+        </p:blipFill>
+        <p:spPr>
+          <a:xfrm>
+            <a:off x="3971925" y="1065515"/>
+            <a:ext cx="6888924" cy="4871984"/>
+          </a:xfrm>
+          <a:prstGeom prst="rect">
+            <a:avLst/>
+          </a:prstGeom>
+        </p:spPr>
+      </p:pic>
+      <p:sp>
+        <p:nvSpPr>
+          <p:cNvPr id="8" name="Rectangle 7">
+            <a:extLst>
+              <a:ext uri="{FF2B5EF4-FFF2-40B4-BE49-F238E27FC236}">
+                <a16:creationId xmlns:a16="http://schemas.microsoft.com/office/drawing/2014/main" id="{7736ACBB-374D-B686-6F71-22CE565C7E18}"/>
+              </a:ext>
+            </a:extLst>
+          </p:cNvPr>
+          <p:cNvSpPr/>
+          <p:nvPr/>
+        </p:nvSpPr>
+        <p:spPr>
+          <a:xfrm>
+            <a:off x="5493545" y="1451489"/>
+            <a:ext cx="69056" cy="655915"/>
+          </a:xfrm>
+          <a:prstGeom prst="rect">
+            <a:avLst/>
+          </a:prstGeom>
+          <a:solidFill>
+            <a:schemeClr val="bg1"/>
+          </a:solidFill>
+          <a:ln>
+            <a:noFill/>
+          </a:ln>
+        </p:spPr>
+        <p:style>
+          <a:lnRef idx="2">
+            <a:schemeClr val="accent1">
+              <a:shade val="15000"/>
+            </a:schemeClr>
+          </a:lnRef>
+          <a:fillRef idx="1">
+            <a:schemeClr val="accent1"/>
+          </a:fillRef>
+          <a:effectRef idx="0">
+            <a:schemeClr val="accent1"/>
+          </a:effectRef>
+          <a:fontRef idx="minor">
+            <a:schemeClr val="lt1"/>
+          </a:fontRef>
+        </p:style>
+        <p:txBody>
+          <a:bodyPr rtlCol="0" anchor="ctr"/>
+          <a:lstStyle/>
+          <a:p>
+            <a:pPr algn="ctr"/>
+            <a:endParaRPr lang="fr-FR"/>
+          </a:p>
+        </p:txBody>
+      </p:sp>
+      <p:cxnSp>
+        <p:nvCxnSpPr>
+          <p:cNvPr id="9" name="Connecteur droit avec flèche 8">
+            <a:extLst>
+              <a:ext uri="{FF2B5EF4-FFF2-40B4-BE49-F238E27FC236}">
+                <a16:creationId xmlns:a16="http://schemas.microsoft.com/office/drawing/2014/main" id="{1CFA50C4-C72A-1342-AF97-17BC8C78FEA3}"/>
+              </a:ext>
+            </a:extLst>
+          </p:cNvPr>
+          <p:cNvCxnSpPr>
+            <a:cxnSpLocks/>
+          </p:cNvCxnSpPr>
+          <p:nvPr/>
+        </p:nvCxnSpPr>
+        <p:spPr>
+          <a:xfrm flipH="1">
+            <a:off x="7981950" y="2391078"/>
+            <a:ext cx="732251" cy="0"/>
+          </a:xfrm>
+          <a:prstGeom prst="straightConnector1">
+            <a:avLst/>
+          </a:prstGeom>
+          <a:ln>
+            <a:solidFill>
+              <a:schemeClr val="accent6">
+                <a:lumMod val="75000"/>
+              </a:schemeClr>
+            </a:solidFill>
+            <a:tailEnd type="triangle"/>
+          </a:ln>
+        </p:spPr>
+        <p:style>
+          <a:lnRef idx="2">
+            <a:schemeClr val="accent1"/>
+          </a:lnRef>
+          <a:fillRef idx="0">
+            <a:schemeClr val="accent1"/>
+          </a:fillRef>
+          <a:effectRef idx="1">
+            <a:schemeClr val="accent1"/>
+          </a:effectRef>
+          <a:fontRef idx="minor">
+            <a:schemeClr val="tx1"/>
+          </a:fontRef>
+        </p:style>
+      </p:cxnSp>
+      <p:cxnSp>
+        <p:nvCxnSpPr>
+          <p:cNvPr id="11" name="Connecteur droit avec flèche 10">
+            <a:extLst>
+              <a:ext uri="{FF2B5EF4-FFF2-40B4-BE49-F238E27FC236}">
+                <a16:creationId xmlns:a16="http://schemas.microsoft.com/office/drawing/2014/main" id="{52F4975F-CCB9-3CC7-23FF-E989BCC2F2DA}"/>
+              </a:ext>
+            </a:extLst>
+          </p:cNvPr>
+          <p:cNvCxnSpPr>
+            <a:cxnSpLocks/>
+          </p:cNvCxnSpPr>
+          <p:nvPr/>
+        </p:nvCxnSpPr>
+        <p:spPr>
+          <a:xfrm flipV="1">
+            <a:off x="8173949" y="1819275"/>
+            <a:ext cx="160426" cy="416468"/>
+          </a:xfrm>
+          <a:prstGeom prst="straightConnector1">
+            <a:avLst/>
+          </a:prstGeom>
+          <a:ln>
+            <a:solidFill>
+              <a:schemeClr val="accent6">
+                <a:lumMod val="75000"/>
+              </a:schemeClr>
+            </a:solidFill>
+            <a:tailEnd type="triangle"/>
+          </a:ln>
+        </p:spPr>
+        <p:style>
+          <a:lnRef idx="2">
+            <a:schemeClr val="accent1"/>
+          </a:lnRef>
+          <a:fillRef idx="0">
+            <a:schemeClr val="accent1"/>
+          </a:fillRef>
+          <a:effectRef idx="1">
+            <a:schemeClr val="accent1"/>
+          </a:effectRef>
+          <a:fontRef idx="minor">
+            <a:schemeClr val="tx1"/>
+          </a:fontRef>
+        </p:style>
+      </p:cxnSp>
+      <p:cxnSp>
+        <p:nvCxnSpPr>
+          <p:cNvPr id="15" name="Connecteur droit avec flèche 14">
+            <a:extLst>
+              <a:ext uri="{FF2B5EF4-FFF2-40B4-BE49-F238E27FC236}">
+                <a16:creationId xmlns:a16="http://schemas.microsoft.com/office/drawing/2014/main" id="{AC7F0C99-FD7C-0809-FB54-8157748D9074}"/>
+              </a:ext>
+            </a:extLst>
+          </p:cNvPr>
+          <p:cNvCxnSpPr>
+            <a:cxnSpLocks/>
+          </p:cNvCxnSpPr>
+          <p:nvPr/>
+        </p:nvCxnSpPr>
+        <p:spPr>
+          <a:xfrm flipH="1">
+            <a:off x="7505700" y="1819275"/>
+            <a:ext cx="668249" cy="414089"/>
+          </a:xfrm>
+          <a:prstGeom prst="straightConnector1">
+            <a:avLst/>
+          </a:prstGeom>
+          <a:ln>
+            <a:solidFill>
+              <a:schemeClr val="accent6">
+                <a:lumMod val="75000"/>
+              </a:schemeClr>
+            </a:solidFill>
+            <a:tailEnd type="triangle"/>
+          </a:ln>
+        </p:spPr>
+        <p:style>
+          <a:lnRef idx="2">
+            <a:schemeClr val="accent1"/>
+          </a:lnRef>
+          <a:fillRef idx="0">
+            <a:schemeClr val="accent1"/>
+          </a:fillRef>
+          <a:effectRef idx="1">
+            <a:schemeClr val="accent1"/>
+          </a:effectRef>
+          <a:fontRef idx="minor">
+            <a:schemeClr val="tx1"/>
+          </a:fontRef>
+        </p:style>
+      </p:cxnSp>
+      <p:cxnSp>
+        <p:nvCxnSpPr>
+          <p:cNvPr id="18" name="Connecteur droit avec flèche 17">
+            <a:extLst>
+              <a:ext uri="{FF2B5EF4-FFF2-40B4-BE49-F238E27FC236}">
+                <a16:creationId xmlns:a16="http://schemas.microsoft.com/office/drawing/2014/main" id="{1E2233B5-2FB5-C93B-439F-AF46D0448746}"/>
+              </a:ext>
+            </a:extLst>
+          </p:cNvPr>
+          <p:cNvCxnSpPr>
+            <a:cxnSpLocks/>
+          </p:cNvCxnSpPr>
+          <p:nvPr/>
+        </p:nvCxnSpPr>
+        <p:spPr>
+          <a:xfrm flipH="1">
+            <a:off x="7038975" y="2391078"/>
+            <a:ext cx="377412" cy="628347"/>
+          </a:xfrm>
+          <a:prstGeom prst="straightConnector1">
+            <a:avLst/>
+          </a:prstGeom>
+          <a:ln>
+            <a:solidFill>
+              <a:schemeClr val="accent6">
+                <a:lumMod val="75000"/>
+              </a:schemeClr>
+            </a:solidFill>
+            <a:tailEnd type="triangle"/>
+          </a:ln>
+        </p:spPr>
+        <p:style>
+          <a:lnRef idx="2">
+            <a:schemeClr val="accent1"/>
+          </a:lnRef>
+          <a:fillRef idx="0">
+            <a:schemeClr val="accent1"/>
+          </a:fillRef>
+          <a:effectRef idx="1">
+            <a:schemeClr val="accent1"/>
+          </a:effectRef>
+          <a:fontRef idx="minor">
+            <a:schemeClr val="tx1"/>
+          </a:fontRef>
+        </p:style>
+      </p:cxnSp>
+      <p:cxnSp>
+        <p:nvCxnSpPr>
+          <p:cNvPr id="20" name="Connecteur droit avec flèche 19">
+            <a:extLst>
+              <a:ext uri="{FF2B5EF4-FFF2-40B4-BE49-F238E27FC236}">
+                <a16:creationId xmlns:a16="http://schemas.microsoft.com/office/drawing/2014/main" id="{649EE837-FF81-71A8-3360-074C374689EB}"/>
+              </a:ext>
+            </a:extLst>
+          </p:cNvPr>
+          <p:cNvCxnSpPr>
+            <a:cxnSpLocks/>
+          </p:cNvCxnSpPr>
+          <p:nvPr/>
+        </p:nvCxnSpPr>
+        <p:spPr>
+          <a:xfrm>
+            <a:off x="6962775" y="3114675"/>
+            <a:ext cx="542925" cy="879885"/>
+          </a:xfrm>
+          <a:prstGeom prst="straightConnector1">
+            <a:avLst/>
+          </a:prstGeom>
+          <a:ln>
+            <a:solidFill>
+              <a:schemeClr val="accent6">
+                <a:lumMod val="75000"/>
+              </a:schemeClr>
+            </a:solidFill>
+            <a:tailEnd type="triangle"/>
+          </a:ln>
+        </p:spPr>
+        <p:style>
+          <a:lnRef idx="2">
+            <a:schemeClr val="accent1"/>
+          </a:lnRef>
+          <a:fillRef idx="0">
+            <a:schemeClr val="accent1"/>
+          </a:fillRef>
+          <a:effectRef idx="1">
+            <a:schemeClr val="accent1"/>
+          </a:effectRef>
+          <a:fontRef idx="minor">
+            <a:schemeClr val="tx1"/>
+          </a:fontRef>
+        </p:style>
+      </p:cxnSp>
+      <p:cxnSp>
+        <p:nvCxnSpPr>
+          <p:cNvPr id="25" name="Connecteur droit avec flèche 24">
+            <a:extLst>
+              <a:ext uri="{FF2B5EF4-FFF2-40B4-BE49-F238E27FC236}">
+                <a16:creationId xmlns:a16="http://schemas.microsoft.com/office/drawing/2014/main" id="{EA56CBB2-660F-91E5-47CB-3B1B88531221}"/>
+              </a:ext>
+            </a:extLst>
+          </p:cNvPr>
+          <p:cNvCxnSpPr>
+            <a:cxnSpLocks/>
+          </p:cNvCxnSpPr>
+          <p:nvPr/>
+        </p:nvCxnSpPr>
+        <p:spPr>
+          <a:xfrm flipV="1">
+            <a:off x="7600950" y="3501507"/>
+            <a:ext cx="1390650" cy="506494"/>
+          </a:xfrm>
+          <a:prstGeom prst="straightConnector1">
+            <a:avLst/>
+          </a:prstGeom>
+          <a:ln>
+            <a:solidFill>
+              <a:schemeClr val="accent6">
+                <a:lumMod val="75000"/>
+              </a:schemeClr>
+            </a:solidFill>
+            <a:tailEnd type="triangle"/>
+          </a:ln>
+        </p:spPr>
+        <p:style>
+          <a:lnRef idx="2">
+            <a:schemeClr val="accent1"/>
+          </a:lnRef>
+          <a:fillRef idx="0">
+            <a:schemeClr val="accent1"/>
+          </a:fillRef>
+          <a:effectRef idx="1">
+            <a:schemeClr val="accent1"/>
+          </a:effectRef>
+          <a:fontRef idx="minor">
+            <a:schemeClr val="tx1"/>
+          </a:fontRef>
+        </p:style>
+      </p:cxnSp>
+      <p:cxnSp>
+        <p:nvCxnSpPr>
+          <p:cNvPr id="28" name="Connecteur droit avec flèche 27">
+            <a:extLst>
+              <a:ext uri="{FF2B5EF4-FFF2-40B4-BE49-F238E27FC236}">
+                <a16:creationId xmlns:a16="http://schemas.microsoft.com/office/drawing/2014/main" id="{94BDA5FC-A305-DB0C-91B7-2DC76A4D96DB}"/>
+              </a:ext>
+            </a:extLst>
+          </p:cNvPr>
+          <p:cNvCxnSpPr>
+            <a:cxnSpLocks/>
+          </p:cNvCxnSpPr>
+          <p:nvPr/>
+        </p:nvCxnSpPr>
+        <p:spPr>
+          <a:xfrm flipV="1">
+            <a:off x="9058275" y="2430622"/>
+            <a:ext cx="600075" cy="942432"/>
+          </a:xfrm>
+          <a:prstGeom prst="straightConnector1">
+            <a:avLst/>
+          </a:prstGeom>
+          <a:ln>
+            <a:solidFill>
+              <a:schemeClr val="accent6">
+                <a:lumMod val="75000"/>
+              </a:schemeClr>
+            </a:solidFill>
+            <a:tailEnd type="triangle"/>
+          </a:ln>
+        </p:spPr>
+        <p:style>
+          <a:lnRef idx="2">
+            <a:schemeClr val="accent1"/>
+          </a:lnRef>
+          <a:fillRef idx="0">
+            <a:schemeClr val="accent1"/>
+          </a:fillRef>
+          <a:effectRef idx="1">
+            <a:schemeClr val="accent1"/>
+          </a:effectRef>
+          <a:fontRef idx="minor">
+            <a:schemeClr val="tx1"/>
+          </a:fontRef>
+        </p:style>
+      </p:cxnSp>
+      <p:cxnSp>
+        <p:nvCxnSpPr>
+          <p:cNvPr id="32" name="Connecteur droit avec flèche 31">
+            <a:extLst>
+              <a:ext uri="{FF2B5EF4-FFF2-40B4-BE49-F238E27FC236}">
+                <a16:creationId xmlns:a16="http://schemas.microsoft.com/office/drawing/2014/main" id="{36232310-EAEC-CADF-5316-6BDF5F1E30FE}"/>
+              </a:ext>
+            </a:extLst>
+          </p:cNvPr>
+          <p:cNvCxnSpPr>
+            <a:cxnSpLocks/>
+          </p:cNvCxnSpPr>
+          <p:nvPr/>
+        </p:nvCxnSpPr>
+        <p:spPr>
+          <a:xfrm flipV="1">
+            <a:off x="9764625" y="1647267"/>
+            <a:ext cx="112800" cy="600224"/>
+          </a:xfrm>
+          <a:prstGeom prst="straightConnector1">
+            <a:avLst/>
+          </a:prstGeom>
+          <a:ln>
+            <a:solidFill>
+              <a:schemeClr val="accent6">
+                <a:lumMod val="75000"/>
+              </a:schemeClr>
+            </a:solidFill>
+            <a:tailEnd type="triangle"/>
+          </a:ln>
+        </p:spPr>
+        <p:style>
+          <a:lnRef idx="2">
+            <a:schemeClr val="accent1"/>
+          </a:lnRef>
+          <a:fillRef idx="0">
+            <a:schemeClr val="accent1"/>
+          </a:fillRef>
+          <a:effectRef idx="1">
+            <a:schemeClr val="accent1"/>
+          </a:effectRef>
+          <a:fontRef idx="minor">
+            <a:schemeClr val="tx1"/>
+          </a:fontRef>
+        </p:style>
+      </p:cxnSp>
+      <p:cxnSp>
+        <p:nvCxnSpPr>
+          <p:cNvPr id="35" name="Connecteur droit avec flèche 34">
+            <a:extLst>
+              <a:ext uri="{FF2B5EF4-FFF2-40B4-BE49-F238E27FC236}">
+                <a16:creationId xmlns:a16="http://schemas.microsoft.com/office/drawing/2014/main" id="{E13A03B9-921B-C318-0D31-995DC006CF0A}"/>
+              </a:ext>
+            </a:extLst>
+          </p:cNvPr>
+          <p:cNvCxnSpPr>
+            <a:cxnSpLocks/>
+          </p:cNvCxnSpPr>
+          <p:nvPr/>
+        </p:nvCxnSpPr>
+        <p:spPr>
+          <a:xfrm flipV="1">
+            <a:off x="9877425" y="1188914"/>
+            <a:ext cx="669213" cy="400269"/>
+          </a:xfrm>
+          <a:prstGeom prst="straightConnector1">
+            <a:avLst/>
+          </a:prstGeom>
+          <a:ln>
+            <a:solidFill>
+              <a:schemeClr val="accent6">
+                <a:lumMod val="75000"/>
+              </a:schemeClr>
+            </a:solidFill>
+            <a:tailEnd type="triangle"/>
+          </a:ln>
+        </p:spPr>
+        <p:style>
+          <a:lnRef idx="2">
+            <a:schemeClr val="accent1"/>
+          </a:lnRef>
+          <a:fillRef idx="0">
+            <a:schemeClr val="accent1"/>
+          </a:fillRef>
+          <a:effectRef idx="1">
+            <a:schemeClr val="accent1"/>
+          </a:effectRef>
+          <a:fontRef idx="minor">
+            <a:schemeClr val="tx1"/>
+          </a:fontRef>
+        </p:style>
+      </p:cxnSp>
+      <p:sp>
+        <p:nvSpPr>
+          <p:cNvPr id="39" name="ZoneTexte 38">
+            <a:extLst>
+              <a:ext uri="{FF2B5EF4-FFF2-40B4-BE49-F238E27FC236}">
+                <a16:creationId xmlns:a16="http://schemas.microsoft.com/office/drawing/2014/main" id="{05A749B8-F14D-3906-CDF5-9DD9FA67A9DE}"/>
+              </a:ext>
+            </a:extLst>
+          </p:cNvPr>
+          <p:cNvSpPr txBox="1"/>
+          <p:nvPr/>
+        </p:nvSpPr>
+        <p:spPr>
+          <a:xfrm>
+            <a:off x="502446" y="3429000"/>
+            <a:ext cx="4991099" cy="2031325"/>
+          </a:xfrm>
+          <a:prstGeom prst="rect">
+            <a:avLst/>
+          </a:prstGeom>
+          <a:noFill/>
+        </p:spPr>
+        <p:txBody>
+          <a:bodyPr wrap="square" rtlCol="0">
+            <a:spAutoFit/>
+          </a:bodyPr>
+          <a:lstStyle/>
+          <a:p>
+            <a:pPr marL="285750" indent="-285750">
+              <a:buFont typeface="Wingdings" panose="05000000000000000000" pitchFamily="2" charset="2"/>
+              <a:buChar char="ü"/>
+            </a:pPr>
+            <a:r>
+              <a:rPr lang="fr-FR" dirty="0" err="1">
+                <a:latin typeface="Stubble bold" panose="02000806030000020004" pitchFamily="2" charset="0"/>
+              </a:rPr>
+              <a:t>Step</a:t>
+            </a:r>
+            <a:r>
+              <a:rPr lang="fr-FR" dirty="0">
+                <a:latin typeface="Stubble bold" panose="02000806030000020004" pitchFamily="2" charset="0"/>
+              </a:rPr>
+              <a:t> 6 : Look for a switch to </a:t>
+            </a:r>
+            <a:r>
+              <a:rPr lang="fr-FR" dirty="0" err="1">
+                <a:latin typeface="Stubble bold" panose="02000806030000020004" pitchFamily="2" charset="0"/>
+              </a:rPr>
+              <a:t>turn</a:t>
+            </a:r>
+            <a:r>
+              <a:rPr lang="fr-FR" dirty="0">
+                <a:latin typeface="Stubble bold" panose="02000806030000020004" pitchFamily="2" charset="0"/>
+              </a:rPr>
+              <a:t> on the power in the station. This affects :</a:t>
+            </a:r>
+          </a:p>
+          <a:p>
+            <a:pPr marL="742950" lvl="1" indent="-285750">
+              <a:buFont typeface="Arial" panose="020B0604020202020204" pitchFamily="34" charset="0"/>
+              <a:buChar char="•"/>
+            </a:pPr>
+            <a:r>
+              <a:rPr lang="fr-FR" dirty="0">
+                <a:latin typeface="Stubble bold" panose="02000806030000020004" pitchFamily="2" charset="0"/>
+              </a:rPr>
+              <a:t>Lights</a:t>
+            </a:r>
+          </a:p>
+          <a:p>
+            <a:pPr marL="742950" lvl="1" indent="-285750">
+              <a:buFont typeface="Arial" panose="020B0604020202020204" pitchFamily="34" charset="0"/>
+              <a:buChar char="•"/>
+            </a:pPr>
+            <a:r>
+              <a:rPr lang="fr-FR" dirty="0">
+                <a:latin typeface="Stubble bold" panose="02000806030000020004" pitchFamily="2" charset="0"/>
+              </a:rPr>
+              <a:t>Doors</a:t>
+            </a:r>
+          </a:p>
+          <a:p>
+            <a:pPr marL="742950" lvl="1" indent="-285750">
+              <a:buFont typeface="Arial" panose="020B0604020202020204" pitchFamily="34" charset="0"/>
+              <a:buChar char="•"/>
+            </a:pPr>
+            <a:r>
+              <a:rPr lang="fr-FR" dirty="0">
+                <a:latin typeface="Stubble bold" panose="02000806030000020004" pitchFamily="2" charset="0"/>
+              </a:rPr>
+              <a:t>Escalators</a:t>
+            </a:r>
+          </a:p>
+          <a:p>
+            <a:pPr marL="285750" indent="-285750">
+              <a:buFont typeface="Wingdings" panose="05000000000000000000" pitchFamily="2" charset="2"/>
+              <a:buChar char="ü"/>
+            </a:pPr>
+            <a:r>
+              <a:rPr lang="fr-FR" dirty="0" err="1">
+                <a:latin typeface="Stubble bold" panose="02000806030000020004" pitchFamily="2" charset="0"/>
+              </a:rPr>
+              <a:t>Step</a:t>
+            </a:r>
+            <a:r>
+              <a:rPr lang="fr-FR" dirty="0">
+                <a:latin typeface="Stubble bold" panose="02000806030000020004" pitchFamily="2" charset="0"/>
+              </a:rPr>
+              <a:t> 7 : Go </a:t>
+            </a:r>
+            <a:r>
+              <a:rPr lang="fr-FR" dirty="0" err="1">
+                <a:latin typeface="Stubble bold" panose="02000806030000020004" pitchFamily="2" charset="0"/>
+              </a:rPr>
+              <a:t>through</a:t>
+            </a:r>
+            <a:r>
+              <a:rPr lang="fr-FR" dirty="0">
+                <a:latin typeface="Stubble bold" panose="02000806030000020004" pitchFamily="2" charset="0"/>
+              </a:rPr>
+              <a:t> the parking to go to the </a:t>
+            </a:r>
+            <a:r>
+              <a:rPr lang="fr-FR" dirty="0" err="1">
+                <a:latin typeface="Stubble bold" panose="02000806030000020004" pitchFamily="2" charset="0"/>
+              </a:rPr>
+              <a:t>floor</a:t>
+            </a:r>
+            <a:r>
+              <a:rPr lang="fr-FR" dirty="0">
+                <a:latin typeface="Stubble bold" panose="02000806030000020004" pitchFamily="2" charset="0"/>
+              </a:rPr>
+              <a:t> -2</a:t>
+            </a:r>
+          </a:p>
+        </p:txBody>
+      </p:sp>
+    </p:spTree>
+    <p:extLst>
+      <p:ext uri="{BB962C8B-B14F-4D97-AF65-F5344CB8AC3E}">
+        <p14:creationId xmlns:p14="http://schemas.microsoft.com/office/powerpoint/2010/main" val="3223158132"/>
       </p:ext>
     </p:extLst>
   </p:cSld>
